--- a/SmartChoiceRecipes.pptx
+++ b/SmartChoiceRecipes.pptx
@@ -6,6 +6,12 @@
   </p:sldMasterIdLst>
   <p:sldIdLst>
     <p:sldId id="256" r:id="rId2"/>
+    <p:sldId id="257" r:id="rId3"/>
+    <p:sldId id="258" r:id="rId4"/>
+    <p:sldId id="259" r:id="rId5"/>
+    <p:sldId id="260" r:id="rId6"/>
+    <p:sldId id="261" r:id="rId7"/>
+    <p:sldId id="262" r:id="rId8"/>
   </p:sldIdLst>
   <p:sldSz cx="12192000" cy="6858000"/>
   <p:notesSz cx="6858000" cy="9144000"/>
@@ -104,7 +110,2803 @@
       </a:defRPr>
     </a:lvl9pPr>
   </p:defaultTextStyle>
+  <p:extLst>
+    <p:ext uri="{EFAFB233-063F-42B5-8137-9DF3F51BA10A}">
+      <p15:sldGuideLst xmlns:p15="http://schemas.microsoft.com/office/powerpoint/2012/main"/>
+    </p:ext>
+  </p:extLst>
 </p:presentation>
+</file>
+
+<file path=ppt/diagrams/colors1.xml><?xml version="1.0" encoding="utf-8"?>
+<dgm:colorsDef xmlns:dgm="http://schemas.openxmlformats.org/drawingml/2006/diagram" xmlns:a="http://schemas.openxmlformats.org/drawingml/2006/main" uniqueId="urn:microsoft.com/office/officeart/2018/5/colors/Iconchunking_neutralbg_colorful1">
+  <dgm:title val=""/>
+  <dgm:desc val=""/>
+  <dgm:catLst>
+    <dgm:cat type="colorful" pri="10100"/>
+  </dgm:catLst>
+  <dgm:styleLbl name="node0">
+    <dgm:fillClrLst meth="repeat">
+      <a:schemeClr val="accent1"/>
+    </dgm:fillClrLst>
+    <dgm:linClrLst meth="repeat">
+      <a:schemeClr val="lt1"/>
+    </dgm:linClrLst>
+    <dgm:effectClrLst/>
+    <dgm:txLinClrLst/>
+    <dgm:txFillClrLst/>
+    <dgm:txEffectClrLst/>
+  </dgm:styleLbl>
+  <dgm:styleLbl name="node1">
+    <dgm:fillClrLst meth="repeat">
+      <a:schemeClr val="accent2"/>
+      <a:schemeClr val="accent3"/>
+      <a:schemeClr val="accent4"/>
+      <a:schemeClr val="accent5"/>
+      <a:schemeClr val="accent6"/>
+    </dgm:fillClrLst>
+    <dgm:linClrLst meth="repeat">
+      <a:schemeClr val="lt1">
+        <a:alpha val="0"/>
+      </a:schemeClr>
+    </dgm:linClrLst>
+    <dgm:effectClrLst/>
+    <dgm:txLinClrLst/>
+    <dgm:txFillClrLst/>
+    <dgm:txEffectClrLst/>
+  </dgm:styleLbl>
+  <dgm:styleLbl name="alignNode1">
+    <dgm:fillClrLst meth="repeat">
+      <a:schemeClr val="accent2"/>
+      <a:schemeClr val="accent3"/>
+      <a:schemeClr val="accent4"/>
+      <a:schemeClr val="accent5"/>
+      <a:schemeClr val="accent6"/>
+    </dgm:fillClrLst>
+    <dgm:linClrLst meth="repeat">
+      <a:schemeClr val="accent2"/>
+      <a:schemeClr val="accent3"/>
+      <a:schemeClr val="accent4"/>
+      <a:schemeClr val="accent5"/>
+      <a:schemeClr val="accent6"/>
+    </dgm:linClrLst>
+    <dgm:effectClrLst/>
+    <dgm:txLinClrLst/>
+    <dgm:txFillClrLst/>
+    <dgm:txEffectClrLst/>
+  </dgm:styleLbl>
+  <dgm:styleLbl name="lnNode1">
+    <dgm:fillClrLst meth="repeat">
+      <a:schemeClr val="accent2"/>
+      <a:schemeClr val="accent3"/>
+      <a:schemeClr val="accent4"/>
+      <a:schemeClr val="accent5"/>
+      <a:schemeClr val="accent6"/>
+    </dgm:fillClrLst>
+    <dgm:linClrLst meth="repeat">
+      <a:schemeClr val="lt1"/>
+    </dgm:linClrLst>
+    <dgm:effectClrLst/>
+    <dgm:txLinClrLst/>
+    <dgm:txFillClrLst/>
+    <dgm:txEffectClrLst/>
+  </dgm:styleLbl>
+  <dgm:styleLbl name="vennNode1">
+    <dgm:fillClrLst meth="repeat">
+      <a:schemeClr val="accent2">
+        <a:alpha val="50000"/>
+      </a:schemeClr>
+      <a:schemeClr val="accent3">
+        <a:alpha val="50000"/>
+      </a:schemeClr>
+      <a:schemeClr val="accent4">
+        <a:alpha val="50000"/>
+      </a:schemeClr>
+      <a:schemeClr val="accent5">
+        <a:alpha val="50000"/>
+      </a:schemeClr>
+      <a:schemeClr val="accent6">
+        <a:alpha val="50000"/>
+      </a:schemeClr>
+    </dgm:fillClrLst>
+    <dgm:linClrLst meth="repeat">
+      <a:schemeClr val="lt1"/>
+    </dgm:linClrLst>
+    <dgm:effectClrLst/>
+    <dgm:txLinClrLst/>
+    <dgm:txFillClrLst/>
+    <dgm:txEffectClrLst/>
+  </dgm:styleLbl>
+  <dgm:styleLbl name="node2">
+    <dgm:fillClrLst>
+      <a:schemeClr val="accent2"/>
+    </dgm:fillClrLst>
+    <dgm:linClrLst meth="repeat">
+      <a:schemeClr val="lt1"/>
+    </dgm:linClrLst>
+    <dgm:effectClrLst/>
+    <dgm:txLinClrLst/>
+    <dgm:txFillClrLst/>
+    <dgm:txEffectClrLst/>
+  </dgm:styleLbl>
+  <dgm:styleLbl name="node3">
+    <dgm:fillClrLst>
+      <a:schemeClr val="accent3"/>
+    </dgm:fillClrLst>
+    <dgm:linClrLst meth="repeat">
+      <a:schemeClr val="lt1"/>
+    </dgm:linClrLst>
+    <dgm:effectClrLst/>
+    <dgm:txLinClrLst/>
+    <dgm:txFillClrLst/>
+    <dgm:txEffectClrLst/>
+  </dgm:styleLbl>
+  <dgm:styleLbl name="node4">
+    <dgm:fillClrLst>
+      <a:schemeClr val="accent4"/>
+    </dgm:fillClrLst>
+    <dgm:linClrLst meth="repeat">
+      <a:schemeClr val="lt1"/>
+    </dgm:linClrLst>
+    <dgm:effectClrLst/>
+    <dgm:txLinClrLst/>
+    <dgm:txFillClrLst/>
+    <dgm:txEffectClrLst/>
+  </dgm:styleLbl>
+  <dgm:styleLbl name="fgImgPlace1">
+    <dgm:fillClrLst meth="repeat">
+      <a:schemeClr val="accent2">
+        <a:tint val="50000"/>
+      </a:schemeClr>
+      <a:schemeClr val="accent3">
+        <a:tint val="50000"/>
+      </a:schemeClr>
+      <a:schemeClr val="accent4">
+        <a:tint val="50000"/>
+      </a:schemeClr>
+      <a:schemeClr val="accent5">
+        <a:tint val="50000"/>
+      </a:schemeClr>
+      <a:schemeClr val="accent6">
+        <a:tint val="50000"/>
+      </a:schemeClr>
+    </dgm:fillClrLst>
+    <dgm:linClrLst meth="repeat">
+      <a:schemeClr val="lt1"/>
+    </dgm:linClrLst>
+    <dgm:effectClrLst/>
+    <dgm:txLinClrLst/>
+    <dgm:txFillClrLst meth="repeat">
+      <a:schemeClr val="lt1"/>
+    </dgm:txFillClrLst>
+    <dgm:txEffectClrLst/>
+  </dgm:styleLbl>
+  <dgm:styleLbl name="alignImgPlace1">
+    <dgm:fillClrLst>
+      <a:schemeClr val="accent1">
+        <a:tint val="50000"/>
+      </a:schemeClr>
+      <a:schemeClr val="accent2">
+        <a:tint val="20000"/>
+      </a:schemeClr>
+    </dgm:fillClrLst>
+    <dgm:linClrLst meth="repeat">
+      <a:schemeClr val="lt1"/>
+    </dgm:linClrLst>
+    <dgm:effectClrLst/>
+    <dgm:txLinClrLst/>
+    <dgm:txFillClrLst meth="repeat">
+      <a:schemeClr val="lt1"/>
+    </dgm:txFillClrLst>
+    <dgm:txEffectClrLst/>
+  </dgm:styleLbl>
+  <dgm:styleLbl name="bgImgPlace1">
+    <dgm:fillClrLst>
+      <a:schemeClr val="accent1">
+        <a:tint val="50000"/>
+      </a:schemeClr>
+      <a:schemeClr val="accent2">
+        <a:tint val="20000"/>
+      </a:schemeClr>
+    </dgm:fillClrLst>
+    <dgm:linClrLst meth="repeat">
+      <a:schemeClr val="lt1"/>
+    </dgm:linClrLst>
+    <dgm:effectClrLst/>
+    <dgm:txLinClrLst/>
+    <dgm:txFillClrLst meth="repeat">
+      <a:schemeClr val="lt1"/>
+    </dgm:txFillClrLst>
+    <dgm:txEffectClrLst/>
+  </dgm:styleLbl>
+  <dgm:styleLbl name="sibTrans2D1">
+    <dgm:fillClrLst meth="repeat">
+      <a:schemeClr val="accent2"/>
+      <a:schemeClr val="accent3"/>
+      <a:schemeClr val="accent4"/>
+      <a:schemeClr val="accent5"/>
+      <a:schemeClr val="accent6"/>
+    </dgm:fillClrLst>
+    <dgm:linClrLst meth="cycle">
+      <a:schemeClr val="lt1"/>
+    </dgm:linClrLst>
+    <dgm:effectClrLst/>
+    <dgm:txLinClrLst/>
+    <dgm:txFillClrLst/>
+    <dgm:txEffectClrLst/>
+  </dgm:styleLbl>
+  <dgm:styleLbl name="fgSibTrans2D1">
+    <dgm:fillClrLst meth="repeat">
+      <a:schemeClr val="accent2"/>
+      <a:schemeClr val="accent3"/>
+      <a:schemeClr val="accent4"/>
+      <a:schemeClr val="accent5"/>
+      <a:schemeClr val="accent6"/>
+    </dgm:fillClrLst>
+    <dgm:linClrLst meth="cycle">
+      <a:schemeClr val="lt1"/>
+    </dgm:linClrLst>
+    <dgm:effectClrLst/>
+    <dgm:txLinClrLst/>
+    <dgm:txFillClrLst meth="repeat">
+      <a:schemeClr val="lt1"/>
+    </dgm:txFillClrLst>
+    <dgm:txEffectClrLst/>
+  </dgm:styleLbl>
+  <dgm:styleLbl name="bgSibTrans2D1">
+    <dgm:fillClrLst meth="repeat">
+      <a:schemeClr val="accent2"/>
+      <a:schemeClr val="accent3"/>
+      <a:schemeClr val="accent4"/>
+      <a:schemeClr val="accent5"/>
+      <a:schemeClr val="accent6"/>
+    </dgm:fillClrLst>
+    <dgm:linClrLst meth="cycle">
+      <a:schemeClr val="lt1"/>
+    </dgm:linClrLst>
+    <dgm:effectClrLst/>
+    <dgm:txLinClrLst/>
+    <dgm:txFillClrLst meth="repeat">
+      <a:schemeClr val="lt1"/>
+    </dgm:txFillClrLst>
+    <dgm:txEffectClrLst/>
+  </dgm:styleLbl>
+  <dgm:styleLbl name="sibTrans1D1">
+    <dgm:fillClrLst meth="repeat">
+      <a:schemeClr val="accent2"/>
+      <a:schemeClr val="accent3"/>
+      <a:schemeClr val="accent4"/>
+      <a:schemeClr val="accent5"/>
+      <a:schemeClr val="accent6"/>
+    </dgm:fillClrLst>
+    <dgm:linClrLst meth="repeat">
+      <a:schemeClr val="accent2"/>
+      <a:schemeClr val="accent3"/>
+      <a:schemeClr val="accent4"/>
+      <a:schemeClr val="accent5"/>
+      <a:schemeClr val="accent6"/>
+    </dgm:linClrLst>
+    <dgm:effectClrLst/>
+    <dgm:txLinClrLst/>
+    <dgm:txFillClrLst meth="repeat">
+      <a:schemeClr val="tx1"/>
+    </dgm:txFillClrLst>
+    <dgm:txEffectClrLst/>
+  </dgm:styleLbl>
+  <dgm:styleLbl name="callout">
+    <dgm:fillClrLst meth="repeat">
+      <a:schemeClr val="accent2"/>
+    </dgm:fillClrLst>
+    <dgm:linClrLst meth="repeat">
+      <a:schemeClr val="accent2">
+        <a:tint val="50000"/>
+      </a:schemeClr>
+    </dgm:linClrLst>
+    <dgm:effectClrLst/>
+    <dgm:txLinClrLst/>
+    <dgm:txFillClrLst meth="repeat">
+      <a:schemeClr val="tx1"/>
+    </dgm:txFillClrLst>
+    <dgm:txEffectClrLst/>
+  </dgm:styleLbl>
+  <dgm:styleLbl name="asst0">
+    <dgm:fillClrLst meth="repeat">
+      <a:schemeClr val="accent1"/>
+    </dgm:fillClrLst>
+    <dgm:linClrLst meth="repeat">
+      <a:schemeClr val="lt1"/>
+    </dgm:linClrLst>
+    <dgm:effectClrLst/>
+    <dgm:txLinClrLst/>
+    <dgm:txFillClrLst/>
+    <dgm:txEffectClrLst/>
+  </dgm:styleLbl>
+  <dgm:styleLbl name="asst1">
+    <dgm:fillClrLst meth="repeat">
+      <a:schemeClr val="accent2"/>
+    </dgm:fillClrLst>
+    <dgm:linClrLst meth="repeat">
+      <a:schemeClr val="lt1"/>
+    </dgm:linClrLst>
+    <dgm:effectClrLst/>
+    <dgm:txLinClrLst/>
+    <dgm:txFillClrLst/>
+    <dgm:txEffectClrLst/>
+  </dgm:styleLbl>
+  <dgm:styleLbl name="asst2">
+    <dgm:fillClrLst>
+      <a:schemeClr val="accent3"/>
+    </dgm:fillClrLst>
+    <dgm:linClrLst meth="repeat">
+      <a:schemeClr val="lt1"/>
+    </dgm:linClrLst>
+    <dgm:effectClrLst/>
+    <dgm:txLinClrLst/>
+    <dgm:txFillClrLst/>
+    <dgm:txEffectClrLst/>
+  </dgm:styleLbl>
+  <dgm:styleLbl name="asst3">
+    <dgm:fillClrLst>
+      <a:schemeClr val="accent4"/>
+    </dgm:fillClrLst>
+    <dgm:linClrLst meth="repeat">
+      <a:schemeClr val="lt1"/>
+    </dgm:linClrLst>
+    <dgm:effectClrLst/>
+    <dgm:txLinClrLst/>
+    <dgm:txFillClrLst/>
+    <dgm:txEffectClrLst/>
+  </dgm:styleLbl>
+  <dgm:styleLbl name="asst4">
+    <dgm:fillClrLst>
+      <a:schemeClr val="accent5"/>
+    </dgm:fillClrLst>
+    <dgm:linClrLst meth="repeat">
+      <a:schemeClr val="lt1"/>
+    </dgm:linClrLst>
+    <dgm:effectClrLst/>
+    <dgm:txLinClrLst/>
+    <dgm:txFillClrLst/>
+    <dgm:txEffectClrLst/>
+  </dgm:styleLbl>
+  <dgm:styleLbl name="parChTrans2D1">
+    <dgm:fillClrLst meth="repeat">
+      <a:schemeClr val="accent2"/>
+    </dgm:fillClrLst>
+    <dgm:linClrLst meth="repeat">
+      <a:schemeClr val="lt1"/>
+    </dgm:linClrLst>
+    <dgm:effectClrLst/>
+    <dgm:txLinClrLst/>
+    <dgm:txFillClrLst meth="repeat">
+      <a:schemeClr val="lt1"/>
+    </dgm:txFillClrLst>
+    <dgm:txEffectClrLst/>
+  </dgm:styleLbl>
+  <dgm:styleLbl name="parChTrans2D2">
+    <dgm:fillClrLst meth="repeat">
+      <a:schemeClr val="accent3"/>
+    </dgm:fillClrLst>
+    <dgm:linClrLst meth="repeat">
+      <a:schemeClr val="lt1"/>
+    </dgm:linClrLst>
+    <dgm:effectClrLst/>
+    <dgm:txLinClrLst/>
+    <dgm:txFillClrLst/>
+    <dgm:txEffectClrLst/>
+  </dgm:styleLbl>
+  <dgm:styleLbl name="parChTrans2D3">
+    <dgm:fillClrLst meth="repeat">
+      <a:schemeClr val="accent4"/>
+    </dgm:fillClrLst>
+    <dgm:linClrLst meth="repeat">
+      <a:schemeClr val="lt1"/>
+    </dgm:linClrLst>
+    <dgm:effectClrLst/>
+    <dgm:txLinClrLst/>
+    <dgm:txFillClrLst/>
+    <dgm:txEffectClrLst/>
+  </dgm:styleLbl>
+  <dgm:styleLbl name="parChTrans2D4">
+    <dgm:fillClrLst meth="repeat">
+      <a:schemeClr val="accent5"/>
+    </dgm:fillClrLst>
+    <dgm:linClrLst meth="repeat">
+      <a:schemeClr val="lt1"/>
+    </dgm:linClrLst>
+    <dgm:effectClrLst/>
+    <dgm:txLinClrLst/>
+    <dgm:txFillClrLst meth="repeat">
+      <a:schemeClr val="lt1"/>
+    </dgm:txFillClrLst>
+    <dgm:txEffectClrLst/>
+  </dgm:styleLbl>
+  <dgm:styleLbl name="parChTrans1D1">
+    <dgm:fillClrLst meth="repeat">
+      <a:schemeClr val="accent2"/>
+    </dgm:fillClrLst>
+    <dgm:linClrLst meth="repeat">
+      <a:schemeClr val="accent1"/>
+    </dgm:linClrLst>
+    <dgm:effectClrLst/>
+    <dgm:txLinClrLst/>
+    <dgm:txFillClrLst meth="repeat">
+      <a:schemeClr val="tx1"/>
+    </dgm:txFillClrLst>
+    <dgm:txEffectClrLst/>
+  </dgm:styleLbl>
+  <dgm:styleLbl name="parChTrans1D2">
+    <dgm:fillClrLst meth="repeat">
+      <a:schemeClr val="accent3">
+        <a:tint val="90000"/>
+      </a:schemeClr>
+    </dgm:fillClrLst>
+    <dgm:linClrLst meth="repeat">
+      <a:schemeClr val="accent2"/>
+    </dgm:linClrLst>
+    <dgm:effectClrLst/>
+    <dgm:txLinClrLst/>
+    <dgm:txFillClrLst meth="repeat">
+      <a:schemeClr val="tx1"/>
+    </dgm:txFillClrLst>
+    <dgm:txEffectClrLst/>
+  </dgm:styleLbl>
+  <dgm:styleLbl name="parChTrans1D3">
+    <dgm:fillClrLst meth="repeat">
+      <a:schemeClr val="accent4">
+        <a:tint val="70000"/>
+      </a:schemeClr>
+    </dgm:fillClrLst>
+    <dgm:linClrLst meth="repeat">
+      <a:schemeClr val="accent3"/>
+    </dgm:linClrLst>
+    <dgm:effectClrLst/>
+    <dgm:txLinClrLst/>
+    <dgm:txFillClrLst meth="repeat">
+      <a:schemeClr val="tx1"/>
+    </dgm:txFillClrLst>
+    <dgm:txEffectClrLst/>
+  </dgm:styleLbl>
+  <dgm:styleLbl name="parChTrans1D4">
+    <dgm:fillClrLst meth="repeat">
+      <a:schemeClr val="accent5">
+        <a:tint val="50000"/>
+      </a:schemeClr>
+    </dgm:fillClrLst>
+    <dgm:linClrLst meth="repeat">
+      <a:schemeClr val="accent4"/>
+    </dgm:linClrLst>
+    <dgm:effectClrLst/>
+    <dgm:txLinClrLst/>
+    <dgm:txFillClrLst meth="repeat">
+      <a:schemeClr val="tx1"/>
+    </dgm:txFillClrLst>
+    <dgm:txEffectClrLst/>
+  </dgm:styleLbl>
+  <dgm:styleLbl name="fgAcc1">
+    <dgm:fillClrLst meth="repeat">
+      <a:schemeClr val="lt1">
+        <a:alpha val="90000"/>
+      </a:schemeClr>
+    </dgm:fillClrLst>
+    <dgm:linClrLst meth="repeat">
+      <a:schemeClr val="accent2"/>
+      <a:schemeClr val="accent3"/>
+      <a:schemeClr val="accent4"/>
+      <a:schemeClr val="accent5"/>
+      <a:schemeClr val="accent6"/>
+    </dgm:linClrLst>
+    <dgm:effectClrLst/>
+    <dgm:txLinClrLst/>
+    <dgm:txFillClrLst meth="repeat">
+      <a:schemeClr val="dk1"/>
+    </dgm:txFillClrLst>
+    <dgm:txEffectClrLst/>
+  </dgm:styleLbl>
+  <dgm:styleLbl name="conFgAcc1">
+    <dgm:fillClrLst meth="repeat">
+      <a:schemeClr val="lt1">
+        <a:alpha val="90000"/>
+      </a:schemeClr>
+    </dgm:fillClrLst>
+    <dgm:linClrLst meth="repeat">
+      <a:schemeClr val="accent2"/>
+      <a:schemeClr val="accent3"/>
+      <a:schemeClr val="accent4"/>
+      <a:schemeClr val="accent5"/>
+      <a:schemeClr val="accent6"/>
+    </dgm:linClrLst>
+    <dgm:effectClrLst/>
+    <dgm:txLinClrLst/>
+    <dgm:txFillClrLst meth="repeat">
+      <a:schemeClr val="dk1"/>
+    </dgm:txFillClrLst>
+    <dgm:txEffectClrLst/>
+  </dgm:styleLbl>
+  <dgm:styleLbl name="alignAcc1">
+    <dgm:fillClrLst meth="repeat">
+      <a:schemeClr val="lt1">
+        <a:alpha val="90000"/>
+      </a:schemeClr>
+    </dgm:fillClrLst>
+    <dgm:linClrLst meth="repeat">
+      <a:schemeClr val="accent2"/>
+      <a:schemeClr val="accent3"/>
+      <a:schemeClr val="accent4"/>
+      <a:schemeClr val="accent5"/>
+      <a:schemeClr val="accent6"/>
+    </dgm:linClrLst>
+    <dgm:effectClrLst/>
+    <dgm:txLinClrLst/>
+    <dgm:txFillClrLst meth="repeat">
+      <a:schemeClr val="dk1"/>
+    </dgm:txFillClrLst>
+    <dgm:txEffectClrLst/>
+  </dgm:styleLbl>
+  <dgm:styleLbl name="trAlignAcc1">
+    <dgm:fillClrLst meth="repeat">
+      <a:schemeClr val="lt1">
+        <a:alpha val="40000"/>
+      </a:schemeClr>
+    </dgm:fillClrLst>
+    <dgm:linClrLst meth="repeat">
+      <a:schemeClr val="accent1"/>
+    </dgm:linClrLst>
+    <dgm:effectClrLst/>
+    <dgm:txLinClrLst/>
+    <dgm:txFillClrLst meth="repeat">
+      <a:schemeClr val="dk1"/>
+    </dgm:txFillClrLst>
+    <dgm:txEffectClrLst/>
+  </dgm:styleLbl>
+  <dgm:styleLbl name="bgAcc1">
+    <dgm:fillClrLst meth="repeat">
+      <a:schemeClr val="lt1">
+        <a:alpha val="90000"/>
+      </a:schemeClr>
+    </dgm:fillClrLst>
+    <dgm:linClrLst meth="repeat">
+      <a:schemeClr val="accent2"/>
+      <a:schemeClr val="accent3"/>
+      <a:schemeClr val="accent4"/>
+      <a:schemeClr val="accent5"/>
+      <a:schemeClr val="accent6"/>
+    </dgm:linClrLst>
+    <dgm:effectClrLst/>
+    <dgm:txLinClrLst/>
+    <dgm:txFillClrLst meth="repeat">
+      <a:schemeClr val="dk1"/>
+    </dgm:txFillClrLst>
+    <dgm:txEffectClrLst/>
+  </dgm:styleLbl>
+  <dgm:styleLbl name="solidFgAcc1">
+    <dgm:fillClrLst meth="repeat">
+      <a:schemeClr val="lt1"/>
+    </dgm:fillClrLst>
+    <dgm:linClrLst meth="repeat">
+      <a:schemeClr val="accent2"/>
+      <a:schemeClr val="accent3"/>
+      <a:schemeClr val="accent4"/>
+      <a:schemeClr val="accent5"/>
+      <a:schemeClr val="accent6"/>
+    </dgm:linClrLst>
+    <dgm:effectClrLst/>
+    <dgm:txLinClrLst/>
+    <dgm:txFillClrLst meth="repeat">
+      <a:schemeClr val="dk1"/>
+    </dgm:txFillClrLst>
+    <dgm:txEffectClrLst/>
+  </dgm:styleLbl>
+  <dgm:styleLbl name="solidAlignAcc1">
+    <dgm:fillClrLst meth="repeat">
+      <a:schemeClr val="lt1"/>
+    </dgm:fillClrLst>
+    <dgm:linClrLst meth="repeat">
+      <a:schemeClr val="accent2"/>
+      <a:schemeClr val="accent3"/>
+      <a:schemeClr val="accent4"/>
+      <a:schemeClr val="accent5"/>
+      <a:schemeClr val="accent6"/>
+    </dgm:linClrLst>
+    <dgm:effectClrLst/>
+    <dgm:txLinClrLst/>
+    <dgm:txFillClrLst meth="repeat">
+      <a:schemeClr val="dk1"/>
+    </dgm:txFillClrLst>
+    <dgm:txEffectClrLst/>
+  </dgm:styleLbl>
+  <dgm:styleLbl name="solidBgAcc1">
+    <dgm:fillClrLst meth="repeat">
+      <a:schemeClr val="lt1"/>
+    </dgm:fillClrLst>
+    <dgm:linClrLst meth="repeat">
+      <a:schemeClr val="accent2"/>
+      <a:schemeClr val="accent3"/>
+      <a:schemeClr val="accent4"/>
+      <a:schemeClr val="accent5"/>
+      <a:schemeClr val="accent6"/>
+    </dgm:linClrLst>
+    <dgm:effectClrLst/>
+    <dgm:txLinClrLst/>
+    <dgm:txFillClrLst meth="repeat">
+      <a:schemeClr val="dk1"/>
+    </dgm:txFillClrLst>
+    <dgm:txEffectClrLst/>
+  </dgm:styleLbl>
+  <dgm:styleLbl name="fgAccFollowNode1">
+    <dgm:fillClrLst meth="repeat">
+      <a:schemeClr val="accent2">
+        <a:tint val="40000"/>
+        <a:alpha val="90000"/>
+      </a:schemeClr>
+      <a:schemeClr val="accent3">
+        <a:tint val="40000"/>
+        <a:alpha val="90000"/>
+      </a:schemeClr>
+      <a:schemeClr val="accent4">
+        <a:tint val="40000"/>
+        <a:alpha val="90000"/>
+      </a:schemeClr>
+      <a:schemeClr val="accent5">
+        <a:tint val="40000"/>
+        <a:alpha val="90000"/>
+      </a:schemeClr>
+      <a:schemeClr val="accent6">
+        <a:tint val="40000"/>
+        <a:alpha val="90000"/>
+      </a:schemeClr>
+    </dgm:fillClrLst>
+    <dgm:linClrLst meth="repeat">
+      <a:schemeClr val="accent2">
+        <a:tint val="40000"/>
+        <a:alpha val="90000"/>
+      </a:schemeClr>
+      <a:schemeClr val="accent3">
+        <a:tint val="40000"/>
+        <a:alpha val="90000"/>
+      </a:schemeClr>
+      <a:schemeClr val="accent4">
+        <a:tint val="40000"/>
+        <a:alpha val="90000"/>
+      </a:schemeClr>
+      <a:schemeClr val="accent5">
+        <a:tint val="40000"/>
+        <a:alpha val="90000"/>
+      </a:schemeClr>
+      <a:schemeClr val="accent6">
+        <a:tint val="40000"/>
+        <a:alpha val="90000"/>
+      </a:schemeClr>
+    </dgm:linClrLst>
+    <dgm:effectClrLst/>
+    <dgm:txLinClrLst/>
+    <dgm:txFillClrLst meth="repeat">
+      <a:schemeClr val="dk1"/>
+    </dgm:txFillClrLst>
+    <dgm:txEffectClrLst/>
+  </dgm:styleLbl>
+  <dgm:styleLbl name="alignAccFollowNode1">
+    <dgm:fillClrLst meth="repeat">
+      <a:schemeClr val="accent2">
+        <a:tint val="40000"/>
+        <a:alpha val="90000"/>
+      </a:schemeClr>
+      <a:schemeClr val="accent3">
+        <a:tint val="40000"/>
+        <a:alpha val="90000"/>
+      </a:schemeClr>
+      <a:schemeClr val="accent4">
+        <a:tint val="40000"/>
+        <a:alpha val="90000"/>
+      </a:schemeClr>
+      <a:schemeClr val="accent5">
+        <a:tint val="40000"/>
+        <a:alpha val="90000"/>
+      </a:schemeClr>
+      <a:schemeClr val="accent6">
+        <a:tint val="40000"/>
+        <a:alpha val="90000"/>
+      </a:schemeClr>
+    </dgm:fillClrLst>
+    <dgm:linClrLst meth="repeat">
+      <a:schemeClr val="accent2">
+        <a:tint val="40000"/>
+        <a:alpha val="90000"/>
+      </a:schemeClr>
+      <a:schemeClr val="accent3">
+        <a:tint val="40000"/>
+        <a:alpha val="90000"/>
+      </a:schemeClr>
+      <a:schemeClr val="accent4">
+        <a:tint val="40000"/>
+        <a:alpha val="90000"/>
+      </a:schemeClr>
+      <a:schemeClr val="accent5">
+        <a:tint val="40000"/>
+        <a:alpha val="90000"/>
+      </a:schemeClr>
+      <a:schemeClr val="accent6">
+        <a:tint val="40000"/>
+        <a:alpha val="90000"/>
+      </a:schemeClr>
+    </dgm:linClrLst>
+    <dgm:effectClrLst/>
+    <dgm:txLinClrLst/>
+    <dgm:txFillClrLst meth="repeat">
+      <a:schemeClr val="dk1"/>
+    </dgm:txFillClrLst>
+    <dgm:txEffectClrLst/>
+  </dgm:styleLbl>
+  <dgm:styleLbl name="bgAccFollowNode1">
+    <dgm:fillClrLst meth="repeat">
+      <a:schemeClr val="accent2">
+        <a:tint val="40000"/>
+        <a:alpha val="90000"/>
+      </a:schemeClr>
+      <a:schemeClr val="accent3">
+        <a:tint val="40000"/>
+        <a:alpha val="90000"/>
+      </a:schemeClr>
+      <a:schemeClr val="accent4">
+        <a:tint val="40000"/>
+        <a:alpha val="90000"/>
+      </a:schemeClr>
+      <a:schemeClr val="accent5">
+        <a:tint val="40000"/>
+        <a:alpha val="90000"/>
+      </a:schemeClr>
+      <a:schemeClr val="accent6">
+        <a:tint val="40000"/>
+        <a:alpha val="90000"/>
+      </a:schemeClr>
+    </dgm:fillClrLst>
+    <dgm:linClrLst meth="repeat">
+      <a:schemeClr val="accent2">
+        <a:tint val="40000"/>
+        <a:alpha val="90000"/>
+      </a:schemeClr>
+      <a:schemeClr val="accent3">
+        <a:tint val="40000"/>
+        <a:alpha val="90000"/>
+      </a:schemeClr>
+      <a:schemeClr val="accent4">
+        <a:tint val="40000"/>
+        <a:alpha val="90000"/>
+      </a:schemeClr>
+      <a:schemeClr val="accent5">
+        <a:tint val="40000"/>
+        <a:alpha val="90000"/>
+      </a:schemeClr>
+      <a:schemeClr val="accent6">
+        <a:tint val="40000"/>
+        <a:alpha val="90000"/>
+      </a:schemeClr>
+    </dgm:linClrLst>
+    <dgm:effectClrLst/>
+    <dgm:txLinClrLst/>
+    <dgm:txFillClrLst meth="repeat">
+      <a:schemeClr val="dk1"/>
+    </dgm:txFillClrLst>
+    <dgm:txEffectClrLst/>
+  </dgm:styleLbl>
+  <dgm:styleLbl name="fgAcc0">
+    <dgm:fillClrLst meth="repeat">
+      <a:schemeClr val="lt1">
+        <a:alpha val="90000"/>
+      </a:schemeClr>
+    </dgm:fillClrLst>
+    <dgm:linClrLst>
+      <a:schemeClr val="accent1"/>
+    </dgm:linClrLst>
+    <dgm:effectClrLst/>
+    <dgm:txLinClrLst/>
+    <dgm:txFillClrLst meth="repeat">
+      <a:schemeClr val="dk1"/>
+    </dgm:txFillClrLst>
+    <dgm:txEffectClrLst/>
+  </dgm:styleLbl>
+  <dgm:styleLbl name="fgAcc2">
+    <dgm:fillClrLst meth="repeat">
+      <a:schemeClr val="lt1">
+        <a:alpha val="90000"/>
+      </a:schemeClr>
+    </dgm:fillClrLst>
+    <dgm:linClrLst>
+      <a:schemeClr val="accent2"/>
+    </dgm:linClrLst>
+    <dgm:effectClrLst/>
+    <dgm:txLinClrLst/>
+    <dgm:txFillClrLst meth="repeat">
+      <a:schemeClr val="dk1"/>
+    </dgm:txFillClrLst>
+    <dgm:txEffectClrLst/>
+  </dgm:styleLbl>
+  <dgm:styleLbl name="fgAcc3">
+    <dgm:fillClrLst meth="repeat">
+      <a:schemeClr val="lt1">
+        <a:alpha val="90000"/>
+      </a:schemeClr>
+    </dgm:fillClrLst>
+    <dgm:linClrLst>
+      <a:schemeClr val="accent3"/>
+    </dgm:linClrLst>
+    <dgm:effectClrLst/>
+    <dgm:txLinClrLst/>
+    <dgm:txFillClrLst meth="repeat">
+      <a:schemeClr val="dk1"/>
+    </dgm:txFillClrLst>
+    <dgm:txEffectClrLst/>
+  </dgm:styleLbl>
+  <dgm:styleLbl name="fgAcc4">
+    <dgm:fillClrLst meth="repeat">
+      <a:schemeClr val="lt1">
+        <a:alpha val="90000"/>
+      </a:schemeClr>
+    </dgm:fillClrLst>
+    <dgm:linClrLst>
+      <a:schemeClr val="accent4"/>
+    </dgm:linClrLst>
+    <dgm:effectClrLst/>
+    <dgm:txLinClrLst/>
+    <dgm:txFillClrLst meth="repeat">
+      <a:schemeClr val="dk1"/>
+    </dgm:txFillClrLst>
+    <dgm:txEffectClrLst/>
+  </dgm:styleLbl>
+  <dgm:styleLbl name="bgShp">
+    <dgm:fillClrLst meth="repeat">
+      <a:schemeClr val="bg1">
+        <a:lumMod val="95000"/>
+      </a:schemeClr>
+    </dgm:fillClrLst>
+    <dgm:linClrLst meth="repeat">
+      <a:schemeClr val="dk1"/>
+    </dgm:linClrLst>
+    <dgm:effectClrLst/>
+    <dgm:txLinClrLst/>
+    <dgm:txFillClrLst meth="repeat">
+      <a:schemeClr val="dk1"/>
+    </dgm:txFillClrLst>
+    <dgm:txEffectClrLst/>
+  </dgm:styleLbl>
+  <dgm:styleLbl name="dkBgShp">
+    <dgm:fillClrLst meth="repeat">
+      <a:schemeClr val="accent2">
+        <a:shade val="90000"/>
+      </a:schemeClr>
+    </dgm:fillClrLst>
+    <dgm:linClrLst meth="repeat">
+      <a:schemeClr val="dk1"/>
+    </dgm:linClrLst>
+    <dgm:effectClrLst/>
+    <dgm:txLinClrLst/>
+    <dgm:txFillClrLst meth="repeat">
+      <a:schemeClr val="lt1"/>
+    </dgm:txFillClrLst>
+    <dgm:txEffectClrLst/>
+  </dgm:styleLbl>
+  <dgm:styleLbl name="trBgShp">
+    <dgm:fillClrLst meth="repeat">
+      <a:schemeClr val="accent1">
+        <a:tint val="50000"/>
+        <a:alpha val="40000"/>
+      </a:schemeClr>
+    </dgm:fillClrLst>
+    <dgm:linClrLst meth="repeat">
+      <a:schemeClr val="accent2"/>
+    </dgm:linClrLst>
+    <dgm:effectClrLst/>
+    <dgm:txLinClrLst/>
+    <dgm:txFillClrLst meth="repeat">
+      <a:schemeClr val="lt1"/>
+    </dgm:txFillClrLst>
+    <dgm:txEffectClrLst/>
+  </dgm:styleLbl>
+  <dgm:styleLbl name="fgShp">
+    <dgm:fillClrLst meth="repeat">
+      <a:schemeClr val="accent2">
+        <a:tint val="40000"/>
+      </a:schemeClr>
+    </dgm:fillClrLst>
+    <dgm:linClrLst meth="repeat">
+      <a:schemeClr val="lt1"/>
+    </dgm:linClrLst>
+    <dgm:effectClrLst/>
+    <dgm:txLinClrLst/>
+    <dgm:txFillClrLst meth="repeat">
+      <a:schemeClr val="dk1"/>
+    </dgm:txFillClrLst>
+    <dgm:txEffectClrLst/>
+  </dgm:styleLbl>
+  <dgm:styleLbl name="revTx">
+    <dgm:fillClrLst meth="repeat">
+      <a:schemeClr val="lt1">
+        <a:alpha val="0"/>
+      </a:schemeClr>
+    </dgm:fillClrLst>
+    <dgm:linClrLst meth="repeat">
+      <a:schemeClr val="dk1">
+        <a:alpha val="0"/>
+      </a:schemeClr>
+    </dgm:linClrLst>
+    <dgm:effectClrLst/>
+    <dgm:txLinClrLst/>
+    <dgm:txFillClrLst meth="repeat">
+      <a:schemeClr val="tx1"/>
+    </dgm:txFillClrLst>
+    <dgm:txEffectClrLst/>
+  </dgm:styleLbl>
+</dgm:colorsDef>
+</file>
+
+<file path=ppt/diagrams/data1.xml><?xml version="1.0" encoding="utf-8"?>
+<dgm:dataModel xmlns:dgm="http://schemas.openxmlformats.org/drawingml/2006/diagram" xmlns:a="http://schemas.openxmlformats.org/drawingml/2006/main">
+  <dgm:ptLst>
+    <dgm:pt modelId="{760D5756-EF81-455A-AD03-14ED2452876F}" type="doc">
+      <dgm:prSet loTypeId="urn:microsoft.com/office/officeart/2018/2/layout/IconVerticalSolidList" loCatId="icon" qsTypeId="urn:microsoft.com/office/officeart/2005/8/quickstyle/simple1" qsCatId="simple" csTypeId="urn:microsoft.com/office/officeart/2018/5/colors/Iconchunking_neutralbg_colorful1" csCatId="colorful" phldr="1"/>
+      <dgm:spPr/>
+      <dgm:t>
+        <a:bodyPr/>
+        <a:lstStyle/>
+        <a:p>
+          <a:endParaRPr lang="en-US"/>
+        </a:p>
+      </dgm:t>
+    </dgm:pt>
+    <dgm:pt modelId="{7F3E3B40-39B7-4E51-9937-ADFD817863E0}">
+      <dgm:prSet/>
+      <dgm:spPr/>
+      <dgm:t>
+        <a:bodyPr/>
+        <a:lstStyle/>
+        <a:p>
+          <a:r>
+            <a:rPr lang="en-US"/>
+            <a:t>The core idea is to develop an application that allows users to input their dietary restrictions (such as gluten-free, vegan, low-carb, nut-free, etc.) and preferences.</a:t>
+          </a:r>
+        </a:p>
+      </dgm:t>
+    </dgm:pt>
+    <dgm:pt modelId="{9F3B2E3A-E9C9-4319-81A5-4DCD3E2F85B4}" type="parTrans" cxnId="{FD77B41B-CFD9-403E-B2B2-728C3BBF8311}">
+      <dgm:prSet/>
+      <dgm:spPr/>
+      <dgm:t>
+        <a:bodyPr/>
+        <a:lstStyle/>
+        <a:p>
+          <a:endParaRPr lang="en-US"/>
+        </a:p>
+      </dgm:t>
+    </dgm:pt>
+    <dgm:pt modelId="{8D273944-DAAC-4D68-AAA4-18D3E30E26BB}" type="sibTrans" cxnId="{FD77B41B-CFD9-403E-B2B2-728C3BBF8311}">
+      <dgm:prSet/>
+      <dgm:spPr/>
+      <dgm:t>
+        <a:bodyPr/>
+        <a:lstStyle/>
+        <a:p>
+          <a:endParaRPr lang="en-US"/>
+        </a:p>
+      </dgm:t>
+    </dgm:pt>
+    <dgm:pt modelId="{EB457E22-3372-4FF5-BF56-2623CC2058A5}">
+      <dgm:prSet/>
+      <dgm:spPr/>
+      <dgm:t>
+        <a:bodyPr/>
+        <a:lstStyle/>
+        <a:p>
+          <a:r>
+            <a:rPr lang="en-US"/>
+            <a:t>Based on the inputs, the app will search and present a list of recipes that meet these criteria. </a:t>
+          </a:r>
+        </a:p>
+      </dgm:t>
+    </dgm:pt>
+    <dgm:pt modelId="{105CEB15-0DA8-4C23-9E83-CDC665325167}" type="parTrans" cxnId="{7346C50F-0EFF-45D5-AB3D-2B6A7259AF04}">
+      <dgm:prSet/>
+      <dgm:spPr/>
+      <dgm:t>
+        <a:bodyPr/>
+        <a:lstStyle/>
+        <a:p>
+          <a:endParaRPr lang="en-US"/>
+        </a:p>
+      </dgm:t>
+    </dgm:pt>
+    <dgm:pt modelId="{C4CDDBDC-4FFC-4BB6-A861-1B2E7F27B092}" type="sibTrans" cxnId="{7346C50F-0EFF-45D5-AB3D-2B6A7259AF04}">
+      <dgm:prSet/>
+      <dgm:spPr/>
+      <dgm:t>
+        <a:bodyPr/>
+        <a:lstStyle/>
+        <a:p>
+          <a:endParaRPr lang="en-US"/>
+        </a:p>
+      </dgm:t>
+    </dgm:pt>
+    <dgm:pt modelId="{4AC88874-A7B3-4773-81E5-402DDD5E9DF5}" type="pres">
+      <dgm:prSet presAssocID="{760D5756-EF81-455A-AD03-14ED2452876F}" presName="root" presStyleCnt="0">
+        <dgm:presLayoutVars>
+          <dgm:dir/>
+          <dgm:resizeHandles val="exact"/>
+        </dgm:presLayoutVars>
+      </dgm:prSet>
+      <dgm:spPr/>
+    </dgm:pt>
+    <dgm:pt modelId="{CC389306-F319-4C04-A50E-25AE6FA1F93B}" type="pres">
+      <dgm:prSet presAssocID="{7F3E3B40-39B7-4E51-9937-ADFD817863E0}" presName="compNode" presStyleCnt="0"/>
+      <dgm:spPr/>
+    </dgm:pt>
+    <dgm:pt modelId="{5F2DFBD8-9FB2-4C87-B9E2-6EAFE17395A7}" type="pres">
+      <dgm:prSet presAssocID="{7F3E3B40-39B7-4E51-9937-ADFD817863E0}" presName="bgRect" presStyleLbl="bgShp" presStyleIdx="0" presStyleCnt="2"/>
+      <dgm:spPr/>
+    </dgm:pt>
+    <dgm:pt modelId="{BB4E8826-D310-434F-9FB7-86F0287A3659}" type="pres">
+      <dgm:prSet presAssocID="{7F3E3B40-39B7-4E51-9937-ADFD817863E0}" presName="iconRect" presStyleLbl="node1" presStyleIdx="0" presStyleCnt="2"/>
+      <dgm:spPr>
+        <a:blipFill>
+          <a:blip xmlns:r="http://schemas.openxmlformats.org/officeDocument/2006/relationships" r:embed="rId1">
+            <a:extLst>
+              <a:ext uri="{28A0092B-C50C-407E-A947-70E740481C1C}">
+                <a14:useLocalDpi xmlns:a14="http://schemas.microsoft.com/office/drawing/2010/main" val="0"/>
+              </a:ext>
+              <a:ext uri="{96DAC541-7B7A-43D3-8B79-37D633B846F1}">
+                <asvg:svgBlip xmlns:asvg="http://schemas.microsoft.com/office/drawing/2016/SVG/main" r:embed="rId2"/>
+              </a:ext>
+            </a:extLst>
+          </a:blip>
+          <a:stretch>
+            <a:fillRect/>
+          </a:stretch>
+        </a:blipFill>
+        <a:ln>
+          <a:noFill/>
+        </a:ln>
+      </dgm:spPr>
+      <dgm:extLst>
+        <a:ext uri="{E40237B7-FDA0-4F09-8148-C483321AD2D9}">
+          <dgm14:cNvPr xmlns:dgm14="http://schemas.microsoft.com/office/drawing/2010/diagram" id="0" name="" descr="Fruit Bowl"/>
+        </a:ext>
+      </dgm:extLst>
+    </dgm:pt>
+    <dgm:pt modelId="{4CE06E3E-9E81-40F5-95FD-A05E6E991DB8}" type="pres">
+      <dgm:prSet presAssocID="{7F3E3B40-39B7-4E51-9937-ADFD817863E0}" presName="spaceRect" presStyleCnt="0"/>
+      <dgm:spPr/>
+    </dgm:pt>
+    <dgm:pt modelId="{3C060E12-EDD3-42B6-8EF4-F577159B1190}" type="pres">
+      <dgm:prSet presAssocID="{7F3E3B40-39B7-4E51-9937-ADFD817863E0}" presName="parTx" presStyleLbl="revTx" presStyleIdx="0" presStyleCnt="2">
+        <dgm:presLayoutVars>
+          <dgm:chMax val="0"/>
+          <dgm:chPref val="0"/>
+        </dgm:presLayoutVars>
+      </dgm:prSet>
+      <dgm:spPr/>
+    </dgm:pt>
+    <dgm:pt modelId="{D2F0D66C-393C-4D29-93E3-8B427814CB81}" type="pres">
+      <dgm:prSet presAssocID="{8D273944-DAAC-4D68-AAA4-18D3E30E26BB}" presName="sibTrans" presStyleCnt="0"/>
+      <dgm:spPr/>
+    </dgm:pt>
+    <dgm:pt modelId="{132BCC60-957D-4EC4-9C0D-2553EA092255}" type="pres">
+      <dgm:prSet presAssocID="{EB457E22-3372-4FF5-BF56-2623CC2058A5}" presName="compNode" presStyleCnt="0"/>
+      <dgm:spPr/>
+    </dgm:pt>
+    <dgm:pt modelId="{6E9931F2-FB50-4930-83F4-3BA3E9674D49}" type="pres">
+      <dgm:prSet presAssocID="{EB457E22-3372-4FF5-BF56-2623CC2058A5}" presName="bgRect" presStyleLbl="bgShp" presStyleIdx="1" presStyleCnt="2"/>
+      <dgm:spPr/>
+    </dgm:pt>
+    <dgm:pt modelId="{73EDC83E-867C-4943-9158-76A876E9F66C}" type="pres">
+      <dgm:prSet presAssocID="{EB457E22-3372-4FF5-BF56-2623CC2058A5}" presName="iconRect" presStyleLbl="node1" presStyleIdx="1" presStyleCnt="2"/>
+      <dgm:spPr>
+        <a:blipFill>
+          <a:blip xmlns:r="http://schemas.openxmlformats.org/officeDocument/2006/relationships" r:embed="rId3">
+            <a:extLst>
+              <a:ext uri="{28A0092B-C50C-407E-A947-70E740481C1C}">
+                <a14:useLocalDpi xmlns:a14="http://schemas.microsoft.com/office/drawing/2010/main" val="0"/>
+              </a:ext>
+              <a:ext uri="{96DAC541-7B7A-43D3-8B79-37D633B846F1}">
+                <asvg:svgBlip xmlns:asvg="http://schemas.microsoft.com/office/drawing/2016/SVG/main" r:embed="rId4"/>
+              </a:ext>
+            </a:extLst>
+          </a:blip>
+          <a:stretch>
+            <a:fillRect/>
+          </a:stretch>
+        </a:blipFill>
+        <a:ln>
+          <a:noFill/>
+        </a:ln>
+      </dgm:spPr>
+      <dgm:extLst>
+        <a:ext uri="{E40237B7-FDA0-4F09-8148-C483321AD2D9}">
+          <dgm14:cNvPr xmlns:dgm14="http://schemas.microsoft.com/office/drawing/2010/diagram" id="0" name="" descr="Research"/>
+        </a:ext>
+      </dgm:extLst>
+    </dgm:pt>
+    <dgm:pt modelId="{D43864E2-2AC2-4E51-9853-F47630233876}" type="pres">
+      <dgm:prSet presAssocID="{EB457E22-3372-4FF5-BF56-2623CC2058A5}" presName="spaceRect" presStyleCnt="0"/>
+      <dgm:spPr/>
+    </dgm:pt>
+    <dgm:pt modelId="{BBC5A0E2-0EE2-4CDC-88CF-A7F346B8F1E4}" type="pres">
+      <dgm:prSet presAssocID="{EB457E22-3372-4FF5-BF56-2623CC2058A5}" presName="parTx" presStyleLbl="revTx" presStyleIdx="1" presStyleCnt="2">
+        <dgm:presLayoutVars>
+          <dgm:chMax val="0"/>
+          <dgm:chPref val="0"/>
+        </dgm:presLayoutVars>
+      </dgm:prSet>
+      <dgm:spPr/>
+    </dgm:pt>
+  </dgm:ptLst>
+  <dgm:cxnLst>
+    <dgm:cxn modelId="{7346C50F-0EFF-45D5-AB3D-2B6A7259AF04}" srcId="{760D5756-EF81-455A-AD03-14ED2452876F}" destId="{EB457E22-3372-4FF5-BF56-2623CC2058A5}" srcOrd="1" destOrd="0" parTransId="{105CEB15-0DA8-4C23-9E83-CDC665325167}" sibTransId="{C4CDDBDC-4FFC-4BB6-A861-1B2E7F27B092}"/>
+    <dgm:cxn modelId="{FD77B41B-CFD9-403E-B2B2-728C3BBF8311}" srcId="{760D5756-EF81-455A-AD03-14ED2452876F}" destId="{7F3E3B40-39B7-4E51-9937-ADFD817863E0}" srcOrd="0" destOrd="0" parTransId="{9F3B2E3A-E9C9-4319-81A5-4DCD3E2F85B4}" sibTransId="{8D273944-DAAC-4D68-AAA4-18D3E30E26BB}"/>
+    <dgm:cxn modelId="{B0AD1D5A-39AB-4281-B2AD-180250D53847}" type="presOf" srcId="{760D5756-EF81-455A-AD03-14ED2452876F}" destId="{4AC88874-A7B3-4773-81E5-402DDD5E9DF5}" srcOrd="0" destOrd="0" presId="urn:microsoft.com/office/officeart/2018/2/layout/IconVerticalSolidList"/>
+    <dgm:cxn modelId="{4B2E6B82-7C9C-4E8D-B5AF-ED5FE0BFB9D1}" type="presOf" srcId="{7F3E3B40-39B7-4E51-9937-ADFD817863E0}" destId="{3C060E12-EDD3-42B6-8EF4-F577159B1190}" srcOrd="0" destOrd="0" presId="urn:microsoft.com/office/officeart/2018/2/layout/IconVerticalSolidList"/>
+    <dgm:cxn modelId="{7206F3D0-0FC0-4448-A7A1-2A82892B149A}" type="presOf" srcId="{EB457E22-3372-4FF5-BF56-2623CC2058A5}" destId="{BBC5A0E2-0EE2-4CDC-88CF-A7F346B8F1E4}" srcOrd="0" destOrd="0" presId="urn:microsoft.com/office/officeart/2018/2/layout/IconVerticalSolidList"/>
+    <dgm:cxn modelId="{6EBCB65A-6FBA-4F5E-9E29-B9857456DE21}" type="presParOf" srcId="{4AC88874-A7B3-4773-81E5-402DDD5E9DF5}" destId="{CC389306-F319-4C04-A50E-25AE6FA1F93B}" srcOrd="0" destOrd="0" presId="urn:microsoft.com/office/officeart/2018/2/layout/IconVerticalSolidList"/>
+    <dgm:cxn modelId="{27B10613-BE98-4956-9ACD-47A166836AE7}" type="presParOf" srcId="{CC389306-F319-4C04-A50E-25AE6FA1F93B}" destId="{5F2DFBD8-9FB2-4C87-B9E2-6EAFE17395A7}" srcOrd="0" destOrd="0" presId="urn:microsoft.com/office/officeart/2018/2/layout/IconVerticalSolidList"/>
+    <dgm:cxn modelId="{7348D09A-F388-47F7-8C1D-5D078CE8F39A}" type="presParOf" srcId="{CC389306-F319-4C04-A50E-25AE6FA1F93B}" destId="{BB4E8826-D310-434F-9FB7-86F0287A3659}" srcOrd="1" destOrd="0" presId="urn:microsoft.com/office/officeart/2018/2/layout/IconVerticalSolidList"/>
+    <dgm:cxn modelId="{299F18D3-0E77-40B9-A05E-937A59B488F9}" type="presParOf" srcId="{CC389306-F319-4C04-A50E-25AE6FA1F93B}" destId="{4CE06E3E-9E81-40F5-95FD-A05E6E991DB8}" srcOrd="2" destOrd="0" presId="urn:microsoft.com/office/officeart/2018/2/layout/IconVerticalSolidList"/>
+    <dgm:cxn modelId="{537A4ABE-4FBB-48B8-B4D3-67634C97B0CE}" type="presParOf" srcId="{CC389306-F319-4C04-A50E-25AE6FA1F93B}" destId="{3C060E12-EDD3-42B6-8EF4-F577159B1190}" srcOrd="3" destOrd="0" presId="urn:microsoft.com/office/officeart/2018/2/layout/IconVerticalSolidList"/>
+    <dgm:cxn modelId="{6E6CC666-5FA7-45A6-A618-4711133C0CD1}" type="presParOf" srcId="{4AC88874-A7B3-4773-81E5-402DDD5E9DF5}" destId="{D2F0D66C-393C-4D29-93E3-8B427814CB81}" srcOrd="1" destOrd="0" presId="urn:microsoft.com/office/officeart/2018/2/layout/IconVerticalSolidList"/>
+    <dgm:cxn modelId="{2860D3DB-52B9-46FC-9302-FEC58F7D0559}" type="presParOf" srcId="{4AC88874-A7B3-4773-81E5-402DDD5E9DF5}" destId="{132BCC60-957D-4EC4-9C0D-2553EA092255}" srcOrd="2" destOrd="0" presId="urn:microsoft.com/office/officeart/2018/2/layout/IconVerticalSolidList"/>
+    <dgm:cxn modelId="{4E0E5183-9E2E-4AE8-ACA5-E851EF69F612}" type="presParOf" srcId="{132BCC60-957D-4EC4-9C0D-2553EA092255}" destId="{6E9931F2-FB50-4930-83F4-3BA3E9674D49}" srcOrd="0" destOrd="0" presId="urn:microsoft.com/office/officeart/2018/2/layout/IconVerticalSolidList"/>
+    <dgm:cxn modelId="{E7B9B4FE-7789-45E8-9DE5-066790F9F6D6}" type="presParOf" srcId="{132BCC60-957D-4EC4-9C0D-2553EA092255}" destId="{73EDC83E-867C-4943-9158-76A876E9F66C}" srcOrd="1" destOrd="0" presId="urn:microsoft.com/office/officeart/2018/2/layout/IconVerticalSolidList"/>
+    <dgm:cxn modelId="{12347D3A-3715-4A4C-9390-6162F46CA67A}" type="presParOf" srcId="{132BCC60-957D-4EC4-9C0D-2553EA092255}" destId="{D43864E2-2AC2-4E51-9853-F47630233876}" srcOrd="2" destOrd="0" presId="urn:microsoft.com/office/officeart/2018/2/layout/IconVerticalSolidList"/>
+    <dgm:cxn modelId="{7CB19C14-C8F3-4566-8230-5EEDB79F8FC8}" type="presParOf" srcId="{132BCC60-957D-4EC4-9C0D-2553EA092255}" destId="{BBC5A0E2-0EE2-4CDC-88CF-A7F346B8F1E4}" srcOrd="3" destOrd="0" presId="urn:microsoft.com/office/officeart/2018/2/layout/IconVerticalSolidList"/>
+  </dgm:cxnLst>
+  <dgm:bg/>
+  <dgm:whole/>
+  <dgm:extLst>
+    <a:ext uri="http://schemas.microsoft.com/office/drawing/2008/diagram">
+      <dsp:dataModelExt xmlns:dsp="http://schemas.microsoft.com/office/drawing/2008/diagram" relId="rId6" minVer="http://schemas.openxmlformats.org/drawingml/2006/diagram"/>
+    </a:ext>
+  </dgm:extLst>
+</dgm:dataModel>
+</file>
+
+<file path=ppt/diagrams/drawing1.xml><?xml version="1.0" encoding="utf-8"?>
+<dsp:drawing xmlns:dgm="http://schemas.openxmlformats.org/drawingml/2006/diagram" xmlns:dsp="http://schemas.microsoft.com/office/drawing/2008/diagram" xmlns:a="http://schemas.openxmlformats.org/drawingml/2006/main">
+  <dsp:spTree>
+    <dsp:nvGrpSpPr>
+      <dsp:cNvPr id="0" name=""/>
+      <dsp:cNvGrpSpPr/>
+    </dsp:nvGrpSpPr>
+    <dsp:grpSpPr/>
+    <dsp:sp modelId="{5F2DFBD8-9FB2-4C87-B9E2-6EAFE17395A7}">
+      <dsp:nvSpPr>
+        <dsp:cNvPr id="0" name=""/>
+        <dsp:cNvSpPr/>
+      </dsp:nvSpPr>
+      <dsp:spPr>
+        <a:xfrm>
+          <a:off x="0" y="578684"/>
+          <a:ext cx="9906000" cy="1068339"/>
+        </a:xfrm>
+        <a:prstGeom prst="roundRect">
+          <a:avLst>
+            <a:gd name="adj" fmla="val 10000"/>
+          </a:avLst>
+        </a:prstGeom>
+        <a:solidFill>
+          <a:schemeClr val="bg1">
+            <a:lumMod val="95000"/>
+            <a:hueOff val="0"/>
+            <a:satOff val="0"/>
+            <a:lumOff val="0"/>
+            <a:alphaOff val="0"/>
+          </a:schemeClr>
+        </a:solidFill>
+        <a:ln>
+          <a:noFill/>
+        </a:ln>
+        <a:effectLst/>
+      </dsp:spPr>
+      <dsp:style>
+        <a:lnRef idx="0">
+          <a:scrgbClr r="0" g="0" b="0"/>
+        </a:lnRef>
+        <a:fillRef idx="1">
+          <a:scrgbClr r="0" g="0" b="0"/>
+        </a:fillRef>
+        <a:effectRef idx="0">
+          <a:scrgbClr r="0" g="0" b="0"/>
+        </a:effectRef>
+        <a:fontRef idx="minor"/>
+      </dsp:style>
+    </dsp:sp>
+    <dsp:sp modelId="{BB4E8826-D310-434F-9FB7-86F0287A3659}">
+      <dsp:nvSpPr>
+        <dsp:cNvPr id="0" name=""/>
+        <dsp:cNvSpPr/>
+      </dsp:nvSpPr>
+      <dsp:spPr>
+        <a:xfrm>
+          <a:off x="323172" y="819060"/>
+          <a:ext cx="587586" cy="587586"/>
+        </a:xfrm>
+        <a:prstGeom prst="rect">
+          <a:avLst/>
+        </a:prstGeom>
+        <a:blipFill>
+          <a:blip xmlns:r="http://schemas.openxmlformats.org/officeDocument/2006/relationships" r:embed="rId1">
+            <a:extLst>
+              <a:ext uri="{28A0092B-C50C-407E-A947-70E740481C1C}">
+                <a14:useLocalDpi xmlns:a14="http://schemas.microsoft.com/office/drawing/2010/main" val="0"/>
+              </a:ext>
+              <a:ext uri="{96DAC541-7B7A-43D3-8B79-37D633B846F1}">
+                <asvg:svgBlip xmlns:asvg="http://schemas.microsoft.com/office/drawing/2016/SVG/main" r:embed="rId2"/>
+              </a:ext>
+            </a:extLst>
+          </a:blip>
+          <a:stretch>
+            <a:fillRect/>
+          </a:stretch>
+        </a:blipFill>
+        <a:ln w="12700" cap="flat" cmpd="sng" algn="ctr">
+          <a:noFill/>
+          <a:prstDash val="solid"/>
+          <a:miter lim="800000"/>
+        </a:ln>
+        <a:effectLst/>
+      </dsp:spPr>
+      <dsp:style>
+        <a:lnRef idx="2">
+          <a:scrgbClr r="0" g="0" b="0"/>
+        </a:lnRef>
+        <a:fillRef idx="1">
+          <a:scrgbClr r="0" g="0" b="0"/>
+        </a:fillRef>
+        <a:effectRef idx="0">
+          <a:scrgbClr r="0" g="0" b="0"/>
+        </a:effectRef>
+        <a:fontRef idx="minor">
+          <a:schemeClr val="lt1"/>
+        </a:fontRef>
+      </dsp:style>
+    </dsp:sp>
+    <dsp:sp modelId="{3C060E12-EDD3-42B6-8EF4-F577159B1190}">
+      <dsp:nvSpPr>
+        <dsp:cNvPr id="0" name=""/>
+        <dsp:cNvSpPr/>
+      </dsp:nvSpPr>
+      <dsp:spPr>
+        <a:xfrm>
+          <a:off x="1233932" y="578684"/>
+          <a:ext cx="8672067" cy="1068339"/>
+        </a:xfrm>
+        <a:prstGeom prst="rect">
+          <a:avLst/>
+        </a:prstGeom>
+        <a:noFill/>
+        <a:ln>
+          <a:noFill/>
+        </a:ln>
+        <a:effectLst/>
+      </dsp:spPr>
+      <dsp:style>
+        <a:lnRef idx="0">
+          <a:scrgbClr r="0" g="0" b="0"/>
+        </a:lnRef>
+        <a:fillRef idx="0">
+          <a:scrgbClr r="0" g="0" b="0"/>
+        </a:fillRef>
+        <a:effectRef idx="0">
+          <a:scrgbClr r="0" g="0" b="0"/>
+        </a:effectRef>
+        <a:fontRef idx="minor"/>
+      </dsp:style>
+      <dsp:txBody>
+        <a:bodyPr spcFirstLastPara="0" vert="horz" wrap="square" lIns="113066" tIns="113066" rIns="113066" bIns="113066" numCol="1" spcCol="1270" anchor="ctr" anchorCtr="0">
+          <a:noAutofit/>
+        </a:bodyPr>
+        <a:lstStyle/>
+        <a:p>
+          <a:pPr marL="0" lvl="0" indent="0" algn="l" defTabSz="844550">
+            <a:lnSpc>
+              <a:spcPct val="90000"/>
+            </a:lnSpc>
+            <a:spcBef>
+              <a:spcPct val="0"/>
+            </a:spcBef>
+            <a:spcAft>
+              <a:spcPct val="35000"/>
+            </a:spcAft>
+            <a:buNone/>
+          </a:pPr>
+          <a:r>
+            <a:rPr lang="en-US" sz="1900" kern="1200"/>
+            <a:t>The core idea is to develop an application that allows users to input their dietary restrictions (such as gluten-free, vegan, low-carb, nut-free, etc.) and preferences.</a:t>
+          </a:r>
+        </a:p>
+      </dsp:txBody>
+      <dsp:txXfrm>
+        <a:off x="1233932" y="578684"/>
+        <a:ext cx="8672067" cy="1068339"/>
+      </dsp:txXfrm>
+    </dsp:sp>
+    <dsp:sp modelId="{6E9931F2-FB50-4930-83F4-3BA3E9674D49}">
+      <dsp:nvSpPr>
+        <dsp:cNvPr id="0" name=""/>
+        <dsp:cNvSpPr/>
+      </dsp:nvSpPr>
+      <dsp:spPr>
+        <a:xfrm>
+          <a:off x="0" y="1914108"/>
+          <a:ext cx="9906000" cy="1068339"/>
+        </a:xfrm>
+        <a:prstGeom prst="roundRect">
+          <a:avLst>
+            <a:gd name="adj" fmla="val 10000"/>
+          </a:avLst>
+        </a:prstGeom>
+        <a:solidFill>
+          <a:schemeClr val="bg1">
+            <a:lumMod val="95000"/>
+            <a:hueOff val="0"/>
+            <a:satOff val="0"/>
+            <a:lumOff val="0"/>
+            <a:alphaOff val="0"/>
+          </a:schemeClr>
+        </a:solidFill>
+        <a:ln>
+          <a:noFill/>
+        </a:ln>
+        <a:effectLst/>
+      </dsp:spPr>
+      <dsp:style>
+        <a:lnRef idx="0">
+          <a:scrgbClr r="0" g="0" b="0"/>
+        </a:lnRef>
+        <a:fillRef idx="1">
+          <a:scrgbClr r="0" g="0" b="0"/>
+        </a:fillRef>
+        <a:effectRef idx="0">
+          <a:scrgbClr r="0" g="0" b="0"/>
+        </a:effectRef>
+        <a:fontRef idx="minor"/>
+      </dsp:style>
+    </dsp:sp>
+    <dsp:sp modelId="{73EDC83E-867C-4943-9158-76A876E9F66C}">
+      <dsp:nvSpPr>
+        <dsp:cNvPr id="0" name=""/>
+        <dsp:cNvSpPr/>
+      </dsp:nvSpPr>
+      <dsp:spPr>
+        <a:xfrm>
+          <a:off x="323172" y="2154485"/>
+          <a:ext cx="587586" cy="587586"/>
+        </a:xfrm>
+        <a:prstGeom prst="rect">
+          <a:avLst/>
+        </a:prstGeom>
+        <a:blipFill>
+          <a:blip xmlns:r="http://schemas.openxmlformats.org/officeDocument/2006/relationships" r:embed="rId3">
+            <a:extLst>
+              <a:ext uri="{28A0092B-C50C-407E-A947-70E740481C1C}">
+                <a14:useLocalDpi xmlns:a14="http://schemas.microsoft.com/office/drawing/2010/main" val="0"/>
+              </a:ext>
+              <a:ext uri="{96DAC541-7B7A-43D3-8B79-37D633B846F1}">
+                <asvg:svgBlip xmlns:asvg="http://schemas.microsoft.com/office/drawing/2016/SVG/main" r:embed="rId4"/>
+              </a:ext>
+            </a:extLst>
+          </a:blip>
+          <a:stretch>
+            <a:fillRect/>
+          </a:stretch>
+        </a:blipFill>
+        <a:ln w="12700" cap="flat" cmpd="sng" algn="ctr">
+          <a:noFill/>
+          <a:prstDash val="solid"/>
+          <a:miter lim="800000"/>
+        </a:ln>
+        <a:effectLst/>
+      </dsp:spPr>
+      <dsp:style>
+        <a:lnRef idx="2">
+          <a:scrgbClr r="0" g="0" b="0"/>
+        </a:lnRef>
+        <a:fillRef idx="1">
+          <a:scrgbClr r="0" g="0" b="0"/>
+        </a:fillRef>
+        <a:effectRef idx="0">
+          <a:scrgbClr r="0" g="0" b="0"/>
+        </a:effectRef>
+        <a:fontRef idx="minor">
+          <a:schemeClr val="lt1"/>
+        </a:fontRef>
+      </dsp:style>
+    </dsp:sp>
+    <dsp:sp modelId="{BBC5A0E2-0EE2-4CDC-88CF-A7F346B8F1E4}">
+      <dsp:nvSpPr>
+        <dsp:cNvPr id="0" name=""/>
+        <dsp:cNvSpPr/>
+      </dsp:nvSpPr>
+      <dsp:spPr>
+        <a:xfrm>
+          <a:off x="1233932" y="1914108"/>
+          <a:ext cx="8672067" cy="1068339"/>
+        </a:xfrm>
+        <a:prstGeom prst="rect">
+          <a:avLst/>
+        </a:prstGeom>
+        <a:noFill/>
+        <a:ln>
+          <a:noFill/>
+        </a:ln>
+        <a:effectLst/>
+      </dsp:spPr>
+      <dsp:style>
+        <a:lnRef idx="0">
+          <a:scrgbClr r="0" g="0" b="0"/>
+        </a:lnRef>
+        <a:fillRef idx="0">
+          <a:scrgbClr r="0" g="0" b="0"/>
+        </a:fillRef>
+        <a:effectRef idx="0">
+          <a:scrgbClr r="0" g="0" b="0"/>
+        </a:effectRef>
+        <a:fontRef idx="minor"/>
+      </dsp:style>
+      <dsp:txBody>
+        <a:bodyPr spcFirstLastPara="0" vert="horz" wrap="square" lIns="113066" tIns="113066" rIns="113066" bIns="113066" numCol="1" spcCol="1270" anchor="ctr" anchorCtr="0">
+          <a:noAutofit/>
+        </a:bodyPr>
+        <a:lstStyle/>
+        <a:p>
+          <a:pPr marL="0" lvl="0" indent="0" algn="l" defTabSz="844550">
+            <a:lnSpc>
+              <a:spcPct val="90000"/>
+            </a:lnSpc>
+            <a:spcBef>
+              <a:spcPct val="0"/>
+            </a:spcBef>
+            <a:spcAft>
+              <a:spcPct val="35000"/>
+            </a:spcAft>
+            <a:buNone/>
+          </a:pPr>
+          <a:r>
+            <a:rPr lang="en-US" sz="1900" kern="1200"/>
+            <a:t>Based on the inputs, the app will search and present a list of recipes that meet these criteria. </a:t>
+          </a:r>
+        </a:p>
+      </dsp:txBody>
+      <dsp:txXfrm>
+        <a:off x="1233932" y="1914108"/>
+        <a:ext cx="8672067" cy="1068339"/>
+      </dsp:txXfrm>
+    </dsp:sp>
+  </dsp:spTree>
+</dsp:drawing>
+</file>
+
+<file path=ppt/diagrams/layout1.xml><?xml version="1.0" encoding="utf-8"?>
+<dgm:layoutDef xmlns:dgm="http://schemas.openxmlformats.org/drawingml/2006/diagram" xmlns:a="http://schemas.openxmlformats.org/drawingml/2006/main" uniqueId="urn:microsoft.com/office/officeart/2018/2/layout/IconVerticalSolidList">
+  <dgm:title val="Icon Vertical Solid List"/>
+  <dgm:desc val="Use to show a series of visuals from top to bottom with Level 1 or Level 1 and Level 2 text grouped in a shape. Works best with icons or small pictures with lengthier descriptions."/>
+  <dgm:catLst>
+    <dgm:cat type="icon" pri="500"/>
+  </dgm:catLst>
+  <dgm:sampData useDef="1">
+    <dgm:dataModel>
+      <dgm:ptLst/>
+      <dgm:bg/>
+      <dgm:whole/>
+    </dgm:dataModel>
+  </dgm:sampData>
+  <dgm:styleData useDef="1">
+    <dgm:dataModel>
+      <dgm:ptLst/>
+      <dgm:bg/>
+      <dgm:whole/>
+    </dgm:dataModel>
+  </dgm:styleData>
+  <dgm:clrData useDef="1">
+    <dgm:dataModel>
+      <dgm:ptLst/>
+      <dgm:bg/>
+      <dgm:whole/>
+    </dgm:dataModel>
+  </dgm:clrData>
+  <dgm:layoutNode name="root">
+    <dgm:varLst>
+      <dgm:dir/>
+      <dgm:resizeHandles val="exact"/>
+    </dgm:varLst>
+    <dgm:choose name="Name0">
+      <dgm:if name="Name1" axis="self" func="var" arg="dir" op="equ" val="norm">
+        <dgm:alg type="lin">
+          <dgm:param type="linDir" val="fromT"/>
+          <dgm:param type="nodeHorzAlign" val="l"/>
+        </dgm:alg>
+      </dgm:if>
+      <dgm:else name="Name2">
+        <dgm:alg type="lin">
+          <dgm:param type="linDir" val="fromT"/>
+          <dgm:param type="nodeHorzAlign" val="r"/>
+        </dgm:alg>
+      </dgm:else>
+    </dgm:choose>
+    <dgm:shape xmlns:r="http://schemas.openxmlformats.org/officeDocument/2006/relationships" r:blip="">
+      <dgm:adjLst/>
+    </dgm:shape>
+    <dgm:presOf/>
+    <dgm:choose name="Name3">
+      <dgm:if name="Name4" axis="ch" ptType="node" func="cnt" op="lte" val="3">
+        <dgm:constrLst>
+          <dgm:constr type="h" for="ch" forName="compNode" refType="h" fact="0.3"/>
+          <dgm:constr type="w" for="ch" forName="compNode" refType="w"/>
+          <dgm:constr type="h" for="ch" forName="sibTrans" refType="h" refFor="ch" refForName="compNode" fact="0.25"/>
+          <dgm:constr type="primFontSz" for="des" forName="parTx" val="25"/>
+          <dgm:constr type="primFontSz" for="des" forName="desTx" refType="primFontSz" refFor="des" refForName="parTx" op="lte" fact="0.75"/>
+          <dgm:constr type="h" for="des" forName="compNode" op="equ"/>
+          <dgm:constr type="h" for="des" forName="bgRect" op="equ"/>
+          <dgm:constr type="h" for="des" forName="iconRect" op="equ"/>
+          <dgm:constr type="w" for="des" forName="iconRect" op="equ"/>
+          <dgm:constr type="h" for="des" forName="spaceRect" op="equ"/>
+          <dgm:constr type="h" for="des" forName="parTx" op="equ"/>
+          <dgm:constr type="h" for="des" forName="desTx" op="equ"/>
+        </dgm:constrLst>
+      </dgm:if>
+      <dgm:if name="Name5" axis="ch" ptType="node" func="cnt" op="lte" val="4">
+        <dgm:constrLst>
+          <dgm:constr type="h" for="ch" forName="compNode" refType="h" fact="0.3"/>
+          <dgm:constr type="w" for="ch" forName="compNode" refType="w"/>
+          <dgm:constr type="h" for="ch" forName="sibTrans" refType="h" refFor="ch" refForName="compNode" fact="0.25"/>
+          <dgm:constr type="primFontSz" for="des" forName="parTx" val="22"/>
+          <dgm:constr type="primFontSz" for="des" forName="desTx" refType="primFontSz" refFor="des" refForName="parTx" op="lte" fact="0.75"/>
+          <dgm:constr type="h" for="des" forName="compNode" op="equ"/>
+          <dgm:constr type="h" for="des" forName="bgRect" op="equ"/>
+          <dgm:constr type="h" for="des" forName="iconRect" op="equ"/>
+          <dgm:constr type="w" for="des" forName="iconRect" op="equ"/>
+          <dgm:constr type="h" for="des" forName="spaceRect" op="equ"/>
+          <dgm:constr type="h" for="des" forName="parTx" op="equ"/>
+          <dgm:constr type="h" for="des" forName="desTx" op="equ"/>
+        </dgm:constrLst>
+      </dgm:if>
+      <dgm:if name="Name6" axis="ch" ptType="node" func="cnt" op="lte" val="6">
+        <dgm:constrLst>
+          <dgm:constr type="h" for="ch" forName="compNode" refType="h" fact="0.3"/>
+          <dgm:constr type="w" for="ch" forName="compNode" refType="w"/>
+          <dgm:constr type="h" for="ch" forName="sibTrans" refType="h" refFor="ch" refForName="compNode" fact="0.25"/>
+          <dgm:constr type="primFontSz" for="des" forName="parTx" val="19"/>
+          <dgm:constr type="primFontSz" for="des" forName="desTx" refType="primFontSz" refFor="des" refForName="parTx" op="lte" fact="0.75"/>
+          <dgm:constr type="h" for="des" forName="compNode" op="equ"/>
+          <dgm:constr type="h" for="des" forName="bgRect" op="equ"/>
+          <dgm:constr type="h" for="des" forName="iconRect" op="equ"/>
+          <dgm:constr type="w" for="des" forName="iconRect" op="equ"/>
+          <dgm:constr type="h" for="des" forName="spaceRect" op="equ"/>
+          <dgm:constr type="h" for="des" forName="parTx" op="equ"/>
+          <dgm:constr type="h" for="des" forName="desTx" op="equ"/>
+        </dgm:constrLst>
+      </dgm:if>
+      <dgm:else name="Name7">
+        <dgm:constrLst>
+          <dgm:constr type="h" for="ch" forName="compNode" refType="h" fact="0.3"/>
+          <dgm:constr type="w" for="ch" forName="compNode" refType="w"/>
+          <dgm:constr type="h" for="ch" forName="sibTrans" refType="h" refFor="ch" refForName="compNode" fact="0.25"/>
+          <dgm:constr type="primFontSz" for="des" forName="parTx" val="16"/>
+          <dgm:constr type="primFontSz" for="des" forName="desTx" refType="primFontSz" refFor="des" refForName="parTx" op="lte" fact="0.75"/>
+          <dgm:constr type="h" for="des" forName="compNode" op="equ"/>
+          <dgm:constr type="h" for="des" forName="bgRect" op="equ"/>
+          <dgm:constr type="h" for="des" forName="iconRect" op="equ"/>
+          <dgm:constr type="w" for="des" forName="iconRect" op="equ"/>
+          <dgm:constr type="h" for="des" forName="spaceRect" op="equ"/>
+          <dgm:constr type="h" for="des" forName="parTx" op="equ"/>
+          <dgm:constr type="h" for="des" forName="desTx" op="equ"/>
+        </dgm:constrLst>
+      </dgm:else>
+    </dgm:choose>
+    <dgm:ruleLst>
+      <dgm:rule type="h" for="ch" forName="compNode" val="0" fact="NaN" max="NaN"/>
+    </dgm:ruleLst>
+    <dgm:forEach name="Name8" axis="ch" ptType="node">
+      <dgm:layoutNode name="compNode">
+        <dgm:alg type="composite"/>
+        <dgm:shape xmlns:r="http://schemas.openxmlformats.org/officeDocument/2006/relationships" r:blip="">
+          <dgm:adjLst/>
+        </dgm:shape>
+        <dgm:presOf axis="self"/>
+        <dgm:choose name="Name9">
+          <dgm:if name="Name10" axis="ch" ptType="node" func="cnt" op="gte" val="1">
+            <dgm:constrLst>
+              <dgm:constr type="w" for="ch" forName="bgRect" refType="w"/>
+              <dgm:constr type="h" for="ch" forName="bgRect" refType="h"/>
+              <dgm:constr type="l" for="ch" forName="bgRect"/>
+              <dgm:constr type="t" for="ch" forName="bgRect"/>
+              <dgm:constr type="h" for="ch" forName="iconRect" refType="h" fact="0.55"/>
+              <dgm:constr type="w" for="ch" forName="iconRect" refType="h" refFor="ch" refForName="iconRect"/>
+              <dgm:constr type="l" for="ch" forName="iconRect" refType="h" refFor="ch" refForName="iconRect" fact="0.55"/>
+              <dgm:constr type="ctrY" for="ch" forName="iconRect" refType="ctrY" refFor="ch" refForName="bgRect"/>
+              <dgm:constr type="w" for="ch" forName="spaceRect" refType="l" refFor="ch" refForName="iconRect"/>
+              <dgm:constr type="h" for="ch" forName="spaceRect" refType="h"/>
+              <dgm:constr type="l" for="ch" forName="spaceRect" refType="r" refFor="ch" refForName="iconRect"/>
+              <dgm:constr type="t" for="ch" forName="spaceRect"/>
+              <dgm:constr type="w" for="ch" forName="parTx" refType="w" fact="0.45"/>
+              <dgm:constr type="h" for="ch" forName="parTx" refType="h"/>
+              <dgm:constr type="l" for="ch" forName="parTx" refType="r" refFor="ch" refForName="spaceRect"/>
+              <dgm:constr type="t" for="ch" forName="parTx"/>
+              <dgm:constr type="h" for="ch" forName="desTx" refType="h"/>
+              <dgm:constr type="l" for="ch" forName="desTx" refType="r" refFor="ch" refForName="parTx"/>
+              <dgm:constr type="t" for="ch" forName="desTx"/>
+            </dgm:constrLst>
+          </dgm:if>
+          <dgm:else name="Name11">
+            <dgm:constrLst>
+              <dgm:constr type="w" for="ch" forName="bgRect" refType="w"/>
+              <dgm:constr type="h" for="ch" forName="bgRect" refType="h"/>
+              <dgm:constr type="l" for="ch" forName="bgRect"/>
+              <dgm:constr type="t" for="ch" forName="bgRect"/>
+              <dgm:constr type="h" for="ch" forName="iconRect" refType="h" fact="0.55"/>
+              <dgm:constr type="w" for="ch" forName="iconRect" refType="h" refFor="ch" refForName="iconRect"/>
+              <dgm:constr type="l" for="ch" forName="iconRect" refType="h" refFor="ch" refForName="iconRect" fact="0.55"/>
+              <dgm:constr type="ctrY" for="ch" forName="iconRect" refType="ctrY" refFor="ch" refForName="bgRect"/>
+              <dgm:constr type="w" for="ch" forName="spaceRect" refType="l" refFor="ch" refForName="iconRect"/>
+              <dgm:constr type="h" for="ch" forName="spaceRect" refType="h"/>
+              <dgm:constr type="l" for="ch" forName="spaceRect" refType="r" refFor="ch" refForName="iconRect"/>
+              <dgm:constr type="t" for="ch" forName="spaceRect"/>
+              <dgm:constr type="h" for="ch" forName="parTx" refType="h"/>
+              <dgm:constr type="l" for="ch" forName="parTx" refType="r" refFor="ch" refForName="spaceRect"/>
+              <dgm:constr type="t" for="ch" forName="parTx"/>
+            </dgm:constrLst>
+          </dgm:else>
+        </dgm:choose>
+        <dgm:ruleLst>
+          <dgm:rule type="h" val="INF" fact="NaN" max="NaN"/>
+        </dgm:ruleLst>
+        <dgm:layoutNode name="bgRect" styleLbl="bgShp">
+          <dgm:alg type="sp"/>
+          <dgm:shape xmlns:r="http://schemas.openxmlformats.org/officeDocument/2006/relationships" type="roundRect" r:blip="">
+            <dgm:adjLst>
+              <dgm:adj idx="1" val="0.1"/>
+            </dgm:adjLst>
+          </dgm:shape>
+          <dgm:presOf/>
+          <dgm:constrLst/>
+          <dgm:ruleLst/>
+        </dgm:layoutNode>
+        <dgm:layoutNode name="iconRect" styleLbl="node1">
+          <dgm:alg type="sp"/>
+          <dgm:shape xmlns:r="http://schemas.openxmlformats.org/officeDocument/2006/relationships" type="rect" r:blip="" blipPhldr="1">
+            <dgm:adjLst/>
+          </dgm:shape>
+          <dgm:presOf/>
+          <dgm:constrLst/>
+          <dgm:ruleLst/>
+        </dgm:layoutNode>
+        <dgm:layoutNode name="spaceRect">
+          <dgm:alg type="sp"/>
+          <dgm:shape xmlns:r="http://schemas.openxmlformats.org/officeDocument/2006/relationships" r:blip="">
+            <dgm:adjLst/>
+          </dgm:shape>
+          <dgm:presOf/>
+          <dgm:constrLst/>
+          <dgm:ruleLst/>
+        </dgm:layoutNode>
+        <dgm:layoutNode name="parTx" styleLbl="revTx">
+          <dgm:varLst>
+            <dgm:chMax val="0"/>
+            <dgm:chPref val="0"/>
+          </dgm:varLst>
+          <dgm:alg type="tx">
+            <dgm:param type="txAnchorVert" val="mid"/>
+            <dgm:param type="parTxLTRAlign" val="l"/>
+            <dgm:param type="shpTxLTRAlignCh" val="l"/>
+            <dgm:param type="parTxRTLAlign" val="r"/>
+            <dgm:param type="shpTxRTLAlignCh" val="r"/>
+          </dgm:alg>
+          <dgm:shape xmlns:r="http://schemas.openxmlformats.org/officeDocument/2006/relationships" type="rect" r:blip="">
+            <dgm:adjLst/>
+          </dgm:shape>
+          <dgm:presOf axis="self" ptType="node"/>
+          <dgm:constrLst>
+            <dgm:constr type="lMarg" refType="h" fact="0.3"/>
+            <dgm:constr type="rMarg" refType="h" fact="0.3"/>
+            <dgm:constr type="tMarg" refType="h" fact="0.3"/>
+            <dgm:constr type="bMarg" refType="h" fact="0.3"/>
+          </dgm:constrLst>
+          <dgm:ruleLst>
+            <dgm:rule type="primFontSz" val="14" fact="NaN" max="NaN"/>
+            <dgm:rule type="h" val="INF" fact="NaN" max="NaN"/>
+          </dgm:ruleLst>
+        </dgm:layoutNode>
+        <dgm:choose name="Name12">
+          <dgm:if name="Name13" axis="ch" ptType="node" func="cnt" op="gte" val="1">
+            <dgm:layoutNode name="desTx" styleLbl="revTx">
+              <dgm:varLst/>
+              <dgm:alg type="tx">
+                <dgm:param type="txAnchorVertCh" val="mid"/>
+                <dgm:param type="parTxLTRAlign" val="l"/>
+                <dgm:param type="shpTxLTRAlignCh" val="l"/>
+                <dgm:param type="parTxRTLAlign" val="r"/>
+                <dgm:param type="shpTxRTLAlignCh" val="r"/>
+                <dgm:param type="stBulletLvl" val="0"/>
+              </dgm:alg>
+              <dgm:shape xmlns:r="http://schemas.openxmlformats.org/officeDocument/2006/relationships" type="rect" r:blip="">
+                <dgm:adjLst/>
+              </dgm:shape>
+              <dgm:presOf axis="des" ptType="node"/>
+              <dgm:constrLst>
+                <dgm:constr type="primFontSz" val="18"/>
+                <dgm:constr type="secFontSz" refType="primFontSz"/>
+                <dgm:constr type="lMarg" refType="h" fact="0.3"/>
+                <dgm:constr type="rMarg" refType="h" fact="0.3"/>
+                <dgm:constr type="tMarg" refType="h" fact="0.3"/>
+                <dgm:constr type="bMarg" refType="h" fact="0.3"/>
+              </dgm:constrLst>
+              <dgm:ruleLst>
+                <dgm:rule type="primFontSz" val="11" fact="NaN" max="NaN"/>
+              </dgm:ruleLst>
+            </dgm:layoutNode>
+          </dgm:if>
+          <dgm:else name="Name14"/>
+        </dgm:choose>
+      </dgm:layoutNode>
+      <dgm:forEach name="Name15" axis="followSib" ptType="sibTrans" cnt="1">
+        <dgm:layoutNode name="sibTrans">
+          <dgm:alg type="sp"/>
+          <dgm:shape xmlns:r="http://schemas.openxmlformats.org/officeDocument/2006/relationships" r:blip="">
+            <dgm:adjLst/>
+          </dgm:shape>
+          <dgm:presOf axis="self"/>
+          <dgm:constrLst/>
+          <dgm:ruleLst/>
+        </dgm:layoutNode>
+      </dgm:forEach>
+    </dgm:forEach>
+  </dgm:layoutNode>
+  <dgm:extLst>
+    <a:ext uri="{68A01E43-0DF5-4B5B-8FA6-DAF915123BFB}">
+      <dgm1612:lstStyle xmlns:dgm1612="http://schemas.microsoft.com/office/drawing/2016/12/diagram">
+        <a:lvl1pPr>
+          <a:lnSpc>
+            <a:spcPct val="100000"/>
+          </a:lnSpc>
+        </a:lvl1pPr>
+        <a:lvl2pPr>
+          <a:lnSpc>
+            <a:spcPct val="100000"/>
+          </a:lnSpc>
+        </a:lvl2pPr>
+      </dgm1612:lstStyle>
+    </a:ext>
+  </dgm:extLst>
+</dgm:layoutDef>
+</file>
+
+<file path=ppt/diagrams/quickStyle1.xml><?xml version="1.0" encoding="utf-8"?>
+<dgm:styleDef xmlns:dgm="http://schemas.openxmlformats.org/drawingml/2006/diagram" xmlns:a="http://schemas.openxmlformats.org/drawingml/2006/main" uniqueId="urn:microsoft.com/office/officeart/2005/8/quickstyle/simple1">
+  <dgm:title val=""/>
+  <dgm:desc val=""/>
+  <dgm:catLst>
+    <dgm:cat type="simple" pri="10100"/>
+  </dgm:catLst>
+  <dgm:scene3d>
+    <a:camera prst="orthographicFront"/>
+    <a:lightRig rig="threePt" dir="t"/>
+  </dgm:scene3d>
+  <dgm:styleLbl name="node0">
+    <dgm:scene3d>
+      <a:camera prst="orthographicFront"/>
+      <a:lightRig rig="threePt" dir="t"/>
+    </dgm:scene3d>
+    <dgm:sp3d/>
+    <dgm:txPr/>
+    <dgm:style>
+      <a:lnRef idx="2">
+        <a:scrgbClr r="0" g="0" b="0"/>
+      </a:lnRef>
+      <a:fillRef idx="1">
+        <a:scrgbClr r="0" g="0" b="0"/>
+      </a:fillRef>
+      <a:effectRef idx="0">
+        <a:scrgbClr r="0" g="0" b="0"/>
+      </a:effectRef>
+      <a:fontRef idx="minor">
+        <a:schemeClr val="lt1"/>
+      </a:fontRef>
+    </dgm:style>
+  </dgm:styleLbl>
+  <dgm:styleLbl name="lnNode1">
+    <dgm:scene3d>
+      <a:camera prst="orthographicFront"/>
+      <a:lightRig rig="threePt" dir="t"/>
+    </dgm:scene3d>
+    <dgm:sp3d/>
+    <dgm:txPr/>
+    <dgm:style>
+      <a:lnRef idx="2">
+        <a:scrgbClr r="0" g="0" b="0"/>
+      </a:lnRef>
+      <a:fillRef idx="1">
+        <a:scrgbClr r="0" g="0" b="0"/>
+      </a:fillRef>
+      <a:effectRef idx="0">
+        <a:scrgbClr r="0" g="0" b="0"/>
+      </a:effectRef>
+      <a:fontRef idx="minor">
+        <a:schemeClr val="lt1"/>
+      </a:fontRef>
+    </dgm:style>
+  </dgm:styleLbl>
+  <dgm:styleLbl name="vennNode1">
+    <dgm:scene3d>
+      <a:camera prst="orthographicFront"/>
+      <a:lightRig rig="threePt" dir="t"/>
+    </dgm:scene3d>
+    <dgm:sp3d/>
+    <dgm:txPr/>
+    <dgm:style>
+      <a:lnRef idx="2">
+        <a:scrgbClr r="0" g="0" b="0"/>
+      </a:lnRef>
+      <a:fillRef idx="1">
+        <a:scrgbClr r="0" g="0" b="0"/>
+      </a:fillRef>
+      <a:effectRef idx="0">
+        <a:scrgbClr r="0" g="0" b="0"/>
+      </a:effectRef>
+      <a:fontRef idx="minor">
+        <a:schemeClr val="tx1"/>
+      </a:fontRef>
+    </dgm:style>
+  </dgm:styleLbl>
+  <dgm:styleLbl name="alignNode1">
+    <dgm:scene3d>
+      <a:camera prst="orthographicFront"/>
+      <a:lightRig rig="threePt" dir="t"/>
+    </dgm:scene3d>
+    <dgm:sp3d/>
+    <dgm:txPr/>
+    <dgm:style>
+      <a:lnRef idx="2">
+        <a:scrgbClr r="0" g="0" b="0"/>
+      </a:lnRef>
+      <a:fillRef idx="1">
+        <a:scrgbClr r="0" g="0" b="0"/>
+      </a:fillRef>
+      <a:effectRef idx="0">
+        <a:scrgbClr r="0" g="0" b="0"/>
+      </a:effectRef>
+      <a:fontRef idx="minor">
+        <a:schemeClr val="lt1"/>
+      </a:fontRef>
+    </dgm:style>
+  </dgm:styleLbl>
+  <dgm:styleLbl name="node1">
+    <dgm:scene3d>
+      <a:camera prst="orthographicFront"/>
+      <a:lightRig rig="threePt" dir="t"/>
+    </dgm:scene3d>
+    <dgm:sp3d/>
+    <dgm:txPr/>
+    <dgm:style>
+      <a:lnRef idx="2">
+        <a:scrgbClr r="0" g="0" b="0"/>
+      </a:lnRef>
+      <a:fillRef idx="1">
+        <a:scrgbClr r="0" g="0" b="0"/>
+      </a:fillRef>
+      <a:effectRef idx="0">
+        <a:scrgbClr r="0" g="0" b="0"/>
+      </a:effectRef>
+      <a:fontRef idx="minor">
+        <a:schemeClr val="lt1"/>
+      </a:fontRef>
+    </dgm:style>
+  </dgm:styleLbl>
+  <dgm:styleLbl name="node2">
+    <dgm:scene3d>
+      <a:camera prst="orthographicFront"/>
+      <a:lightRig rig="threePt" dir="t"/>
+    </dgm:scene3d>
+    <dgm:sp3d/>
+    <dgm:txPr/>
+    <dgm:style>
+      <a:lnRef idx="2">
+        <a:scrgbClr r="0" g="0" b="0"/>
+      </a:lnRef>
+      <a:fillRef idx="1">
+        <a:scrgbClr r="0" g="0" b="0"/>
+      </a:fillRef>
+      <a:effectRef idx="0">
+        <a:scrgbClr r="0" g="0" b="0"/>
+      </a:effectRef>
+      <a:fontRef idx="minor">
+        <a:schemeClr val="lt1"/>
+      </a:fontRef>
+    </dgm:style>
+  </dgm:styleLbl>
+  <dgm:styleLbl name="node3">
+    <dgm:scene3d>
+      <a:camera prst="orthographicFront"/>
+      <a:lightRig rig="threePt" dir="t"/>
+    </dgm:scene3d>
+    <dgm:sp3d/>
+    <dgm:txPr/>
+    <dgm:style>
+      <a:lnRef idx="2">
+        <a:scrgbClr r="0" g="0" b="0"/>
+      </a:lnRef>
+      <a:fillRef idx="1">
+        <a:scrgbClr r="0" g="0" b="0"/>
+      </a:fillRef>
+      <a:effectRef idx="0">
+        <a:scrgbClr r="0" g="0" b="0"/>
+      </a:effectRef>
+      <a:fontRef idx="minor">
+        <a:schemeClr val="lt1"/>
+      </a:fontRef>
+    </dgm:style>
+  </dgm:styleLbl>
+  <dgm:styleLbl name="node4">
+    <dgm:scene3d>
+      <a:camera prst="orthographicFront"/>
+      <a:lightRig rig="threePt" dir="t"/>
+    </dgm:scene3d>
+    <dgm:sp3d/>
+    <dgm:txPr/>
+    <dgm:style>
+      <a:lnRef idx="2">
+        <a:scrgbClr r="0" g="0" b="0"/>
+      </a:lnRef>
+      <a:fillRef idx="1">
+        <a:scrgbClr r="0" g="0" b="0"/>
+      </a:fillRef>
+      <a:effectRef idx="0">
+        <a:scrgbClr r="0" g="0" b="0"/>
+      </a:effectRef>
+      <a:fontRef idx="minor">
+        <a:schemeClr val="lt1"/>
+      </a:fontRef>
+    </dgm:style>
+  </dgm:styleLbl>
+  <dgm:styleLbl name="fgImgPlace1">
+    <dgm:scene3d>
+      <a:camera prst="orthographicFront"/>
+      <a:lightRig rig="threePt" dir="t"/>
+    </dgm:scene3d>
+    <dgm:sp3d/>
+    <dgm:txPr/>
+    <dgm:style>
+      <a:lnRef idx="2">
+        <a:scrgbClr r="0" g="0" b="0"/>
+      </a:lnRef>
+      <a:fillRef idx="1">
+        <a:scrgbClr r="0" g="0" b="0"/>
+      </a:fillRef>
+      <a:effectRef idx="0">
+        <a:scrgbClr r="0" g="0" b="0"/>
+      </a:effectRef>
+      <a:fontRef idx="minor"/>
+    </dgm:style>
+  </dgm:styleLbl>
+  <dgm:styleLbl name="alignImgPlace1">
+    <dgm:scene3d>
+      <a:camera prst="orthographicFront"/>
+      <a:lightRig rig="threePt" dir="t"/>
+    </dgm:scene3d>
+    <dgm:sp3d/>
+    <dgm:txPr/>
+    <dgm:style>
+      <a:lnRef idx="2">
+        <a:scrgbClr r="0" g="0" b="0"/>
+      </a:lnRef>
+      <a:fillRef idx="1">
+        <a:scrgbClr r="0" g="0" b="0"/>
+      </a:fillRef>
+      <a:effectRef idx="0">
+        <a:scrgbClr r="0" g="0" b="0"/>
+      </a:effectRef>
+      <a:fontRef idx="minor"/>
+    </dgm:style>
+  </dgm:styleLbl>
+  <dgm:styleLbl name="bgImgPlace1">
+    <dgm:scene3d>
+      <a:camera prst="orthographicFront"/>
+      <a:lightRig rig="threePt" dir="t"/>
+    </dgm:scene3d>
+    <dgm:sp3d/>
+    <dgm:txPr/>
+    <dgm:style>
+      <a:lnRef idx="2">
+        <a:scrgbClr r="0" g="0" b="0"/>
+      </a:lnRef>
+      <a:fillRef idx="1">
+        <a:scrgbClr r="0" g="0" b="0"/>
+      </a:fillRef>
+      <a:effectRef idx="0">
+        <a:scrgbClr r="0" g="0" b="0"/>
+      </a:effectRef>
+      <a:fontRef idx="minor"/>
+    </dgm:style>
+  </dgm:styleLbl>
+  <dgm:styleLbl name="sibTrans2D1">
+    <dgm:scene3d>
+      <a:camera prst="orthographicFront"/>
+      <a:lightRig rig="threePt" dir="t"/>
+    </dgm:scene3d>
+    <dgm:sp3d/>
+    <dgm:txPr/>
+    <dgm:style>
+      <a:lnRef idx="0">
+        <a:scrgbClr r="0" g="0" b="0"/>
+      </a:lnRef>
+      <a:fillRef idx="1">
+        <a:scrgbClr r="0" g="0" b="0"/>
+      </a:fillRef>
+      <a:effectRef idx="0">
+        <a:scrgbClr r="0" g="0" b="0"/>
+      </a:effectRef>
+      <a:fontRef idx="minor">
+        <a:schemeClr val="lt1"/>
+      </a:fontRef>
+    </dgm:style>
+  </dgm:styleLbl>
+  <dgm:styleLbl name="fgSibTrans2D1">
+    <dgm:scene3d>
+      <a:camera prst="orthographicFront"/>
+      <a:lightRig rig="threePt" dir="t"/>
+    </dgm:scene3d>
+    <dgm:sp3d/>
+    <dgm:txPr/>
+    <dgm:style>
+      <a:lnRef idx="0">
+        <a:scrgbClr r="0" g="0" b="0"/>
+      </a:lnRef>
+      <a:fillRef idx="1">
+        <a:scrgbClr r="0" g="0" b="0"/>
+      </a:fillRef>
+      <a:effectRef idx="0">
+        <a:scrgbClr r="0" g="0" b="0"/>
+      </a:effectRef>
+      <a:fontRef idx="minor">
+        <a:schemeClr val="lt1"/>
+      </a:fontRef>
+    </dgm:style>
+  </dgm:styleLbl>
+  <dgm:styleLbl name="bgSibTrans2D1">
+    <dgm:scene3d>
+      <a:camera prst="orthographicFront"/>
+      <a:lightRig rig="threePt" dir="t"/>
+    </dgm:scene3d>
+    <dgm:sp3d/>
+    <dgm:txPr/>
+    <dgm:style>
+      <a:lnRef idx="0">
+        <a:scrgbClr r="0" g="0" b="0"/>
+      </a:lnRef>
+      <a:fillRef idx="1">
+        <a:scrgbClr r="0" g="0" b="0"/>
+      </a:fillRef>
+      <a:effectRef idx="0">
+        <a:scrgbClr r="0" g="0" b="0"/>
+      </a:effectRef>
+      <a:fontRef idx="minor">
+        <a:schemeClr val="lt1"/>
+      </a:fontRef>
+    </dgm:style>
+  </dgm:styleLbl>
+  <dgm:styleLbl name="sibTrans1D1">
+    <dgm:scene3d>
+      <a:camera prst="orthographicFront"/>
+      <a:lightRig rig="threePt" dir="t"/>
+    </dgm:scene3d>
+    <dgm:sp3d/>
+    <dgm:txPr/>
+    <dgm:style>
+      <a:lnRef idx="1">
+        <a:scrgbClr r="0" g="0" b="0"/>
+      </a:lnRef>
+      <a:fillRef idx="0">
+        <a:scrgbClr r="0" g="0" b="0"/>
+      </a:fillRef>
+      <a:effectRef idx="0">
+        <a:scrgbClr r="0" g="0" b="0"/>
+      </a:effectRef>
+      <a:fontRef idx="minor"/>
+    </dgm:style>
+  </dgm:styleLbl>
+  <dgm:styleLbl name="callout">
+    <dgm:scene3d>
+      <a:camera prst="orthographicFront"/>
+      <a:lightRig rig="threePt" dir="t"/>
+    </dgm:scene3d>
+    <dgm:sp3d/>
+    <dgm:txPr/>
+    <dgm:style>
+      <a:lnRef idx="2">
+        <a:scrgbClr r="0" g="0" b="0"/>
+      </a:lnRef>
+      <a:fillRef idx="1">
+        <a:scrgbClr r="0" g="0" b="0"/>
+      </a:fillRef>
+      <a:effectRef idx="0">
+        <a:scrgbClr r="0" g="0" b="0"/>
+      </a:effectRef>
+      <a:fontRef idx="minor"/>
+    </dgm:style>
+  </dgm:styleLbl>
+  <dgm:styleLbl name="asst0">
+    <dgm:scene3d>
+      <a:camera prst="orthographicFront"/>
+      <a:lightRig rig="threePt" dir="t"/>
+    </dgm:scene3d>
+    <dgm:sp3d/>
+    <dgm:txPr/>
+    <dgm:style>
+      <a:lnRef idx="2">
+        <a:scrgbClr r="0" g="0" b="0"/>
+      </a:lnRef>
+      <a:fillRef idx="1">
+        <a:scrgbClr r="0" g="0" b="0"/>
+      </a:fillRef>
+      <a:effectRef idx="0">
+        <a:scrgbClr r="0" g="0" b="0"/>
+      </a:effectRef>
+      <a:fontRef idx="minor">
+        <a:schemeClr val="lt1"/>
+      </a:fontRef>
+    </dgm:style>
+  </dgm:styleLbl>
+  <dgm:styleLbl name="asst1">
+    <dgm:scene3d>
+      <a:camera prst="orthographicFront"/>
+      <a:lightRig rig="threePt" dir="t"/>
+    </dgm:scene3d>
+    <dgm:sp3d/>
+    <dgm:txPr/>
+    <dgm:style>
+      <a:lnRef idx="2">
+        <a:scrgbClr r="0" g="0" b="0"/>
+      </a:lnRef>
+      <a:fillRef idx="1">
+        <a:scrgbClr r="0" g="0" b="0"/>
+      </a:fillRef>
+      <a:effectRef idx="0">
+        <a:scrgbClr r="0" g="0" b="0"/>
+      </a:effectRef>
+      <a:fontRef idx="minor">
+        <a:schemeClr val="lt1"/>
+      </a:fontRef>
+    </dgm:style>
+  </dgm:styleLbl>
+  <dgm:styleLbl name="asst2">
+    <dgm:scene3d>
+      <a:camera prst="orthographicFront"/>
+      <a:lightRig rig="threePt" dir="t"/>
+    </dgm:scene3d>
+    <dgm:sp3d/>
+    <dgm:txPr/>
+    <dgm:style>
+      <a:lnRef idx="2">
+        <a:scrgbClr r="0" g="0" b="0"/>
+      </a:lnRef>
+      <a:fillRef idx="1">
+        <a:scrgbClr r="0" g="0" b="0"/>
+      </a:fillRef>
+      <a:effectRef idx="0">
+        <a:scrgbClr r="0" g="0" b="0"/>
+      </a:effectRef>
+      <a:fontRef idx="minor">
+        <a:schemeClr val="lt1"/>
+      </a:fontRef>
+    </dgm:style>
+  </dgm:styleLbl>
+  <dgm:styleLbl name="asst3">
+    <dgm:scene3d>
+      <a:camera prst="orthographicFront"/>
+      <a:lightRig rig="threePt" dir="t"/>
+    </dgm:scene3d>
+    <dgm:sp3d/>
+    <dgm:txPr/>
+    <dgm:style>
+      <a:lnRef idx="2">
+        <a:scrgbClr r="0" g="0" b="0"/>
+      </a:lnRef>
+      <a:fillRef idx="1">
+        <a:scrgbClr r="0" g="0" b="0"/>
+      </a:fillRef>
+      <a:effectRef idx="0">
+        <a:scrgbClr r="0" g="0" b="0"/>
+      </a:effectRef>
+      <a:fontRef idx="minor">
+        <a:schemeClr val="lt1"/>
+      </a:fontRef>
+    </dgm:style>
+  </dgm:styleLbl>
+  <dgm:styleLbl name="asst4">
+    <dgm:scene3d>
+      <a:camera prst="orthographicFront"/>
+      <a:lightRig rig="threePt" dir="t"/>
+    </dgm:scene3d>
+    <dgm:sp3d/>
+    <dgm:txPr/>
+    <dgm:style>
+      <a:lnRef idx="2">
+        <a:scrgbClr r="0" g="0" b="0"/>
+      </a:lnRef>
+      <a:fillRef idx="1">
+        <a:scrgbClr r="0" g="0" b="0"/>
+      </a:fillRef>
+      <a:effectRef idx="0">
+        <a:scrgbClr r="0" g="0" b="0"/>
+      </a:effectRef>
+      <a:fontRef idx="minor">
+        <a:schemeClr val="lt1"/>
+      </a:fontRef>
+    </dgm:style>
+  </dgm:styleLbl>
+  <dgm:styleLbl name="parChTrans2D1">
+    <dgm:scene3d>
+      <a:camera prst="orthographicFront"/>
+      <a:lightRig rig="threePt" dir="t"/>
+    </dgm:scene3d>
+    <dgm:sp3d/>
+    <dgm:txPr/>
+    <dgm:style>
+      <a:lnRef idx="2">
+        <a:scrgbClr r="0" g="0" b="0"/>
+      </a:lnRef>
+      <a:fillRef idx="1">
+        <a:scrgbClr r="0" g="0" b="0"/>
+      </a:fillRef>
+      <a:effectRef idx="0">
+        <a:scrgbClr r="0" g="0" b="0"/>
+      </a:effectRef>
+      <a:fontRef idx="minor">
+        <a:schemeClr val="lt1"/>
+      </a:fontRef>
+    </dgm:style>
+  </dgm:styleLbl>
+  <dgm:styleLbl name="parChTrans2D2">
+    <dgm:scene3d>
+      <a:camera prst="orthographicFront"/>
+      <a:lightRig rig="threePt" dir="t"/>
+    </dgm:scene3d>
+    <dgm:sp3d/>
+    <dgm:txPr/>
+    <dgm:style>
+      <a:lnRef idx="2">
+        <a:scrgbClr r="0" g="0" b="0"/>
+      </a:lnRef>
+      <a:fillRef idx="1">
+        <a:scrgbClr r="0" g="0" b="0"/>
+      </a:fillRef>
+      <a:effectRef idx="0">
+        <a:scrgbClr r="0" g="0" b="0"/>
+      </a:effectRef>
+      <a:fontRef idx="minor">
+        <a:schemeClr val="lt1"/>
+      </a:fontRef>
+    </dgm:style>
+  </dgm:styleLbl>
+  <dgm:styleLbl name="parChTrans2D3">
+    <dgm:scene3d>
+      <a:camera prst="orthographicFront"/>
+      <a:lightRig rig="threePt" dir="t"/>
+    </dgm:scene3d>
+    <dgm:sp3d/>
+    <dgm:txPr/>
+    <dgm:style>
+      <a:lnRef idx="2">
+        <a:scrgbClr r="0" g="0" b="0"/>
+      </a:lnRef>
+      <a:fillRef idx="1">
+        <a:scrgbClr r="0" g="0" b="0"/>
+      </a:fillRef>
+      <a:effectRef idx="0">
+        <a:scrgbClr r="0" g="0" b="0"/>
+      </a:effectRef>
+      <a:fontRef idx="minor">
+        <a:schemeClr val="lt1"/>
+      </a:fontRef>
+    </dgm:style>
+  </dgm:styleLbl>
+  <dgm:styleLbl name="parChTrans2D4">
+    <dgm:scene3d>
+      <a:camera prst="orthographicFront"/>
+      <a:lightRig rig="threePt" dir="t"/>
+    </dgm:scene3d>
+    <dgm:sp3d/>
+    <dgm:txPr/>
+    <dgm:style>
+      <a:lnRef idx="2">
+        <a:scrgbClr r="0" g="0" b="0"/>
+      </a:lnRef>
+      <a:fillRef idx="1">
+        <a:scrgbClr r="0" g="0" b="0"/>
+      </a:fillRef>
+      <a:effectRef idx="0">
+        <a:scrgbClr r="0" g="0" b="0"/>
+      </a:effectRef>
+      <a:fontRef idx="minor">
+        <a:schemeClr val="lt1"/>
+      </a:fontRef>
+    </dgm:style>
+  </dgm:styleLbl>
+  <dgm:styleLbl name="parChTrans1D1">
+    <dgm:scene3d>
+      <a:camera prst="orthographicFront"/>
+      <a:lightRig rig="threePt" dir="t"/>
+    </dgm:scene3d>
+    <dgm:sp3d/>
+    <dgm:txPr/>
+    <dgm:style>
+      <a:lnRef idx="2">
+        <a:scrgbClr r="0" g="0" b="0"/>
+      </a:lnRef>
+      <a:fillRef idx="0">
+        <a:scrgbClr r="0" g="0" b="0"/>
+      </a:fillRef>
+      <a:effectRef idx="0">
+        <a:scrgbClr r="0" g="0" b="0"/>
+      </a:effectRef>
+      <a:fontRef idx="minor"/>
+    </dgm:style>
+  </dgm:styleLbl>
+  <dgm:styleLbl name="parChTrans1D2">
+    <dgm:scene3d>
+      <a:camera prst="orthographicFront"/>
+      <a:lightRig rig="threePt" dir="t"/>
+    </dgm:scene3d>
+    <dgm:sp3d/>
+    <dgm:txPr/>
+    <dgm:style>
+      <a:lnRef idx="2">
+        <a:scrgbClr r="0" g="0" b="0"/>
+      </a:lnRef>
+      <a:fillRef idx="0">
+        <a:scrgbClr r="0" g="0" b="0"/>
+      </a:fillRef>
+      <a:effectRef idx="0">
+        <a:scrgbClr r="0" g="0" b="0"/>
+      </a:effectRef>
+      <a:fontRef idx="minor"/>
+    </dgm:style>
+  </dgm:styleLbl>
+  <dgm:styleLbl name="parChTrans1D3">
+    <dgm:scene3d>
+      <a:camera prst="orthographicFront"/>
+      <a:lightRig rig="threePt" dir="t"/>
+    </dgm:scene3d>
+    <dgm:sp3d/>
+    <dgm:txPr/>
+    <dgm:style>
+      <a:lnRef idx="2">
+        <a:scrgbClr r="0" g="0" b="0"/>
+      </a:lnRef>
+      <a:fillRef idx="0">
+        <a:scrgbClr r="0" g="0" b="0"/>
+      </a:fillRef>
+      <a:effectRef idx="0">
+        <a:scrgbClr r="0" g="0" b="0"/>
+      </a:effectRef>
+      <a:fontRef idx="minor"/>
+    </dgm:style>
+  </dgm:styleLbl>
+  <dgm:styleLbl name="parChTrans1D4">
+    <dgm:scene3d>
+      <a:camera prst="orthographicFront"/>
+      <a:lightRig rig="threePt" dir="t"/>
+    </dgm:scene3d>
+    <dgm:sp3d/>
+    <dgm:txPr/>
+    <dgm:style>
+      <a:lnRef idx="2">
+        <a:scrgbClr r="0" g="0" b="0"/>
+      </a:lnRef>
+      <a:fillRef idx="0">
+        <a:scrgbClr r="0" g="0" b="0"/>
+      </a:fillRef>
+      <a:effectRef idx="0">
+        <a:scrgbClr r="0" g="0" b="0"/>
+      </a:effectRef>
+      <a:fontRef idx="minor"/>
+    </dgm:style>
+  </dgm:styleLbl>
+  <dgm:styleLbl name="fgAcc1">
+    <dgm:scene3d>
+      <a:camera prst="orthographicFront"/>
+      <a:lightRig rig="threePt" dir="t"/>
+    </dgm:scene3d>
+    <dgm:sp3d/>
+    <dgm:txPr/>
+    <dgm:style>
+      <a:lnRef idx="2">
+        <a:scrgbClr r="0" g="0" b="0"/>
+      </a:lnRef>
+      <a:fillRef idx="1">
+        <a:scrgbClr r="0" g="0" b="0"/>
+      </a:fillRef>
+      <a:effectRef idx="0">
+        <a:scrgbClr r="0" g="0" b="0"/>
+      </a:effectRef>
+      <a:fontRef idx="minor"/>
+    </dgm:style>
+  </dgm:styleLbl>
+  <dgm:styleLbl name="conFgAcc1">
+    <dgm:scene3d>
+      <a:camera prst="orthographicFront"/>
+      <a:lightRig rig="threePt" dir="t"/>
+    </dgm:scene3d>
+    <dgm:sp3d/>
+    <dgm:txPr/>
+    <dgm:style>
+      <a:lnRef idx="2">
+        <a:scrgbClr r="0" g="0" b="0"/>
+      </a:lnRef>
+      <a:fillRef idx="1">
+        <a:scrgbClr r="0" g="0" b="0"/>
+      </a:fillRef>
+      <a:effectRef idx="0">
+        <a:scrgbClr r="0" g="0" b="0"/>
+      </a:effectRef>
+      <a:fontRef idx="minor"/>
+    </dgm:style>
+  </dgm:styleLbl>
+  <dgm:styleLbl name="alignAcc1">
+    <dgm:scene3d>
+      <a:camera prst="orthographicFront"/>
+      <a:lightRig rig="threePt" dir="t"/>
+    </dgm:scene3d>
+    <dgm:sp3d/>
+    <dgm:txPr/>
+    <dgm:style>
+      <a:lnRef idx="2">
+        <a:scrgbClr r="0" g="0" b="0"/>
+      </a:lnRef>
+      <a:fillRef idx="1">
+        <a:scrgbClr r="0" g="0" b="0"/>
+      </a:fillRef>
+      <a:effectRef idx="0">
+        <a:scrgbClr r="0" g="0" b="0"/>
+      </a:effectRef>
+      <a:fontRef idx="minor"/>
+    </dgm:style>
+  </dgm:styleLbl>
+  <dgm:styleLbl name="trAlignAcc1">
+    <dgm:scene3d>
+      <a:camera prst="orthographicFront"/>
+      <a:lightRig rig="threePt" dir="t"/>
+    </dgm:scene3d>
+    <dgm:sp3d/>
+    <dgm:txPr/>
+    <dgm:style>
+      <a:lnRef idx="1">
+        <a:scrgbClr r="0" g="0" b="0"/>
+      </a:lnRef>
+      <a:fillRef idx="1">
+        <a:scrgbClr r="0" g="0" b="0"/>
+      </a:fillRef>
+      <a:effectRef idx="0">
+        <a:scrgbClr r="0" g="0" b="0"/>
+      </a:effectRef>
+      <a:fontRef idx="minor"/>
+    </dgm:style>
+  </dgm:styleLbl>
+  <dgm:styleLbl name="bgAcc1">
+    <dgm:scene3d>
+      <a:camera prst="orthographicFront"/>
+      <a:lightRig rig="threePt" dir="t"/>
+    </dgm:scene3d>
+    <dgm:sp3d/>
+    <dgm:txPr/>
+    <dgm:style>
+      <a:lnRef idx="2">
+        <a:scrgbClr r="0" g="0" b="0"/>
+      </a:lnRef>
+      <a:fillRef idx="1">
+        <a:scrgbClr r="0" g="0" b="0"/>
+      </a:fillRef>
+      <a:effectRef idx="0">
+        <a:scrgbClr r="0" g="0" b="0"/>
+      </a:effectRef>
+      <a:fontRef idx="minor"/>
+    </dgm:style>
+  </dgm:styleLbl>
+  <dgm:styleLbl name="solidFgAcc1">
+    <dgm:scene3d>
+      <a:camera prst="orthographicFront"/>
+      <a:lightRig rig="threePt" dir="t"/>
+    </dgm:scene3d>
+    <dgm:sp3d/>
+    <dgm:txPr/>
+    <dgm:style>
+      <a:lnRef idx="2">
+        <a:scrgbClr r="0" g="0" b="0"/>
+      </a:lnRef>
+      <a:fillRef idx="1">
+        <a:scrgbClr r="0" g="0" b="0"/>
+      </a:fillRef>
+      <a:effectRef idx="0">
+        <a:scrgbClr r="0" g="0" b="0"/>
+      </a:effectRef>
+      <a:fontRef idx="minor"/>
+    </dgm:style>
+  </dgm:styleLbl>
+  <dgm:styleLbl name="solidAlignAcc1">
+    <dgm:scene3d>
+      <a:camera prst="orthographicFront"/>
+      <a:lightRig rig="threePt" dir="t"/>
+    </dgm:scene3d>
+    <dgm:sp3d/>
+    <dgm:txPr/>
+    <dgm:style>
+      <a:lnRef idx="2">
+        <a:scrgbClr r="0" g="0" b="0"/>
+      </a:lnRef>
+      <a:fillRef idx="1">
+        <a:scrgbClr r="0" g="0" b="0"/>
+      </a:fillRef>
+      <a:effectRef idx="0">
+        <a:scrgbClr r="0" g="0" b="0"/>
+      </a:effectRef>
+      <a:fontRef idx="minor"/>
+    </dgm:style>
+  </dgm:styleLbl>
+  <dgm:styleLbl name="solidBgAcc1">
+    <dgm:scene3d>
+      <a:camera prst="orthographicFront"/>
+      <a:lightRig rig="threePt" dir="t"/>
+    </dgm:scene3d>
+    <dgm:sp3d/>
+    <dgm:txPr/>
+    <dgm:style>
+      <a:lnRef idx="2">
+        <a:scrgbClr r="0" g="0" b="0"/>
+      </a:lnRef>
+      <a:fillRef idx="1">
+        <a:scrgbClr r="0" g="0" b="0"/>
+      </a:fillRef>
+      <a:effectRef idx="0">
+        <a:scrgbClr r="0" g="0" b="0"/>
+      </a:effectRef>
+      <a:fontRef idx="minor"/>
+    </dgm:style>
+  </dgm:styleLbl>
+  <dgm:styleLbl name="fgAccFollowNode1">
+    <dgm:scene3d>
+      <a:camera prst="orthographicFront"/>
+      <a:lightRig rig="threePt" dir="t"/>
+    </dgm:scene3d>
+    <dgm:sp3d/>
+    <dgm:txPr/>
+    <dgm:style>
+      <a:lnRef idx="2">
+        <a:scrgbClr r="0" g="0" b="0"/>
+      </a:lnRef>
+      <a:fillRef idx="1">
+        <a:scrgbClr r="0" g="0" b="0"/>
+      </a:fillRef>
+      <a:effectRef idx="0">
+        <a:scrgbClr r="0" g="0" b="0"/>
+      </a:effectRef>
+      <a:fontRef idx="minor"/>
+    </dgm:style>
+  </dgm:styleLbl>
+  <dgm:styleLbl name="alignAccFollowNode1">
+    <dgm:scene3d>
+      <a:camera prst="orthographicFront"/>
+      <a:lightRig rig="threePt" dir="t"/>
+    </dgm:scene3d>
+    <dgm:sp3d/>
+    <dgm:txPr/>
+    <dgm:style>
+      <a:lnRef idx="2">
+        <a:scrgbClr r="0" g="0" b="0"/>
+      </a:lnRef>
+      <a:fillRef idx="1">
+        <a:scrgbClr r="0" g="0" b="0"/>
+      </a:fillRef>
+      <a:effectRef idx="0">
+        <a:scrgbClr r="0" g="0" b="0"/>
+      </a:effectRef>
+      <a:fontRef idx="minor"/>
+    </dgm:style>
+  </dgm:styleLbl>
+  <dgm:styleLbl name="bgAccFollowNode1">
+    <dgm:scene3d>
+      <a:camera prst="orthographicFront"/>
+      <a:lightRig rig="threePt" dir="t"/>
+    </dgm:scene3d>
+    <dgm:sp3d/>
+    <dgm:txPr/>
+    <dgm:style>
+      <a:lnRef idx="2">
+        <a:scrgbClr r="0" g="0" b="0"/>
+      </a:lnRef>
+      <a:fillRef idx="1">
+        <a:scrgbClr r="0" g="0" b="0"/>
+      </a:fillRef>
+      <a:effectRef idx="0">
+        <a:scrgbClr r="0" g="0" b="0"/>
+      </a:effectRef>
+      <a:fontRef idx="minor"/>
+    </dgm:style>
+  </dgm:styleLbl>
+  <dgm:styleLbl name="fgAcc0">
+    <dgm:scene3d>
+      <a:camera prst="orthographicFront"/>
+      <a:lightRig rig="threePt" dir="t"/>
+    </dgm:scene3d>
+    <dgm:sp3d/>
+    <dgm:txPr/>
+    <dgm:style>
+      <a:lnRef idx="2">
+        <a:scrgbClr r="0" g="0" b="0"/>
+      </a:lnRef>
+      <a:fillRef idx="1">
+        <a:scrgbClr r="0" g="0" b="0"/>
+      </a:fillRef>
+      <a:effectRef idx="0">
+        <a:scrgbClr r="0" g="0" b="0"/>
+      </a:effectRef>
+      <a:fontRef idx="minor"/>
+    </dgm:style>
+  </dgm:styleLbl>
+  <dgm:styleLbl name="fgAcc2">
+    <dgm:scene3d>
+      <a:camera prst="orthographicFront"/>
+      <a:lightRig rig="threePt" dir="t"/>
+    </dgm:scene3d>
+    <dgm:sp3d/>
+    <dgm:txPr/>
+    <dgm:style>
+      <a:lnRef idx="2">
+        <a:scrgbClr r="0" g="0" b="0"/>
+      </a:lnRef>
+      <a:fillRef idx="1">
+        <a:scrgbClr r="0" g="0" b="0"/>
+      </a:fillRef>
+      <a:effectRef idx="0">
+        <a:scrgbClr r="0" g="0" b="0"/>
+      </a:effectRef>
+      <a:fontRef idx="minor"/>
+    </dgm:style>
+  </dgm:styleLbl>
+  <dgm:styleLbl name="fgAcc3">
+    <dgm:scene3d>
+      <a:camera prst="orthographicFront"/>
+      <a:lightRig rig="threePt" dir="t"/>
+    </dgm:scene3d>
+    <dgm:sp3d/>
+    <dgm:txPr/>
+    <dgm:style>
+      <a:lnRef idx="2">
+        <a:scrgbClr r="0" g="0" b="0"/>
+      </a:lnRef>
+      <a:fillRef idx="1">
+        <a:scrgbClr r="0" g="0" b="0"/>
+      </a:fillRef>
+      <a:effectRef idx="0">
+        <a:scrgbClr r="0" g="0" b="0"/>
+      </a:effectRef>
+      <a:fontRef idx="minor"/>
+    </dgm:style>
+  </dgm:styleLbl>
+  <dgm:styleLbl name="fgAcc4">
+    <dgm:scene3d>
+      <a:camera prst="orthographicFront"/>
+      <a:lightRig rig="threePt" dir="t"/>
+    </dgm:scene3d>
+    <dgm:sp3d/>
+    <dgm:txPr/>
+    <dgm:style>
+      <a:lnRef idx="2">
+        <a:scrgbClr r="0" g="0" b="0"/>
+      </a:lnRef>
+      <a:fillRef idx="1">
+        <a:scrgbClr r="0" g="0" b="0"/>
+      </a:fillRef>
+      <a:effectRef idx="0">
+        <a:scrgbClr r="0" g="0" b="0"/>
+      </a:effectRef>
+      <a:fontRef idx="minor"/>
+    </dgm:style>
+  </dgm:styleLbl>
+  <dgm:styleLbl name="bgShp">
+    <dgm:scene3d>
+      <a:camera prst="orthographicFront"/>
+      <a:lightRig rig="threePt" dir="t"/>
+    </dgm:scene3d>
+    <dgm:sp3d/>
+    <dgm:txPr/>
+    <dgm:style>
+      <a:lnRef idx="0">
+        <a:scrgbClr r="0" g="0" b="0"/>
+      </a:lnRef>
+      <a:fillRef idx="1">
+        <a:scrgbClr r="0" g="0" b="0"/>
+      </a:fillRef>
+      <a:effectRef idx="0">
+        <a:scrgbClr r="0" g="0" b="0"/>
+      </a:effectRef>
+      <a:fontRef idx="minor"/>
+    </dgm:style>
+  </dgm:styleLbl>
+  <dgm:styleLbl name="dkBgShp">
+    <dgm:scene3d>
+      <a:camera prst="orthographicFront"/>
+      <a:lightRig rig="threePt" dir="t"/>
+    </dgm:scene3d>
+    <dgm:sp3d/>
+    <dgm:txPr/>
+    <dgm:style>
+      <a:lnRef idx="0">
+        <a:scrgbClr r="0" g="0" b="0"/>
+      </a:lnRef>
+      <a:fillRef idx="1">
+        <a:scrgbClr r="0" g="0" b="0"/>
+      </a:fillRef>
+      <a:effectRef idx="0">
+        <a:scrgbClr r="0" g="0" b="0"/>
+      </a:effectRef>
+      <a:fontRef idx="minor"/>
+    </dgm:style>
+  </dgm:styleLbl>
+  <dgm:styleLbl name="trBgShp">
+    <dgm:scene3d>
+      <a:camera prst="orthographicFront"/>
+      <a:lightRig rig="threePt" dir="t"/>
+    </dgm:scene3d>
+    <dgm:sp3d/>
+    <dgm:txPr/>
+    <dgm:style>
+      <a:lnRef idx="0">
+        <a:scrgbClr r="0" g="0" b="0"/>
+      </a:lnRef>
+      <a:fillRef idx="1">
+        <a:scrgbClr r="0" g="0" b="0"/>
+      </a:fillRef>
+      <a:effectRef idx="0">
+        <a:scrgbClr r="0" g="0" b="0"/>
+      </a:effectRef>
+      <a:fontRef idx="minor"/>
+    </dgm:style>
+  </dgm:styleLbl>
+  <dgm:styleLbl name="fgShp">
+    <dgm:scene3d>
+      <a:camera prst="orthographicFront"/>
+      <a:lightRig rig="threePt" dir="t"/>
+    </dgm:scene3d>
+    <dgm:sp3d/>
+    <dgm:txPr/>
+    <dgm:style>
+      <a:lnRef idx="2">
+        <a:scrgbClr r="0" g="0" b="0"/>
+      </a:lnRef>
+      <a:fillRef idx="1">
+        <a:scrgbClr r="0" g="0" b="0"/>
+      </a:fillRef>
+      <a:effectRef idx="0">
+        <a:scrgbClr r="0" g="0" b="0"/>
+      </a:effectRef>
+      <a:fontRef idx="minor"/>
+    </dgm:style>
+  </dgm:styleLbl>
+  <dgm:styleLbl name="revTx">
+    <dgm:scene3d>
+      <a:camera prst="orthographicFront"/>
+      <a:lightRig rig="threePt" dir="t"/>
+    </dgm:scene3d>
+    <dgm:sp3d/>
+    <dgm:txPr/>
+    <dgm:style>
+      <a:lnRef idx="0">
+        <a:scrgbClr r="0" g="0" b="0"/>
+      </a:lnRef>
+      <a:fillRef idx="0">
+        <a:scrgbClr r="0" g="0" b="0"/>
+      </a:fillRef>
+      <a:effectRef idx="0">
+        <a:scrgbClr r="0" g="0" b="0"/>
+      </a:effectRef>
+      <a:fontRef idx="minor"/>
+    </dgm:style>
+  </dgm:styleLbl>
+</dgm:styleDef>
 </file>
 
 <file path=ppt/slideLayouts/slideLayout1.xml><?xml version="1.0" encoding="utf-8"?>
@@ -455,7 +3257,7 @@
           <a:p>
             <a:fld id="{3CADBD16-5BFB-4D9F-9646-C75D1B53BBB6}" type="datetimeFigureOut">
               <a:rPr lang="en-US" smtClean="0"/>
-              <a:t>11/28/23</a:t>
+              <a:t>12/8/23</a:t>
             </a:fld>
             <a:endParaRPr lang="en-US"/>
           </a:p>
@@ -696,7 +3498,7 @@
           <a:p>
             <a:fld id="{3CADBD16-5BFB-4D9F-9646-C75D1B53BBB6}" type="datetimeFigureOut">
               <a:rPr lang="en-US" smtClean="0"/>
-              <a:t>11/28/23</a:t>
+              <a:t>12/8/23</a:t>
             </a:fld>
             <a:endParaRPr lang="en-US"/>
           </a:p>
@@ -904,7 +3706,7 @@
           <a:p>
             <a:fld id="{3CADBD16-5BFB-4D9F-9646-C75D1B53BBB6}" type="datetimeFigureOut">
               <a:rPr lang="en-US" smtClean="0"/>
-              <a:t>11/28/23</a:t>
+              <a:t>12/8/23</a:t>
             </a:fld>
             <a:endParaRPr lang="en-US"/>
           </a:p>
@@ -1102,7 +3904,7 @@
           <a:p>
             <a:fld id="{3CADBD16-5BFB-4D9F-9646-C75D1B53BBB6}" type="datetimeFigureOut">
               <a:rPr lang="en-US" smtClean="0"/>
-              <a:t>11/28/23</a:t>
+              <a:t>12/8/23</a:t>
             </a:fld>
             <a:endParaRPr lang="en-US"/>
           </a:p>
@@ -1379,7 +4181,7 @@
           <a:p>
             <a:fld id="{3CADBD16-5BFB-4D9F-9646-C75D1B53BBB6}" type="datetimeFigureOut">
               <a:rPr lang="en-US" smtClean="0"/>
-              <a:t>11/28/23</a:t>
+              <a:t>12/8/23</a:t>
             </a:fld>
             <a:endParaRPr lang="en-US"/>
           </a:p>
@@ -1644,7 +4446,7 @@
           <a:p>
             <a:fld id="{3CADBD16-5BFB-4D9F-9646-C75D1B53BBB6}" type="datetimeFigureOut">
               <a:rPr lang="en-US" smtClean="0"/>
-              <a:t>11/28/23</a:t>
+              <a:t>12/8/23</a:t>
             </a:fld>
             <a:endParaRPr lang="en-US"/>
           </a:p>
@@ -2060,7 +4862,7 @@
           <a:p>
             <a:fld id="{3CADBD16-5BFB-4D9F-9646-C75D1B53BBB6}" type="datetimeFigureOut">
               <a:rPr lang="en-US" smtClean="0"/>
-              <a:t>11/28/23</a:t>
+              <a:t>12/8/23</a:t>
             </a:fld>
             <a:endParaRPr lang="en-US"/>
           </a:p>
@@ -2210,7 +5012,7 @@
           <a:p>
             <a:fld id="{3CADBD16-5BFB-4D9F-9646-C75D1B53BBB6}" type="datetimeFigureOut">
               <a:rPr lang="en-US" smtClean="0"/>
-              <a:t>11/28/23</a:t>
+              <a:t>12/8/23</a:t>
             </a:fld>
             <a:endParaRPr lang="en-US"/>
           </a:p>
@@ -2323,7 +5125,7 @@
           <a:p>
             <a:fld id="{3CADBD16-5BFB-4D9F-9646-C75D1B53BBB6}" type="datetimeFigureOut">
               <a:rPr lang="en-US" smtClean="0"/>
-              <a:t>11/28/23</a:t>
+              <a:t>12/8/23</a:t>
             </a:fld>
             <a:endParaRPr lang="en-US"/>
           </a:p>
@@ -2639,7 +5441,7 @@
           <a:p>
             <a:fld id="{3CADBD16-5BFB-4D9F-9646-C75D1B53BBB6}" type="datetimeFigureOut">
               <a:rPr lang="en-US" smtClean="0"/>
-              <a:t>11/28/23</a:t>
+              <a:t>12/8/23</a:t>
             </a:fld>
             <a:endParaRPr lang="en-US"/>
           </a:p>
@@ -2890,7 +5692,7 @@
           <a:p>
             <a:fld id="{3CADBD16-5BFB-4D9F-9646-C75D1B53BBB6}" type="datetimeFigureOut">
               <a:rPr lang="en-US" smtClean="0"/>
-              <a:t>11/28/23</a:t>
+              <a:t>12/8/23</a:t>
             </a:fld>
             <a:endParaRPr lang="en-US"/>
           </a:p>
@@ -3399,7 +6201,7 @@
             <a:fld id="{3CADBD16-5BFB-4D9F-9646-C75D1B53BBB6}" type="datetimeFigureOut">
               <a:rPr lang="en-US" smtClean="0"/>
               <a:pPr/>
-              <a:t>11/28/23</a:t>
+              <a:t>12/8/23</a:t>
             </a:fld>
             <a:endParaRPr lang="en-US" dirty="0"/>
           </a:p>
@@ -4544,6 +7346,2605 @@
 </p:sld>
 </file>
 
+<file path=ppt/slides/slide2.xml><?xml version="1.0" encoding="utf-8"?>
+<p:sld xmlns:a="http://schemas.openxmlformats.org/drawingml/2006/main" xmlns:r="http://schemas.openxmlformats.org/officeDocument/2006/relationships" xmlns:p="http://schemas.openxmlformats.org/presentationml/2006/main">
+  <p:cSld>
+    <p:bg>
+      <p:bgPr>
+        <a:solidFill>
+          <a:schemeClr val="bg1"/>
+        </a:solidFill>
+        <a:effectLst/>
+      </p:bgPr>
+    </p:bg>
+    <p:spTree>
+      <p:nvGrpSpPr>
+        <p:cNvPr id="1" name=""/>
+        <p:cNvGrpSpPr/>
+        <p:nvPr/>
+      </p:nvGrpSpPr>
+      <p:grpSpPr>
+        <a:xfrm>
+          <a:off x="0" y="0"/>
+          <a:ext cx="0" cy="0"/>
+          <a:chOff x="0" y="0"/>
+          <a:chExt cx="0" cy="0"/>
+        </a:xfrm>
+      </p:grpSpPr>
+      <p:sp useBgFill="1">
+        <p:nvSpPr>
+          <p:cNvPr id="9" name="Rectangle 8">
+            <a:extLst>
+              <a:ext uri="{FF2B5EF4-FFF2-40B4-BE49-F238E27FC236}">
+                <a16:creationId xmlns:a16="http://schemas.microsoft.com/office/drawing/2014/main" id="{3BEA1A24-9CA1-4513-A409-3AD90DB091F2}"/>
+              </a:ext>
+              <a:ext uri="{C183D7F6-B498-43B3-948B-1728B52AA6E4}">
+                <adec:decorative xmlns:adec="http://schemas.microsoft.com/office/drawing/2017/decorative" val="1"/>
+              </a:ext>
+            </a:extLst>
+          </p:cNvPr>
+          <p:cNvSpPr>
+            <a:spLocks noGrp="1" noRot="1" noChangeAspect="1" noMove="1" noResize="1" noEditPoints="1" noAdjustHandles="1" noChangeArrowheads="1" noChangeShapeType="1" noTextEdit="1"/>
+          </p:cNvSpPr>
+          <p:nvPr>
+            <p:extLst>
+              <p:ext uri="{386F3935-93C4-4BCD-93E2-E3B085C9AB24}">
+                <p16:designElem xmlns:p16="http://schemas.microsoft.com/office/powerpoint/2015/main" val="1"/>
+              </p:ext>
+            </p:extLst>
+          </p:nvPr>
+        </p:nvSpPr>
+        <p:spPr>
+          <a:xfrm>
+            <a:off x="0" y="0"/>
+            <a:ext cx="12192000" cy="6858000"/>
+          </a:xfrm>
+          <a:prstGeom prst="rect">
+            <a:avLst/>
+          </a:prstGeom>
+          <a:ln w="12700" cap="flat" cmpd="sng" algn="ctr">
+            <a:noFill/>
+            <a:prstDash val="solid"/>
+            <a:miter lim="800000"/>
+          </a:ln>
+          <a:effectLst/>
+          <a:extLst>
+            <a:ext uri="{91240B29-F687-4F45-9708-019B960494DF}">
+              <a14:hiddenLine xmlns:a14="http://schemas.microsoft.com/office/drawing/2010/main" w="12700" cap="flat" cmpd="sng" algn="ctr">
+                <a:solidFill>
+                  <a:schemeClr val="accent1">
+                    <a:shade val="50000"/>
+                  </a:schemeClr>
+                </a:solidFill>
+                <a:prstDash val="solid"/>
+                <a:miter lim="800000"/>
+              </a14:hiddenLine>
+            </a:ext>
+          </a:extLst>
+        </p:spPr>
+        <p:style>
+          <a:lnRef idx="2">
+            <a:schemeClr val="accent1">
+              <a:shade val="50000"/>
+            </a:schemeClr>
+          </a:lnRef>
+          <a:fillRef idx="1">
+            <a:schemeClr val="accent1"/>
+          </a:fillRef>
+          <a:effectRef idx="0">
+            <a:schemeClr val="accent1"/>
+          </a:effectRef>
+          <a:fontRef idx="minor">
+            <a:schemeClr val="lt1"/>
+          </a:fontRef>
+        </p:style>
+        <p:txBody>
+          <a:bodyPr rtlCol="0" anchor="ctr"/>
+          <a:lstStyle/>
+          <a:p>
+            <a:pPr algn="ctr"/>
+            <a:endParaRPr lang="en-US"/>
+          </a:p>
+        </p:txBody>
+      </p:sp>
+      <p:sp>
+        <p:nvSpPr>
+          <p:cNvPr id="2" name="Title 1">
+            <a:extLst>
+              <a:ext uri="{FF2B5EF4-FFF2-40B4-BE49-F238E27FC236}">
+                <a16:creationId xmlns:a16="http://schemas.microsoft.com/office/drawing/2014/main" id="{568051C4-1B39-F2B4-57BA-F24DD23AC203}"/>
+              </a:ext>
+            </a:extLst>
+          </p:cNvPr>
+          <p:cNvSpPr>
+            <a:spLocks noGrp="1"/>
+          </p:cNvSpPr>
+          <p:nvPr>
+            <p:ph type="title"/>
+          </p:nvPr>
+        </p:nvSpPr>
+        <p:spPr>
+          <a:xfrm>
+            <a:off x="1756756" y="906189"/>
+            <a:ext cx="8689571" cy="1001886"/>
+          </a:xfrm>
+        </p:spPr>
+        <p:txBody>
+          <a:bodyPr anchor="b">
+            <a:normAutofit/>
+          </a:bodyPr>
+          <a:lstStyle/>
+          <a:p>
+            <a:pPr algn="ctr"/>
+            <a:r>
+              <a:rPr lang="en-US"/>
+              <a:t>What Is the Big Idea?</a:t>
+            </a:r>
+          </a:p>
+        </p:txBody>
+      </p:sp>
+      <p:cxnSp>
+        <p:nvCxnSpPr>
+          <p:cNvPr id="11" name="Straight Connector 10">
+            <a:extLst>
+              <a:ext uri="{FF2B5EF4-FFF2-40B4-BE49-F238E27FC236}">
+                <a16:creationId xmlns:a16="http://schemas.microsoft.com/office/drawing/2014/main" id="{3C0930BD-361E-4C4D-8B08-ED210DFA2D0A}"/>
+              </a:ext>
+              <a:ext uri="{C183D7F6-B498-43B3-948B-1728B52AA6E4}">
+                <adec:decorative xmlns:adec="http://schemas.microsoft.com/office/drawing/2017/decorative" val="1"/>
+              </a:ext>
+            </a:extLst>
+          </p:cNvPr>
+          <p:cNvCxnSpPr>
+            <a:cxnSpLocks noGrp="1" noRot="1" noChangeAspect="1" noMove="1" noResize="1" noEditPoints="1" noAdjustHandles="1" noChangeArrowheads="1" noChangeShapeType="1"/>
+          </p:cNvCxnSpPr>
+          <p:nvPr>
+            <p:extLst>
+              <p:ext uri="{386F3935-93C4-4BCD-93E2-E3B085C9AB24}">
+                <p16:designElem xmlns:p16="http://schemas.microsoft.com/office/powerpoint/2015/main" val="1"/>
+              </p:ext>
+            </p:extLst>
+          </p:nvPr>
+        </p:nvCxnSpPr>
+        <p:spPr>
+          <a:xfrm>
+            <a:off x="1233837" y="6172200"/>
+            <a:ext cx="9760638" cy="0"/>
+          </a:xfrm>
+          <a:prstGeom prst="line">
+            <a:avLst/>
+          </a:prstGeom>
+          <a:ln w="12700">
+            <a:solidFill>
+              <a:schemeClr val="tx1"/>
+            </a:solidFill>
+          </a:ln>
+        </p:spPr>
+        <p:style>
+          <a:lnRef idx="1">
+            <a:schemeClr val="accent1"/>
+          </a:lnRef>
+          <a:fillRef idx="0">
+            <a:schemeClr val="accent1"/>
+          </a:fillRef>
+          <a:effectRef idx="0">
+            <a:schemeClr val="accent1"/>
+          </a:effectRef>
+          <a:fontRef idx="minor">
+            <a:schemeClr val="tx1"/>
+          </a:fontRef>
+        </p:style>
+      </p:cxnSp>
+      <p:graphicFrame>
+        <p:nvGraphicFramePr>
+          <p:cNvPr id="5" name="Content Placeholder 2">
+            <a:extLst>
+              <a:ext uri="{FF2B5EF4-FFF2-40B4-BE49-F238E27FC236}">
+                <a16:creationId xmlns:a16="http://schemas.microsoft.com/office/drawing/2014/main" id="{EA825107-3ADA-F9A5-2981-D09D4F3B648E}"/>
+              </a:ext>
+            </a:extLst>
+          </p:cNvPr>
+          <p:cNvGraphicFramePr>
+            <a:graphicFrameLocks noGrp="1"/>
+          </p:cNvGraphicFramePr>
+          <p:nvPr>
+            <p:ph idx="1"/>
+            <p:extLst>
+              <p:ext uri="{D42A27DB-BD31-4B8C-83A1-F6EECF244321}">
+                <p14:modId xmlns:p14="http://schemas.microsoft.com/office/powerpoint/2010/main" val="652141657"/>
+              </p:ext>
+            </p:extLst>
+          </p:nvPr>
+        </p:nvGraphicFramePr>
+        <p:xfrm>
+          <a:off x="1143000" y="2338016"/>
+          <a:ext cx="9906000" cy="3561133"/>
+        </p:xfrm>
+        <a:graphic>
+          <a:graphicData uri="http://schemas.openxmlformats.org/drawingml/2006/diagram">
+            <dgm:relIds xmlns:dgm="http://schemas.openxmlformats.org/drawingml/2006/diagram" xmlns:r="http://schemas.openxmlformats.org/officeDocument/2006/relationships" r:dm="rId2" r:lo="rId3" r:qs="rId4" r:cs="rId5"/>
+          </a:graphicData>
+        </a:graphic>
+      </p:graphicFrame>
+    </p:spTree>
+    <p:extLst>
+      <p:ext uri="{BB962C8B-B14F-4D97-AF65-F5344CB8AC3E}">
+        <p14:creationId xmlns:p14="http://schemas.microsoft.com/office/powerpoint/2010/main" val="4056984109"/>
+      </p:ext>
+    </p:extLst>
+  </p:cSld>
+  <p:clrMapOvr>
+    <a:masterClrMapping/>
+  </p:clrMapOvr>
+</p:sld>
+</file>
+
+<file path=ppt/slides/slide3.xml><?xml version="1.0" encoding="utf-8"?>
+<p:sld xmlns:a="http://schemas.openxmlformats.org/drawingml/2006/main" xmlns:r="http://schemas.openxmlformats.org/officeDocument/2006/relationships" xmlns:p="http://schemas.openxmlformats.org/presentationml/2006/main">
+  <p:cSld>
+    <p:bg>
+      <p:bgPr>
+        <a:solidFill>
+          <a:schemeClr val="bg1"/>
+        </a:solidFill>
+        <a:effectLst/>
+      </p:bgPr>
+    </p:bg>
+    <p:spTree>
+      <p:nvGrpSpPr>
+        <p:cNvPr id="1" name=""/>
+        <p:cNvGrpSpPr/>
+        <p:nvPr/>
+      </p:nvGrpSpPr>
+      <p:grpSpPr>
+        <a:xfrm>
+          <a:off x="0" y="0"/>
+          <a:ext cx="0" cy="0"/>
+          <a:chOff x="0" y="0"/>
+          <a:chExt cx="0" cy="0"/>
+        </a:xfrm>
+      </p:grpSpPr>
+      <p:sp useBgFill="1">
+        <p:nvSpPr>
+          <p:cNvPr id="22" name="Rectangle 21">
+            <a:extLst>
+              <a:ext uri="{FF2B5EF4-FFF2-40B4-BE49-F238E27FC236}">
+                <a16:creationId xmlns:a16="http://schemas.microsoft.com/office/drawing/2014/main" id="{3BEA1A24-9CA1-4513-A409-3AD90DB091F2}"/>
+              </a:ext>
+              <a:ext uri="{C183D7F6-B498-43B3-948B-1728B52AA6E4}">
+                <adec:decorative xmlns:adec="http://schemas.microsoft.com/office/drawing/2017/decorative" val="1"/>
+              </a:ext>
+            </a:extLst>
+          </p:cNvPr>
+          <p:cNvSpPr>
+            <a:spLocks noGrp="1" noRot="1" noChangeAspect="1" noMove="1" noResize="1" noEditPoints="1" noAdjustHandles="1" noChangeArrowheads="1" noChangeShapeType="1" noTextEdit="1"/>
+          </p:cNvSpPr>
+          <p:nvPr>
+            <p:extLst>
+              <p:ext uri="{386F3935-93C4-4BCD-93E2-E3B085C9AB24}">
+                <p16:designElem xmlns:p16="http://schemas.microsoft.com/office/powerpoint/2015/main" val="1"/>
+              </p:ext>
+            </p:extLst>
+          </p:nvPr>
+        </p:nvSpPr>
+        <p:spPr>
+          <a:xfrm>
+            <a:off x="0" y="0"/>
+            <a:ext cx="12192000" cy="6858000"/>
+          </a:xfrm>
+          <a:prstGeom prst="rect">
+            <a:avLst/>
+          </a:prstGeom>
+          <a:ln w="12700" cap="flat" cmpd="sng" algn="ctr">
+            <a:noFill/>
+            <a:prstDash val="solid"/>
+            <a:miter lim="800000"/>
+          </a:ln>
+          <a:effectLst/>
+          <a:extLst>
+            <a:ext uri="{91240B29-F687-4F45-9708-019B960494DF}">
+              <a14:hiddenLine xmlns:a14="http://schemas.microsoft.com/office/drawing/2010/main" w="12700" cap="flat" cmpd="sng" algn="ctr">
+                <a:solidFill>
+                  <a:schemeClr val="accent1">
+                    <a:shade val="50000"/>
+                  </a:schemeClr>
+                </a:solidFill>
+                <a:prstDash val="solid"/>
+                <a:miter lim="800000"/>
+              </a14:hiddenLine>
+            </a:ext>
+          </a:extLst>
+        </p:spPr>
+        <p:style>
+          <a:lnRef idx="2">
+            <a:schemeClr val="accent1">
+              <a:shade val="50000"/>
+            </a:schemeClr>
+          </a:lnRef>
+          <a:fillRef idx="1">
+            <a:schemeClr val="accent1"/>
+          </a:fillRef>
+          <a:effectRef idx="0">
+            <a:schemeClr val="accent1"/>
+          </a:effectRef>
+          <a:fontRef idx="minor">
+            <a:schemeClr val="lt1"/>
+          </a:fontRef>
+        </p:style>
+        <p:txBody>
+          <a:bodyPr rtlCol="0" anchor="ctr"/>
+          <a:lstStyle/>
+          <a:p>
+            <a:pPr algn="ctr"/>
+            <a:endParaRPr lang="en-US"/>
+          </a:p>
+        </p:txBody>
+      </p:sp>
+      <p:sp>
+        <p:nvSpPr>
+          <p:cNvPr id="24" name="Freeform: Shape 20">
+            <a:extLst>
+              <a:ext uri="{FF2B5EF4-FFF2-40B4-BE49-F238E27FC236}">
+                <a16:creationId xmlns:a16="http://schemas.microsoft.com/office/drawing/2014/main" id="{D614C296-26CB-43B0-9404-D05FF687A65C}"/>
+              </a:ext>
+              <a:ext uri="{C183D7F6-B498-43B3-948B-1728B52AA6E4}">
+                <adec:decorative xmlns:adec="http://schemas.microsoft.com/office/drawing/2017/decorative" val="1"/>
+              </a:ext>
+            </a:extLst>
+          </p:cNvPr>
+          <p:cNvSpPr>
+            <a:spLocks noGrp="1" noRot="1" noChangeAspect="1" noMove="1" noResize="1" noEditPoints="1" noAdjustHandles="1" noChangeArrowheads="1" noChangeShapeType="1" noTextEdit="1"/>
+          </p:cNvSpPr>
+          <p:nvPr>
+            <p:extLst>
+              <p:ext uri="{386F3935-93C4-4BCD-93E2-E3B085C9AB24}">
+                <p16:designElem xmlns:p16="http://schemas.microsoft.com/office/powerpoint/2015/main" val="1"/>
+              </p:ext>
+            </p:extLst>
+          </p:nvPr>
+        </p:nvSpPr>
+        <p:spPr>
+          <a:xfrm rot="18677978">
+            <a:off x="-1328609" y="-131647"/>
+            <a:ext cx="3715688" cy="1836942"/>
+          </a:xfrm>
+          <a:custGeom>
+            <a:avLst/>
+            <a:gdLst>
+              <a:gd name="connsiteX0" fmla="*/ 0 w 5069810"/>
+              <a:gd name="connsiteY0" fmla="*/ 2506385 h 2506385"/>
+              <a:gd name="connsiteX1" fmla="*/ 2859749 w 5069810"/>
+              <a:gd name="connsiteY1" fmla="*/ 1 h 2506385"/>
+              <a:gd name="connsiteX2" fmla="*/ 2873126 w 5069810"/>
+              <a:gd name="connsiteY2" fmla="*/ 0 h 2506385"/>
+              <a:gd name="connsiteX3" fmla="*/ 5069810 w 5069810"/>
+              <a:gd name="connsiteY3" fmla="*/ 2506385 h 2506385"/>
+            </a:gdLst>
+            <a:ahLst/>
+            <a:cxnLst>
+              <a:cxn ang="0">
+                <a:pos x="connsiteX0" y="connsiteY0"/>
+              </a:cxn>
+              <a:cxn ang="0">
+                <a:pos x="connsiteX1" y="connsiteY1"/>
+              </a:cxn>
+              <a:cxn ang="0">
+                <a:pos x="connsiteX2" y="connsiteY2"/>
+              </a:cxn>
+              <a:cxn ang="0">
+                <a:pos x="connsiteX3" y="connsiteY3"/>
+              </a:cxn>
+            </a:cxnLst>
+            <a:rect l="l" t="t" r="r" b="b"/>
+            <a:pathLst>
+              <a:path w="5069810" h="2506385">
+                <a:moveTo>
+                  <a:pt x="0" y="2506385"/>
+                </a:moveTo>
+                <a:lnTo>
+                  <a:pt x="2859749" y="1"/>
+                </a:lnTo>
+                <a:lnTo>
+                  <a:pt x="2873126" y="0"/>
+                </a:lnTo>
+                <a:lnTo>
+                  <a:pt x="5069810" y="2506385"/>
+                </a:lnTo>
+                <a:close/>
+              </a:path>
+            </a:pathLst>
+          </a:custGeom>
+          <a:solidFill>
+            <a:schemeClr val="bg2"/>
+          </a:solidFill>
+          <a:ln>
+            <a:noFill/>
+          </a:ln>
+        </p:spPr>
+        <p:style>
+          <a:lnRef idx="2">
+            <a:schemeClr val="accent1">
+              <a:shade val="50000"/>
+            </a:schemeClr>
+          </a:lnRef>
+          <a:fillRef idx="1">
+            <a:schemeClr val="accent1"/>
+          </a:fillRef>
+          <a:effectRef idx="0">
+            <a:schemeClr val="accent1"/>
+          </a:effectRef>
+          <a:fontRef idx="minor">
+            <a:schemeClr val="lt1"/>
+          </a:fontRef>
+        </p:style>
+        <p:txBody>
+          <a:bodyPr wrap="square" rtlCol="0" anchor="ctr">
+            <a:noAutofit/>
+          </a:bodyPr>
+          <a:lstStyle/>
+          <a:p>
+            <a:pPr algn="ctr"/>
+            <a:endParaRPr lang="en-US"/>
+          </a:p>
+        </p:txBody>
+      </p:sp>
+      <p:sp>
+        <p:nvSpPr>
+          <p:cNvPr id="2" name="Title 1">
+            <a:extLst>
+              <a:ext uri="{FF2B5EF4-FFF2-40B4-BE49-F238E27FC236}">
+                <a16:creationId xmlns:a16="http://schemas.microsoft.com/office/drawing/2014/main" id="{FF967A24-C565-DBD9-E18A-012F0AB1F557}"/>
+              </a:ext>
+            </a:extLst>
+          </p:cNvPr>
+          <p:cNvSpPr>
+            <a:spLocks noGrp="1"/>
+          </p:cNvSpPr>
+          <p:nvPr>
+            <p:ph type="title"/>
+          </p:nvPr>
+        </p:nvSpPr>
+        <p:spPr>
+          <a:xfrm>
+            <a:off x="1756756" y="906189"/>
+            <a:ext cx="8689571" cy="1001886"/>
+          </a:xfrm>
+        </p:spPr>
+        <p:txBody>
+          <a:bodyPr anchor="b">
+            <a:normAutofit/>
+          </a:bodyPr>
+          <a:lstStyle/>
+          <a:p>
+            <a:pPr algn="ctr"/>
+            <a:r>
+              <a:rPr lang="en-US"/>
+              <a:t>What was Used?</a:t>
+            </a:r>
+          </a:p>
+        </p:txBody>
+      </p:sp>
+      <p:sp>
+        <p:nvSpPr>
+          <p:cNvPr id="23" name="Freeform: Shape 22">
+            <a:extLst>
+              <a:ext uri="{FF2B5EF4-FFF2-40B4-BE49-F238E27FC236}">
+                <a16:creationId xmlns:a16="http://schemas.microsoft.com/office/drawing/2014/main" id="{76F4C24C-DC25-49C1-9509-3F5694D0DA61}"/>
+              </a:ext>
+              <a:ext uri="{C183D7F6-B498-43B3-948B-1728B52AA6E4}">
+                <adec:decorative xmlns:adec="http://schemas.microsoft.com/office/drawing/2017/decorative" val="1"/>
+              </a:ext>
+            </a:extLst>
+          </p:cNvPr>
+          <p:cNvSpPr>
+            <a:spLocks noGrp="1" noRot="1" noChangeAspect="1" noMove="1" noResize="1" noEditPoints="1" noAdjustHandles="1" noChangeArrowheads="1" noChangeShapeType="1" noTextEdit="1"/>
+          </p:cNvSpPr>
+          <p:nvPr>
+            <p:extLst>
+              <p:ext uri="{386F3935-93C4-4BCD-93E2-E3B085C9AB24}">
+                <p16:designElem xmlns:p16="http://schemas.microsoft.com/office/powerpoint/2015/main" val="1"/>
+              </p:ext>
+            </p:extLst>
+          </p:nvPr>
+        </p:nvSpPr>
+        <p:spPr>
+          <a:xfrm rot="7873948">
+            <a:off x="9801250" y="5155580"/>
+            <a:ext cx="3715688" cy="1836942"/>
+          </a:xfrm>
+          <a:custGeom>
+            <a:avLst/>
+            <a:gdLst>
+              <a:gd name="connsiteX0" fmla="*/ 0 w 5069810"/>
+              <a:gd name="connsiteY0" fmla="*/ 2506385 h 2506385"/>
+              <a:gd name="connsiteX1" fmla="*/ 2859749 w 5069810"/>
+              <a:gd name="connsiteY1" fmla="*/ 1 h 2506385"/>
+              <a:gd name="connsiteX2" fmla="*/ 2873126 w 5069810"/>
+              <a:gd name="connsiteY2" fmla="*/ 0 h 2506385"/>
+              <a:gd name="connsiteX3" fmla="*/ 5069810 w 5069810"/>
+              <a:gd name="connsiteY3" fmla="*/ 2506385 h 2506385"/>
+            </a:gdLst>
+            <a:ahLst/>
+            <a:cxnLst>
+              <a:cxn ang="0">
+                <a:pos x="connsiteX0" y="connsiteY0"/>
+              </a:cxn>
+              <a:cxn ang="0">
+                <a:pos x="connsiteX1" y="connsiteY1"/>
+              </a:cxn>
+              <a:cxn ang="0">
+                <a:pos x="connsiteX2" y="connsiteY2"/>
+              </a:cxn>
+              <a:cxn ang="0">
+                <a:pos x="connsiteX3" y="connsiteY3"/>
+              </a:cxn>
+            </a:cxnLst>
+            <a:rect l="l" t="t" r="r" b="b"/>
+            <a:pathLst>
+              <a:path w="5069810" h="2506385">
+                <a:moveTo>
+                  <a:pt x="0" y="2506385"/>
+                </a:moveTo>
+                <a:lnTo>
+                  <a:pt x="2859749" y="1"/>
+                </a:lnTo>
+                <a:lnTo>
+                  <a:pt x="2873126" y="0"/>
+                </a:lnTo>
+                <a:lnTo>
+                  <a:pt x="5069810" y="2506385"/>
+                </a:lnTo>
+                <a:close/>
+              </a:path>
+            </a:pathLst>
+          </a:custGeom>
+          <a:solidFill>
+            <a:schemeClr val="bg2"/>
+          </a:solidFill>
+          <a:ln>
+            <a:noFill/>
+          </a:ln>
+        </p:spPr>
+        <p:style>
+          <a:lnRef idx="2">
+            <a:schemeClr val="accent1">
+              <a:shade val="50000"/>
+            </a:schemeClr>
+          </a:lnRef>
+          <a:fillRef idx="1">
+            <a:schemeClr val="accent1"/>
+          </a:fillRef>
+          <a:effectRef idx="0">
+            <a:schemeClr val="accent1"/>
+          </a:effectRef>
+          <a:fontRef idx="minor">
+            <a:schemeClr val="lt1"/>
+          </a:fontRef>
+        </p:style>
+        <p:txBody>
+          <a:bodyPr wrap="square" rtlCol="0" anchor="ctr">
+            <a:noAutofit/>
+          </a:bodyPr>
+          <a:lstStyle/>
+          <a:p>
+            <a:pPr algn="ctr"/>
+            <a:endParaRPr lang="en-US"/>
+          </a:p>
+        </p:txBody>
+      </p:sp>
+      <p:sp>
+        <p:nvSpPr>
+          <p:cNvPr id="26" name="Content Placeholder 2">
+            <a:extLst>
+              <a:ext uri="{FF2B5EF4-FFF2-40B4-BE49-F238E27FC236}">
+                <a16:creationId xmlns:a16="http://schemas.microsoft.com/office/drawing/2014/main" id="{2C530948-07CB-D9EB-62AC-92794C602151}"/>
+              </a:ext>
+            </a:extLst>
+          </p:cNvPr>
+          <p:cNvSpPr>
+            <a:spLocks noGrp="1"/>
+          </p:cNvSpPr>
+          <p:nvPr>
+            <p:ph idx="1"/>
+          </p:nvPr>
+        </p:nvSpPr>
+        <p:spPr>
+          <a:xfrm>
+            <a:off x="1233837" y="2177940"/>
+            <a:ext cx="9760638" cy="3662246"/>
+          </a:xfrm>
+        </p:spPr>
+        <p:txBody>
+          <a:bodyPr anchor="ctr">
+            <a:normAutofit/>
+          </a:bodyPr>
+          <a:lstStyle/>
+          <a:p>
+            <a:pPr algn="ctr"/>
+            <a:r>
+              <a:rPr lang="en-US" dirty="0"/>
+              <a:t>The link below is a beginner friendly Python tutorial I used to help with </a:t>
+            </a:r>
+            <a:r>
+              <a:rPr lang="en-US" dirty="0" err="1"/>
+              <a:t>SmartChoice</a:t>
+            </a:r>
+            <a:r>
+              <a:rPr lang="en-US" dirty="0"/>
+              <a:t> Recipes generator using </a:t>
+            </a:r>
+            <a:r>
+              <a:rPr lang="en-US" dirty="0" err="1"/>
+              <a:t>Tkinter</a:t>
+            </a:r>
+            <a:r>
+              <a:rPr lang="en-US" dirty="0"/>
+              <a:t> and </a:t>
+            </a:r>
+            <a:r>
+              <a:rPr lang="en-US" dirty="0" err="1"/>
+              <a:t>Edamam</a:t>
+            </a:r>
+            <a:r>
+              <a:rPr lang="en-US" dirty="0"/>
+              <a:t> API </a:t>
+            </a:r>
+          </a:p>
+          <a:p>
+            <a:pPr marL="0" indent="0" algn="ctr">
+              <a:buNone/>
+            </a:pPr>
+            <a:r>
+              <a:rPr lang="en-US" dirty="0">
+                <a:solidFill>
+                  <a:srgbClr val="00B050"/>
+                </a:solidFill>
+              </a:rPr>
+              <a:t>https://</a:t>
+            </a:r>
+            <a:r>
+              <a:rPr lang="en-US" dirty="0" err="1">
+                <a:solidFill>
+                  <a:srgbClr val="00B050"/>
+                </a:solidFill>
+              </a:rPr>
+              <a:t>www.youtube.com</a:t>
+            </a:r>
+            <a:r>
+              <a:rPr lang="en-US" dirty="0">
+                <a:solidFill>
+                  <a:srgbClr val="00B050"/>
+                </a:solidFill>
+              </a:rPr>
+              <a:t>/</a:t>
+            </a:r>
+            <a:r>
+              <a:rPr lang="en-US" dirty="0" err="1">
+                <a:solidFill>
+                  <a:srgbClr val="00B050"/>
+                </a:solidFill>
+              </a:rPr>
+              <a:t>watch?v</a:t>
+            </a:r>
+            <a:r>
+              <a:rPr lang="en-US" dirty="0">
+                <a:solidFill>
+                  <a:srgbClr val="00B050"/>
+                </a:solidFill>
+              </a:rPr>
+              <a:t>=bmt1x_Mjg-s</a:t>
+            </a:r>
+          </a:p>
+          <a:p>
+            <a:pPr algn="ctr"/>
+            <a:r>
+              <a:rPr lang="en-US" dirty="0"/>
+              <a:t>A source/code is below that helped guide me through this project </a:t>
+            </a:r>
+            <a:r>
+              <a:rPr lang="en-US" dirty="0">
+                <a:solidFill>
+                  <a:srgbClr val="00B050"/>
+                </a:solidFill>
+              </a:rPr>
+              <a:t>https://</a:t>
+            </a:r>
+            <a:r>
+              <a:rPr lang="en-US" dirty="0" err="1">
+                <a:solidFill>
+                  <a:srgbClr val="00B050"/>
+                </a:solidFill>
+              </a:rPr>
+              <a:t>github.com</a:t>
+            </a:r>
+            <a:r>
+              <a:rPr lang="en-US" dirty="0">
+                <a:solidFill>
+                  <a:srgbClr val="00B050"/>
+                </a:solidFill>
+              </a:rPr>
+              <a:t>/</a:t>
+            </a:r>
+            <a:r>
+              <a:rPr lang="en-US" dirty="0" err="1">
+                <a:solidFill>
+                  <a:srgbClr val="00B050"/>
+                </a:solidFill>
+              </a:rPr>
+              <a:t>itohan-uk</a:t>
+            </a:r>
+            <a:r>
+              <a:rPr lang="en-US" dirty="0">
+                <a:solidFill>
+                  <a:srgbClr val="00B050"/>
+                </a:solidFill>
+              </a:rPr>
+              <a:t>/</a:t>
+            </a:r>
+            <a:r>
+              <a:rPr lang="en-US" dirty="0" err="1">
+                <a:solidFill>
+                  <a:srgbClr val="00B050"/>
+                </a:solidFill>
+              </a:rPr>
+              <a:t>MySWEspace</a:t>
+            </a:r>
+            <a:r>
+              <a:rPr lang="en-US" dirty="0">
+                <a:solidFill>
+                  <a:srgbClr val="00B050"/>
+                </a:solidFill>
+              </a:rPr>
+              <a:t>/blob/master/</a:t>
+            </a:r>
+            <a:r>
+              <a:rPr lang="en-US" dirty="0" err="1">
+                <a:solidFill>
+                  <a:srgbClr val="00B050"/>
+                </a:solidFill>
+              </a:rPr>
+              <a:t>recipeApp</a:t>
+            </a:r>
+            <a:r>
+              <a:rPr lang="en-US" dirty="0">
+                <a:solidFill>
+                  <a:srgbClr val="00B050"/>
+                </a:solidFill>
+              </a:rPr>
+              <a:t>/</a:t>
+            </a:r>
+            <a:r>
+              <a:rPr lang="en-US" dirty="0" err="1">
+                <a:solidFill>
+                  <a:srgbClr val="00B050"/>
+                </a:solidFill>
+              </a:rPr>
+              <a:t>recipeApp.py</a:t>
+            </a:r>
+            <a:endParaRPr lang="en-US" dirty="0">
+              <a:solidFill>
+                <a:srgbClr val="00B050"/>
+              </a:solidFill>
+            </a:endParaRPr>
+          </a:p>
+        </p:txBody>
+      </p:sp>
+      <p:cxnSp>
+        <p:nvCxnSpPr>
+          <p:cNvPr id="25" name="Straight Connector 24">
+            <a:extLst>
+              <a:ext uri="{FF2B5EF4-FFF2-40B4-BE49-F238E27FC236}">
+                <a16:creationId xmlns:a16="http://schemas.microsoft.com/office/drawing/2014/main" id="{3C0930BD-361E-4C4D-8B08-ED210DFA2D0A}"/>
+              </a:ext>
+              <a:ext uri="{C183D7F6-B498-43B3-948B-1728B52AA6E4}">
+                <adec:decorative xmlns:adec="http://schemas.microsoft.com/office/drawing/2017/decorative" val="1"/>
+              </a:ext>
+            </a:extLst>
+          </p:cNvPr>
+          <p:cNvCxnSpPr>
+            <a:cxnSpLocks noGrp="1" noRot="1" noChangeAspect="1" noMove="1" noResize="1" noEditPoints="1" noAdjustHandles="1" noChangeArrowheads="1" noChangeShapeType="1"/>
+          </p:cNvCxnSpPr>
+          <p:nvPr>
+            <p:extLst>
+              <p:ext uri="{386F3935-93C4-4BCD-93E2-E3B085C9AB24}">
+                <p16:designElem xmlns:p16="http://schemas.microsoft.com/office/powerpoint/2015/main" val="1"/>
+              </p:ext>
+            </p:extLst>
+          </p:nvPr>
+        </p:nvCxnSpPr>
+        <p:spPr>
+          <a:xfrm>
+            <a:off x="1233837" y="6172200"/>
+            <a:ext cx="9760638" cy="0"/>
+          </a:xfrm>
+          <a:prstGeom prst="line">
+            <a:avLst/>
+          </a:prstGeom>
+          <a:ln w="12700">
+            <a:solidFill>
+              <a:schemeClr val="tx1"/>
+            </a:solidFill>
+          </a:ln>
+        </p:spPr>
+        <p:style>
+          <a:lnRef idx="1">
+            <a:schemeClr val="accent1"/>
+          </a:lnRef>
+          <a:fillRef idx="0">
+            <a:schemeClr val="accent1"/>
+          </a:fillRef>
+          <a:effectRef idx="0">
+            <a:schemeClr val="accent1"/>
+          </a:effectRef>
+          <a:fontRef idx="minor">
+            <a:schemeClr val="tx1"/>
+          </a:fontRef>
+        </p:style>
+      </p:cxnSp>
+    </p:spTree>
+    <p:extLst>
+      <p:ext uri="{BB962C8B-B14F-4D97-AF65-F5344CB8AC3E}">
+        <p14:creationId xmlns:p14="http://schemas.microsoft.com/office/powerpoint/2010/main" val="1572046546"/>
+      </p:ext>
+    </p:extLst>
+  </p:cSld>
+  <p:clrMapOvr>
+    <a:masterClrMapping/>
+  </p:clrMapOvr>
+</p:sld>
+</file>
+
+<file path=ppt/slides/slide4.xml><?xml version="1.0" encoding="utf-8"?>
+<p:sld xmlns:a="http://schemas.openxmlformats.org/drawingml/2006/main" xmlns:r="http://schemas.openxmlformats.org/officeDocument/2006/relationships" xmlns:p="http://schemas.openxmlformats.org/presentationml/2006/main">
+  <p:cSld>
+    <p:spTree>
+      <p:nvGrpSpPr>
+        <p:cNvPr id="1" name=""/>
+        <p:cNvGrpSpPr/>
+        <p:nvPr/>
+      </p:nvGrpSpPr>
+      <p:grpSpPr>
+        <a:xfrm>
+          <a:off x="0" y="0"/>
+          <a:ext cx="0" cy="0"/>
+          <a:chOff x="0" y="0"/>
+          <a:chExt cx="0" cy="0"/>
+        </a:xfrm>
+      </p:grpSpPr>
+      <p:sp>
+        <p:nvSpPr>
+          <p:cNvPr id="2" name="Title 1">
+            <a:extLst>
+              <a:ext uri="{FF2B5EF4-FFF2-40B4-BE49-F238E27FC236}">
+                <a16:creationId xmlns:a16="http://schemas.microsoft.com/office/drawing/2014/main" id="{4465B62A-D435-9EB5-35B0-7D9D186F9089}"/>
+              </a:ext>
+            </a:extLst>
+          </p:cNvPr>
+          <p:cNvSpPr>
+            <a:spLocks noGrp="1"/>
+          </p:cNvSpPr>
+          <p:nvPr>
+            <p:ph type="title"/>
+          </p:nvPr>
+        </p:nvSpPr>
+        <p:spPr/>
+        <p:txBody>
+          <a:bodyPr/>
+          <a:lstStyle/>
+          <a:p>
+            <a:r>
+              <a:rPr lang="en-US" dirty="0"/>
+              <a:t>Project Development</a:t>
+            </a:r>
+          </a:p>
+        </p:txBody>
+      </p:sp>
+      <p:sp>
+        <p:nvSpPr>
+          <p:cNvPr id="3" name="Content Placeholder 2">
+            <a:extLst>
+              <a:ext uri="{FF2B5EF4-FFF2-40B4-BE49-F238E27FC236}">
+                <a16:creationId xmlns:a16="http://schemas.microsoft.com/office/drawing/2014/main" id="{51A6BD0A-CAF8-C487-E67E-20EAFEBA6655}"/>
+              </a:ext>
+            </a:extLst>
+          </p:cNvPr>
+          <p:cNvSpPr>
+            <a:spLocks noGrp="1"/>
+          </p:cNvSpPr>
+          <p:nvPr>
+            <p:ph idx="1"/>
+          </p:nvPr>
+        </p:nvSpPr>
+        <p:spPr/>
+        <p:txBody>
+          <a:bodyPr/>
+          <a:lstStyle/>
+          <a:p>
+            <a:pPr marL="0" indent="0">
+              <a:buNone/>
+            </a:pPr>
+            <a:r>
+              <a:rPr lang="en-US" dirty="0">
+                <a:solidFill>
+                  <a:srgbClr val="00B050"/>
+                </a:solidFill>
+              </a:rPr>
+              <a:t>Roadblocks:</a:t>
+            </a:r>
+          </a:p>
+          <a:p>
+            <a:r>
+              <a:rPr lang="en-US" dirty="0"/>
+              <a:t>Difficult to find sources/codes that aligned with my project idea</a:t>
+            </a:r>
+          </a:p>
+          <a:p>
+            <a:r>
+              <a:rPr lang="en-US" dirty="0"/>
+              <a:t>Installing packages (pillow, </a:t>
+            </a:r>
+            <a:r>
+              <a:rPr lang="en-US" dirty="0" err="1"/>
+              <a:t>py-edamam</a:t>
+            </a:r>
+            <a:r>
+              <a:rPr lang="en-US" dirty="0"/>
+              <a:t>, requests)</a:t>
+            </a:r>
+          </a:p>
+          <a:p>
+            <a:r>
+              <a:rPr lang="en-US" dirty="0">
+                <a:solidFill>
+                  <a:srgbClr val="00B050"/>
+                </a:solidFill>
+              </a:rPr>
+              <a:t>Changes Made:</a:t>
+            </a:r>
+            <a:endParaRPr lang="en-US" dirty="0"/>
+          </a:p>
+          <a:p>
+            <a:r>
+              <a:rPr lang="en-US" dirty="0"/>
+              <a:t>Removed </a:t>
+            </a:r>
+            <a:r>
+              <a:rPr lang="en-US" dirty="0" err="1"/>
+              <a:t>playsound</a:t>
+            </a:r>
+            <a:r>
+              <a:rPr lang="en-US" dirty="0"/>
+              <a:t> from original code source</a:t>
+            </a:r>
+          </a:p>
+          <a:p>
+            <a:r>
+              <a:rPr lang="en-US" dirty="0"/>
+              <a:t>Additional search options for dietary restrictions</a:t>
+            </a:r>
+          </a:p>
+        </p:txBody>
+      </p:sp>
+    </p:spTree>
+    <p:extLst>
+      <p:ext uri="{BB962C8B-B14F-4D97-AF65-F5344CB8AC3E}">
+        <p14:creationId xmlns:p14="http://schemas.microsoft.com/office/powerpoint/2010/main" val="4051097228"/>
+      </p:ext>
+    </p:extLst>
+  </p:cSld>
+  <p:clrMapOvr>
+    <a:masterClrMapping/>
+  </p:clrMapOvr>
+</p:sld>
+</file>
+
+<file path=ppt/slides/slide5.xml><?xml version="1.0" encoding="utf-8"?>
+<p:sld xmlns:a="http://schemas.openxmlformats.org/drawingml/2006/main" xmlns:r="http://schemas.openxmlformats.org/officeDocument/2006/relationships" xmlns:p="http://schemas.openxmlformats.org/presentationml/2006/main">
+  <p:cSld>
+    <p:bg>
+      <p:bgPr>
+        <a:solidFill>
+          <a:schemeClr val="bg1"/>
+        </a:solidFill>
+        <a:effectLst/>
+      </p:bgPr>
+    </p:bg>
+    <p:spTree>
+      <p:nvGrpSpPr>
+        <p:cNvPr id="1" name=""/>
+        <p:cNvGrpSpPr/>
+        <p:nvPr/>
+      </p:nvGrpSpPr>
+      <p:grpSpPr>
+        <a:xfrm>
+          <a:off x="0" y="0"/>
+          <a:ext cx="0" cy="0"/>
+          <a:chOff x="0" y="0"/>
+          <a:chExt cx="0" cy="0"/>
+        </a:xfrm>
+      </p:grpSpPr>
+      <p:sp useBgFill="1">
+        <p:nvSpPr>
+          <p:cNvPr id="14" name="Rectangle 13">
+            <a:extLst>
+              <a:ext uri="{FF2B5EF4-FFF2-40B4-BE49-F238E27FC236}">
+                <a16:creationId xmlns:a16="http://schemas.microsoft.com/office/drawing/2014/main" id="{FD57F13B-6973-4CE9-92F3-5EC476ED97B5}"/>
+              </a:ext>
+              <a:ext uri="{C183D7F6-B498-43B3-948B-1728B52AA6E4}">
+                <adec:decorative xmlns:adec="http://schemas.microsoft.com/office/drawing/2017/decorative" val="1"/>
+              </a:ext>
+            </a:extLst>
+          </p:cNvPr>
+          <p:cNvSpPr>
+            <a:spLocks noGrp="1" noRot="1" noChangeAspect="1" noMove="1" noResize="1" noEditPoints="1" noAdjustHandles="1" noChangeArrowheads="1" noChangeShapeType="1" noTextEdit="1"/>
+          </p:cNvSpPr>
+          <p:nvPr>
+            <p:extLst>
+              <p:ext uri="{386F3935-93C4-4BCD-93E2-E3B085C9AB24}">
+                <p16:designElem xmlns:p16="http://schemas.microsoft.com/office/powerpoint/2015/main" val="1"/>
+              </p:ext>
+            </p:extLst>
+          </p:nvPr>
+        </p:nvSpPr>
+        <p:spPr>
+          <a:xfrm>
+            <a:off x="0" y="0"/>
+            <a:ext cx="12192000" cy="6858000"/>
+          </a:xfrm>
+          <a:prstGeom prst="rect">
+            <a:avLst/>
+          </a:prstGeom>
+          <a:ln w="12700" cap="flat" cmpd="sng" algn="ctr">
+            <a:noFill/>
+            <a:prstDash val="solid"/>
+            <a:miter lim="800000"/>
+          </a:ln>
+          <a:effectLst/>
+          <a:extLst>
+            <a:ext uri="{91240B29-F687-4F45-9708-019B960494DF}">
+              <a14:hiddenLine xmlns:a14="http://schemas.microsoft.com/office/drawing/2010/main" w="12700" cap="flat" cmpd="sng" algn="ctr">
+                <a:solidFill>
+                  <a:schemeClr val="accent1">
+                    <a:shade val="50000"/>
+                  </a:schemeClr>
+                </a:solidFill>
+                <a:prstDash val="solid"/>
+                <a:miter lim="800000"/>
+              </a14:hiddenLine>
+            </a:ext>
+          </a:extLst>
+        </p:spPr>
+        <p:style>
+          <a:lnRef idx="2">
+            <a:schemeClr val="accent1">
+              <a:shade val="50000"/>
+            </a:schemeClr>
+          </a:lnRef>
+          <a:fillRef idx="1">
+            <a:schemeClr val="accent1"/>
+          </a:fillRef>
+          <a:effectRef idx="0">
+            <a:schemeClr val="accent1"/>
+          </a:effectRef>
+          <a:fontRef idx="minor">
+            <a:schemeClr val="lt1"/>
+          </a:fontRef>
+        </p:style>
+        <p:txBody>
+          <a:bodyPr rtlCol="0" anchor="ctr"/>
+          <a:lstStyle/>
+          <a:p>
+            <a:pPr algn="ctr"/>
+            <a:endParaRPr lang="en-US"/>
+          </a:p>
+        </p:txBody>
+      </p:sp>
+      <p:pic>
+        <p:nvPicPr>
+          <p:cNvPr id="5" name="Content Placeholder 4" descr="A screenshot of a computer&#10;&#10;Description automatically generated">
+            <a:extLst>
+              <a:ext uri="{FF2B5EF4-FFF2-40B4-BE49-F238E27FC236}">
+                <a16:creationId xmlns:a16="http://schemas.microsoft.com/office/drawing/2014/main" id="{52507FF4-5CFE-21FD-E34F-DFE028950650}"/>
+              </a:ext>
+            </a:extLst>
+          </p:cNvPr>
+          <p:cNvPicPr>
+            <a:picLocks noGrp="1" noChangeAspect="1"/>
+          </p:cNvPicPr>
+          <p:nvPr>
+            <p:ph idx="1"/>
+          </p:nvPr>
+        </p:nvPicPr>
+        <p:blipFill rotWithShape="1">
+          <a:blip r:embed="rId2"/>
+          <a:srcRect b="10000"/>
+          <a:stretch/>
+        </p:blipFill>
+        <p:spPr>
+          <a:xfrm>
+            <a:off x="-322353" y="-383073"/>
+            <a:ext cx="12873018" cy="7241073"/>
+          </a:xfrm>
+          <a:prstGeom prst="rect">
+            <a:avLst/>
+          </a:prstGeom>
+        </p:spPr>
+      </p:pic>
+      <p:cxnSp>
+        <p:nvCxnSpPr>
+          <p:cNvPr id="15" name="Straight Connector 14">
+            <a:extLst>
+              <a:ext uri="{FF2B5EF4-FFF2-40B4-BE49-F238E27FC236}">
+                <a16:creationId xmlns:a16="http://schemas.microsoft.com/office/drawing/2014/main" id="{8EBABBB3-9834-451A-9C3E-59630549FC79}"/>
+              </a:ext>
+              <a:ext uri="{C183D7F6-B498-43B3-948B-1728B52AA6E4}">
+                <adec:decorative xmlns:adec="http://schemas.microsoft.com/office/drawing/2017/decorative" val="1"/>
+              </a:ext>
+            </a:extLst>
+          </p:cNvPr>
+          <p:cNvCxnSpPr>
+            <a:cxnSpLocks noGrp="1" noRot="1" noChangeAspect="1" noMove="1" noResize="1" noEditPoints="1" noAdjustHandles="1" noChangeArrowheads="1" noChangeShapeType="1"/>
+          </p:cNvCxnSpPr>
+          <p:nvPr>
+            <p:extLst>
+              <p:ext uri="{386F3935-93C4-4BCD-93E2-E3B085C9AB24}">
+                <p16:designElem xmlns:p16="http://schemas.microsoft.com/office/powerpoint/2015/main" val="1"/>
+              </p:ext>
+            </p:extLst>
+          </p:nvPr>
+        </p:nvCxnSpPr>
+        <p:spPr>
+          <a:xfrm>
+            <a:off x="1233837" y="6172200"/>
+            <a:ext cx="9760638" cy="0"/>
+          </a:xfrm>
+          <a:prstGeom prst="line">
+            <a:avLst/>
+          </a:prstGeom>
+          <a:ln w="12700">
+            <a:solidFill>
+              <a:srgbClr val="FFFFFF"/>
+            </a:solidFill>
+          </a:ln>
+        </p:spPr>
+        <p:style>
+          <a:lnRef idx="1">
+            <a:schemeClr val="accent1"/>
+          </a:lnRef>
+          <a:fillRef idx="0">
+            <a:schemeClr val="accent1"/>
+          </a:fillRef>
+          <a:effectRef idx="0">
+            <a:schemeClr val="accent1"/>
+          </a:effectRef>
+          <a:fontRef idx="minor">
+            <a:schemeClr val="tx1"/>
+          </a:fontRef>
+        </p:style>
+      </p:cxnSp>
+    </p:spTree>
+    <p:extLst>
+      <p:ext uri="{BB962C8B-B14F-4D97-AF65-F5344CB8AC3E}">
+        <p14:creationId xmlns:p14="http://schemas.microsoft.com/office/powerpoint/2010/main" val="2330207819"/>
+      </p:ext>
+    </p:extLst>
+  </p:cSld>
+  <p:clrMapOvr>
+    <a:masterClrMapping/>
+  </p:clrMapOvr>
+</p:sld>
+</file>
+
+<file path=ppt/slides/slide6.xml><?xml version="1.0" encoding="utf-8"?>
+<p:sld xmlns:a="http://schemas.openxmlformats.org/drawingml/2006/main" xmlns:r="http://schemas.openxmlformats.org/officeDocument/2006/relationships" xmlns:p="http://schemas.openxmlformats.org/presentationml/2006/main">
+  <p:cSld>
+    <p:bg>
+      <p:bgPr>
+        <a:solidFill>
+          <a:schemeClr val="bg1"/>
+        </a:solidFill>
+        <a:effectLst/>
+      </p:bgPr>
+    </p:bg>
+    <p:spTree>
+      <p:nvGrpSpPr>
+        <p:cNvPr id="1" name=""/>
+        <p:cNvGrpSpPr/>
+        <p:nvPr/>
+      </p:nvGrpSpPr>
+      <p:grpSpPr>
+        <a:xfrm>
+          <a:off x="0" y="0"/>
+          <a:ext cx="0" cy="0"/>
+          <a:chOff x="0" y="0"/>
+          <a:chExt cx="0" cy="0"/>
+        </a:xfrm>
+      </p:grpSpPr>
+      <p:sp useBgFill="1">
+        <p:nvSpPr>
+          <p:cNvPr id="8" name="Rectangle 7">
+            <a:extLst>
+              <a:ext uri="{FF2B5EF4-FFF2-40B4-BE49-F238E27FC236}">
+                <a16:creationId xmlns:a16="http://schemas.microsoft.com/office/drawing/2014/main" id="{54F20867-41B0-484D-9DA7-0FC742D31A4D}"/>
+              </a:ext>
+              <a:ext uri="{C183D7F6-B498-43B3-948B-1728B52AA6E4}">
+                <adec:decorative xmlns:adec="http://schemas.microsoft.com/office/drawing/2017/decorative" val="1"/>
+              </a:ext>
+            </a:extLst>
+          </p:cNvPr>
+          <p:cNvSpPr>
+            <a:spLocks noGrp="1" noRot="1" noChangeAspect="1" noMove="1" noResize="1" noEditPoints="1" noAdjustHandles="1" noChangeArrowheads="1" noChangeShapeType="1" noTextEdit="1"/>
+          </p:cNvSpPr>
+          <p:nvPr>
+            <p:extLst>
+              <p:ext uri="{386F3935-93C4-4BCD-93E2-E3B085C9AB24}">
+                <p16:designElem xmlns:p16="http://schemas.microsoft.com/office/powerpoint/2015/main" val="1"/>
+              </p:ext>
+            </p:extLst>
+          </p:nvPr>
+        </p:nvSpPr>
+        <p:spPr>
+          <a:xfrm>
+            <a:off x="0" y="0"/>
+            <a:ext cx="12192000" cy="6858000"/>
+          </a:xfrm>
+          <a:prstGeom prst="rect">
+            <a:avLst/>
+          </a:prstGeom>
+          <a:ln w="12700" cap="flat" cmpd="sng" algn="ctr">
+            <a:noFill/>
+            <a:prstDash val="solid"/>
+            <a:miter lim="800000"/>
+          </a:ln>
+          <a:effectLst/>
+          <a:extLst>
+            <a:ext uri="{91240B29-F687-4F45-9708-019B960494DF}">
+              <a14:hiddenLine xmlns:a14="http://schemas.microsoft.com/office/drawing/2010/main" w="12700" cap="flat" cmpd="sng" algn="ctr">
+                <a:solidFill>
+                  <a:schemeClr val="accent1">
+                    <a:shade val="50000"/>
+                  </a:schemeClr>
+                </a:solidFill>
+                <a:prstDash val="solid"/>
+                <a:miter lim="800000"/>
+              </a14:hiddenLine>
+            </a:ext>
+          </a:extLst>
+        </p:spPr>
+        <p:style>
+          <a:lnRef idx="2">
+            <a:schemeClr val="accent1">
+              <a:shade val="50000"/>
+            </a:schemeClr>
+          </a:lnRef>
+          <a:fillRef idx="1">
+            <a:schemeClr val="accent1"/>
+          </a:fillRef>
+          <a:effectRef idx="0">
+            <a:schemeClr val="accent1"/>
+          </a:effectRef>
+          <a:fontRef idx="minor">
+            <a:schemeClr val="lt1"/>
+          </a:fontRef>
+        </p:style>
+        <p:txBody>
+          <a:bodyPr rtlCol="0" anchor="ctr"/>
+          <a:lstStyle/>
+          <a:p>
+            <a:pPr algn="ctr"/>
+            <a:endParaRPr lang="en-US"/>
+          </a:p>
+        </p:txBody>
+      </p:sp>
+      <p:sp>
+        <p:nvSpPr>
+          <p:cNvPr id="10" name="Freeform: Shape 9">
+            <a:extLst>
+              <a:ext uri="{FF2B5EF4-FFF2-40B4-BE49-F238E27FC236}">
+                <a16:creationId xmlns:a16="http://schemas.microsoft.com/office/drawing/2014/main" id="{E37FD100-AD6C-4FB9-B662-CC1C2F00060C}"/>
+              </a:ext>
+              <a:ext uri="{C183D7F6-B498-43B3-948B-1728B52AA6E4}">
+                <adec:decorative xmlns:adec="http://schemas.microsoft.com/office/drawing/2017/decorative" val="1"/>
+              </a:ext>
+            </a:extLst>
+          </p:cNvPr>
+          <p:cNvSpPr>
+            <a:spLocks noGrp="1" noRot="1" noChangeAspect="1" noMove="1" noResize="1" noEditPoints="1" noAdjustHandles="1" noChangeArrowheads="1" noChangeShapeType="1" noTextEdit="1"/>
+          </p:cNvSpPr>
+          <p:nvPr>
+            <p:extLst>
+              <p:ext uri="{386F3935-93C4-4BCD-93E2-E3B085C9AB24}">
+                <p16:designElem xmlns:p16="http://schemas.microsoft.com/office/powerpoint/2015/main" val="1"/>
+              </p:ext>
+            </p:extLst>
+          </p:nvPr>
+        </p:nvSpPr>
+        <p:spPr>
+          <a:xfrm>
+            <a:off x="7516497" y="1526602"/>
+            <a:ext cx="4667254" cy="5330310"/>
+          </a:xfrm>
+          <a:custGeom>
+            <a:avLst/>
+            <a:gdLst>
+              <a:gd name="connsiteX0" fmla="*/ 4667254 w 4667254"/>
+              <a:gd name="connsiteY0" fmla="*/ 0 h 5325271"/>
+              <a:gd name="connsiteX1" fmla="*/ 4667254 w 4667254"/>
+              <a:gd name="connsiteY1" fmla="*/ 2543639 h 5325271"/>
+              <a:gd name="connsiteX2" fmla="*/ 2229334 w 4667254"/>
+              <a:gd name="connsiteY2" fmla="*/ 5325271 h 5325271"/>
+              <a:gd name="connsiteX3" fmla="*/ 0 w 4667254"/>
+              <a:gd name="connsiteY3" fmla="*/ 5325271 h 5325271"/>
+            </a:gdLst>
+            <a:ahLst/>
+            <a:cxnLst>
+              <a:cxn ang="0">
+                <a:pos x="connsiteX0" y="connsiteY0"/>
+              </a:cxn>
+              <a:cxn ang="0">
+                <a:pos x="connsiteX1" y="connsiteY1"/>
+              </a:cxn>
+              <a:cxn ang="0">
+                <a:pos x="connsiteX2" y="connsiteY2"/>
+              </a:cxn>
+              <a:cxn ang="0">
+                <a:pos x="connsiteX3" y="connsiteY3"/>
+              </a:cxn>
+            </a:cxnLst>
+            <a:rect l="l" t="t" r="r" b="b"/>
+            <a:pathLst>
+              <a:path w="4667254" h="5325271">
+                <a:moveTo>
+                  <a:pt x="4667254" y="0"/>
+                </a:moveTo>
+                <a:lnTo>
+                  <a:pt x="4667254" y="2543639"/>
+                </a:lnTo>
+                <a:lnTo>
+                  <a:pt x="2229334" y="5325271"/>
+                </a:lnTo>
+                <a:lnTo>
+                  <a:pt x="0" y="5325271"/>
+                </a:lnTo>
+                <a:close/>
+              </a:path>
+            </a:pathLst>
+          </a:custGeom>
+          <a:solidFill>
+            <a:schemeClr val="bg2"/>
+          </a:solidFill>
+          <a:ln w="12700" cap="flat" cmpd="sng" algn="ctr">
+            <a:noFill/>
+            <a:prstDash val="solid"/>
+            <a:miter lim="800000"/>
+          </a:ln>
+          <a:effectLst/>
+        </p:spPr>
+        <p:style>
+          <a:lnRef idx="2">
+            <a:schemeClr val="accent1">
+              <a:shade val="50000"/>
+            </a:schemeClr>
+          </a:lnRef>
+          <a:fillRef idx="1">
+            <a:schemeClr val="accent1"/>
+          </a:fillRef>
+          <a:effectRef idx="0">
+            <a:schemeClr val="accent1"/>
+          </a:effectRef>
+          <a:fontRef idx="minor">
+            <a:schemeClr val="lt1"/>
+          </a:fontRef>
+        </p:style>
+        <p:txBody>
+          <a:bodyPr rtlCol="0" anchor="ctr"/>
+          <a:lstStyle/>
+          <a:p>
+            <a:pPr algn="ctr"/>
+            <a:endParaRPr lang="en-US"/>
+          </a:p>
+        </p:txBody>
+      </p:sp>
+      <p:sp>
+        <p:nvSpPr>
+          <p:cNvPr id="2" name="Title 1">
+            <a:extLst>
+              <a:ext uri="{FF2B5EF4-FFF2-40B4-BE49-F238E27FC236}">
+                <a16:creationId xmlns:a16="http://schemas.microsoft.com/office/drawing/2014/main" id="{46C4D6D9-A22C-97B8-262E-21AA285AC67D}"/>
+              </a:ext>
+            </a:extLst>
+          </p:cNvPr>
+          <p:cNvSpPr>
+            <a:spLocks noGrp="1"/>
+          </p:cNvSpPr>
+          <p:nvPr>
+            <p:ph type="title"/>
+          </p:nvPr>
+        </p:nvSpPr>
+        <p:spPr>
+          <a:xfrm>
+            <a:off x="1143000" y="872937"/>
+            <a:ext cx="8862060" cy="1360898"/>
+          </a:xfrm>
+        </p:spPr>
+        <p:txBody>
+          <a:bodyPr>
+            <a:normAutofit/>
+          </a:bodyPr>
+          <a:lstStyle/>
+          <a:p>
+            <a:r>
+              <a:rPr lang="en-US"/>
+              <a:t>Next Steps </a:t>
+            </a:r>
+          </a:p>
+        </p:txBody>
+      </p:sp>
+      <p:sp>
+        <p:nvSpPr>
+          <p:cNvPr id="3" name="Content Placeholder 2">
+            <a:extLst>
+              <a:ext uri="{FF2B5EF4-FFF2-40B4-BE49-F238E27FC236}">
+                <a16:creationId xmlns:a16="http://schemas.microsoft.com/office/drawing/2014/main" id="{F200603F-F783-3C44-1A6E-0AEA878BC19E}"/>
+              </a:ext>
+            </a:extLst>
+          </p:cNvPr>
+          <p:cNvSpPr>
+            <a:spLocks noGrp="1"/>
+          </p:cNvSpPr>
+          <p:nvPr>
+            <p:ph idx="1"/>
+          </p:nvPr>
+        </p:nvSpPr>
+        <p:spPr>
+          <a:xfrm>
+            <a:off x="1142999" y="2332029"/>
+            <a:ext cx="6972301" cy="3524486"/>
+          </a:xfrm>
+        </p:spPr>
+        <p:txBody>
+          <a:bodyPr>
+            <a:normAutofit/>
+          </a:bodyPr>
+          <a:lstStyle/>
+          <a:p>
+            <a:pPr marL="0" indent="0">
+              <a:lnSpc>
+                <a:spcPct val="110000"/>
+              </a:lnSpc>
+              <a:buNone/>
+            </a:pPr>
+            <a:r>
+              <a:rPr lang="en-US" sz="1700"/>
+              <a:t>Advanced Search Options:</a:t>
+            </a:r>
+          </a:p>
+          <a:p>
+            <a:pPr>
+              <a:lnSpc>
+                <a:spcPct val="110000"/>
+              </a:lnSpc>
+            </a:pPr>
+            <a:r>
+              <a:rPr lang="en-US" sz="1700"/>
+              <a:t>Including additional search filters like meal type (breakfast, lunch, and dinner)</a:t>
+            </a:r>
+          </a:p>
+          <a:p>
+            <a:pPr>
+              <a:lnSpc>
+                <a:spcPct val="110000"/>
+              </a:lnSpc>
+            </a:pPr>
+            <a:r>
+              <a:rPr lang="en-US" sz="1700"/>
+              <a:t>Allow users to exclude certain ingredients from their search</a:t>
+            </a:r>
+          </a:p>
+          <a:p>
+            <a:pPr marL="0" indent="0">
+              <a:lnSpc>
+                <a:spcPct val="110000"/>
+              </a:lnSpc>
+              <a:buNone/>
+            </a:pPr>
+            <a:r>
+              <a:rPr lang="en-US" sz="1700"/>
+              <a:t>Shopping List Generator</a:t>
+            </a:r>
+          </a:p>
+          <a:p>
+            <a:pPr>
+              <a:lnSpc>
+                <a:spcPct val="110000"/>
+              </a:lnSpc>
+            </a:pPr>
+            <a:r>
+              <a:rPr lang="en-US" sz="1700"/>
+              <a:t>Add a feature to generate a shopping list</a:t>
+            </a:r>
+          </a:p>
+          <a:p>
+            <a:pPr marL="0" indent="0">
+              <a:lnSpc>
+                <a:spcPct val="110000"/>
+              </a:lnSpc>
+              <a:buNone/>
+            </a:pPr>
+            <a:r>
+              <a:rPr lang="en-US" sz="1700"/>
+              <a:t>Health and Nutritional Information:</a:t>
+            </a:r>
+          </a:p>
+          <a:p>
+            <a:pPr>
+              <a:lnSpc>
+                <a:spcPct val="110000"/>
+              </a:lnSpc>
+            </a:pPr>
+            <a:r>
+              <a:rPr lang="en-US" sz="1700"/>
+              <a:t>Provide additional health and nutritional information, possibly linking ingredients to health benefits or risks</a:t>
+            </a:r>
+          </a:p>
+          <a:p>
+            <a:pPr marL="0" indent="0">
+              <a:lnSpc>
+                <a:spcPct val="110000"/>
+              </a:lnSpc>
+              <a:buNone/>
+            </a:pPr>
+            <a:endParaRPr lang="en-US" sz="1700"/>
+          </a:p>
+        </p:txBody>
+      </p:sp>
+      <p:cxnSp>
+        <p:nvCxnSpPr>
+          <p:cNvPr id="12" name="Straight Connector 11">
+            <a:extLst>
+              <a:ext uri="{FF2B5EF4-FFF2-40B4-BE49-F238E27FC236}">
+                <a16:creationId xmlns:a16="http://schemas.microsoft.com/office/drawing/2014/main" id="{D0249902-6C42-4139-A46F-ADF022B8C1C3}"/>
+              </a:ext>
+              <a:ext uri="{C183D7F6-B498-43B3-948B-1728B52AA6E4}">
+                <adec:decorative xmlns:adec="http://schemas.microsoft.com/office/drawing/2017/decorative" val="1"/>
+              </a:ext>
+            </a:extLst>
+          </p:cNvPr>
+          <p:cNvCxnSpPr>
+            <a:cxnSpLocks noGrp="1" noRot="1" noChangeAspect="1" noMove="1" noResize="1" noEditPoints="1" noAdjustHandles="1" noChangeArrowheads="1" noChangeShapeType="1"/>
+          </p:cNvCxnSpPr>
+          <p:nvPr>
+            <p:extLst>
+              <p:ext uri="{386F3935-93C4-4BCD-93E2-E3B085C9AB24}">
+                <p16:designElem xmlns:p16="http://schemas.microsoft.com/office/powerpoint/2015/main" val="1"/>
+              </p:ext>
+            </p:extLst>
+          </p:nvPr>
+        </p:nvCxnSpPr>
+        <p:spPr>
+          <a:xfrm>
+            <a:off x="1233837" y="6172200"/>
+            <a:ext cx="9760638" cy="0"/>
+          </a:xfrm>
+          <a:prstGeom prst="line">
+            <a:avLst/>
+          </a:prstGeom>
+          <a:ln w="12700">
+            <a:solidFill>
+              <a:schemeClr val="tx1"/>
+            </a:solidFill>
+          </a:ln>
+        </p:spPr>
+        <p:style>
+          <a:lnRef idx="1">
+            <a:schemeClr val="accent1"/>
+          </a:lnRef>
+          <a:fillRef idx="0">
+            <a:schemeClr val="accent1"/>
+          </a:fillRef>
+          <a:effectRef idx="0">
+            <a:schemeClr val="accent1"/>
+          </a:effectRef>
+          <a:fontRef idx="minor">
+            <a:schemeClr val="tx1"/>
+          </a:fontRef>
+        </p:style>
+      </p:cxnSp>
+    </p:spTree>
+    <p:extLst>
+      <p:ext uri="{BB962C8B-B14F-4D97-AF65-F5344CB8AC3E}">
+        <p14:creationId xmlns:p14="http://schemas.microsoft.com/office/powerpoint/2010/main" val="3085639923"/>
+      </p:ext>
+    </p:extLst>
+  </p:cSld>
+  <p:clrMapOvr>
+    <a:masterClrMapping/>
+  </p:clrMapOvr>
+</p:sld>
+</file>
+
+<file path=ppt/slides/slide7.xml><?xml version="1.0" encoding="utf-8"?>
+<p:sld xmlns:a="http://schemas.openxmlformats.org/drawingml/2006/main" xmlns:r="http://schemas.openxmlformats.org/officeDocument/2006/relationships" xmlns:p="http://schemas.openxmlformats.org/presentationml/2006/main">
+  <p:cSld>
+    <p:bg>
+      <p:bgPr>
+        <a:solidFill>
+          <a:schemeClr val="bg1"/>
+        </a:solidFill>
+        <a:effectLst/>
+      </p:bgPr>
+    </p:bg>
+    <p:spTree>
+      <p:nvGrpSpPr>
+        <p:cNvPr id="1" name=""/>
+        <p:cNvGrpSpPr/>
+        <p:nvPr/>
+      </p:nvGrpSpPr>
+      <p:grpSpPr>
+        <a:xfrm>
+          <a:off x="0" y="0"/>
+          <a:ext cx="0" cy="0"/>
+          <a:chOff x="0" y="0"/>
+          <a:chExt cx="0" cy="0"/>
+        </a:xfrm>
+      </p:grpSpPr>
+      <p:sp>
+        <p:nvSpPr>
+          <p:cNvPr id="10" name="Freeform: Shape 9">
+            <a:extLst>
+              <a:ext uri="{FF2B5EF4-FFF2-40B4-BE49-F238E27FC236}">
+                <a16:creationId xmlns:a16="http://schemas.microsoft.com/office/drawing/2014/main" id="{5CD60141-EEBD-4EC1-8E34-0344C16A18A2}"/>
+              </a:ext>
+              <a:ext uri="{C183D7F6-B498-43B3-948B-1728B52AA6E4}">
+                <adec:decorative xmlns:adec="http://schemas.microsoft.com/office/drawing/2017/decorative" val="1"/>
+              </a:ext>
+            </a:extLst>
+          </p:cNvPr>
+          <p:cNvSpPr>
+            <a:spLocks noGrp="1" noRot="1" noChangeAspect="1" noMove="1" noResize="1" noEditPoints="1" noAdjustHandles="1" noChangeArrowheads="1" noChangeShapeType="1" noTextEdit="1"/>
+          </p:cNvSpPr>
+          <p:nvPr>
+            <p:extLst>
+              <p:ext uri="{386F3935-93C4-4BCD-93E2-E3B085C9AB24}">
+                <p16:designElem xmlns:p16="http://schemas.microsoft.com/office/powerpoint/2015/main" val="1"/>
+              </p:ext>
+            </p:extLst>
+          </p:nvPr>
+        </p:nvSpPr>
+        <p:spPr>
+          <a:xfrm>
+            <a:off x="5318308" y="0"/>
+            <a:ext cx="6873692" cy="6858000"/>
+          </a:xfrm>
+          <a:custGeom>
+            <a:avLst/>
+            <a:gdLst/>
+            <a:ahLst/>
+            <a:cxnLst/>
+            <a:rect l="l" t="t" r="r" b="b"/>
+            <a:pathLst>
+              <a:path w="6873692" h="6858000">
+                <a:moveTo>
+                  <a:pt x="6010592" y="0"/>
+                </a:moveTo>
+                <a:lnTo>
+                  <a:pt x="6873692" y="0"/>
+                </a:lnTo>
+                <a:lnTo>
+                  <a:pt x="6873692" y="6858000"/>
+                </a:lnTo>
+                <a:lnTo>
+                  <a:pt x="0" y="6858000"/>
+                </a:lnTo>
+                <a:lnTo>
+                  <a:pt x="6010589" y="4"/>
+                </a:lnTo>
+                <a:cubicBezTo>
+                  <a:pt x="6010589" y="3"/>
+                  <a:pt x="6010590" y="3"/>
+                  <a:pt x="6010590" y="2"/>
+                </a:cubicBezTo>
+                <a:lnTo>
+                  <a:pt x="6010592" y="0"/>
+                </a:lnTo>
+                <a:close/>
+              </a:path>
+            </a:pathLst>
+          </a:custGeom>
+          <a:solidFill>
+            <a:schemeClr val="bg2"/>
+          </a:solidFill>
+          <a:ln w="12700" cap="flat" cmpd="sng" algn="ctr">
+            <a:noFill/>
+            <a:prstDash val="solid"/>
+            <a:miter lim="800000"/>
+          </a:ln>
+          <a:effectLst/>
+        </p:spPr>
+        <p:style>
+          <a:lnRef idx="2">
+            <a:schemeClr val="accent1">
+              <a:shade val="50000"/>
+            </a:schemeClr>
+          </a:lnRef>
+          <a:fillRef idx="1">
+            <a:schemeClr val="accent1"/>
+          </a:fillRef>
+          <a:effectRef idx="0">
+            <a:schemeClr val="accent1"/>
+          </a:effectRef>
+          <a:fontRef idx="minor">
+            <a:schemeClr val="lt1"/>
+          </a:fontRef>
+        </p:style>
+        <p:txBody>
+          <a:bodyPr wrap="square" rtlCol="0" anchor="ctr">
+            <a:noAutofit/>
+          </a:bodyPr>
+          <a:lstStyle/>
+          <a:p>
+            <a:pPr algn="ctr"/>
+            <a:endParaRPr lang="en-US"/>
+          </a:p>
+        </p:txBody>
+      </p:sp>
+      <p:cxnSp>
+        <p:nvCxnSpPr>
+          <p:cNvPr id="12" name="Straight Connector 11">
+            <a:extLst>
+              <a:ext uri="{FF2B5EF4-FFF2-40B4-BE49-F238E27FC236}">
+                <a16:creationId xmlns:a16="http://schemas.microsoft.com/office/drawing/2014/main" id="{4C75A547-BCD1-42BE-966E-53CA0AB93165}"/>
+              </a:ext>
+              <a:ext uri="{C183D7F6-B498-43B3-948B-1728B52AA6E4}">
+                <adec:decorative xmlns:adec="http://schemas.microsoft.com/office/drawing/2017/decorative" val="1"/>
+              </a:ext>
+            </a:extLst>
+          </p:cNvPr>
+          <p:cNvCxnSpPr>
+            <a:cxnSpLocks noGrp="1" noRot="1" noChangeAspect="1" noMove="1" noResize="1" noEditPoints="1" noAdjustHandles="1" noChangeArrowheads="1" noChangeShapeType="1"/>
+          </p:cNvCxnSpPr>
+          <p:nvPr>
+            <p:extLst>
+              <p:ext uri="{386F3935-93C4-4BCD-93E2-E3B085C9AB24}">
+                <p16:designElem xmlns:p16="http://schemas.microsoft.com/office/powerpoint/2015/main" val="1"/>
+              </p:ext>
+            </p:extLst>
+          </p:nvPr>
+        </p:nvCxnSpPr>
+        <p:spPr>
+          <a:xfrm>
+            <a:off x="1188357" y="5151666"/>
+            <a:ext cx="9822543" cy="0"/>
+          </a:xfrm>
+          <a:prstGeom prst="line">
+            <a:avLst/>
+          </a:prstGeom>
+          <a:ln w="12700">
+            <a:solidFill>
+              <a:schemeClr val="tx1"/>
+            </a:solidFill>
+          </a:ln>
+        </p:spPr>
+        <p:style>
+          <a:lnRef idx="1">
+            <a:schemeClr val="accent1"/>
+          </a:lnRef>
+          <a:fillRef idx="0">
+            <a:schemeClr val="accent1"/>
+          </a:fillRef>
+          <a:effectRef idx="0">
+            <a:schemeClr val="accent1"/>
+          </a:effectRef>
+          <a:fontRef idx="minor">
+            <a:schemeClr val="tx1"/>
+          </a:fontRef>
+        </p:style>
+      </p:cxnSp>
+      <p:sp useBgFill="1">
+        <p:nvSpPr>
+          <p:cNvPr id="14" name="Rectangle 13">
+            <a:extLst>
+              <a:ext uri="{FF2B5EF4-FFF2-40B4-BE49-F238E27FC236}">
+                <a16:creationId xmlns:a16="http://schemas.microsoft.com/office/drawing/2014/main" id="{8998F414-7D0A-4BB3-ABF9-D356969FDA82}"/>
+              </a:ext>
+              <a:ext uri="{C183D7F6-B498-43B3-948B-1728B52AA6E4}">
+                <adec:decorative xmlns:adec="http://schemas.microsoft.com/office/drawing/2017/decorative" val="1"/>
+              </a:ext>
+            </a:extLst>
+          </p:cNvPr>
+          <p:cNvSpPr>
+            <a:spLocks noGrp="1" noRot="1" noChangeAspect="1" noMove="1" noResize="1" noEditPoints="1" noAdjustHandles="1" noChangeArrowheads="1" noChangeShapeType="1" noTextEdit="1"/>
+          </p:cNvSpPr>
+          <p:nvPr>
+            <p:extLst>
+              <p:ext uri="{386F3935-93C4-4BCD-93E2-E3B085C9AB24}">
+                <p16:designElem xmlns:p16="http://schemas.microsoft.com/office/powerpoint/2015/main" val="1"/>
+              </p:ext>
+            </p:extLst>
+          </p:nvPr>
+        </p:nvSpPr>
+        <p:spPr>
+          <a:xfrm>
+            <a:off x="0" y="0"/>
+            <a:ext cx="12192000" cy="6858000"/>
+          </a:xfrm>
+          <a:prstGeom prst="rect">
+            <a:avLst/>
+          </a:prstGeom>
+          <a:ln w="12700" cap="flat" cmpd="sng" algn="ctr">
+            <a:noFill/>
+            <a:prstDash val="solid"/>
+            <a:miter lim="800000"/>
+          </a:ln>
+          <a:effectLst/>
+          <a:extLst>
+            <a:ext uri="{91240B29-F687-4F45-9708-019B960494DF}">
+              <a14:hiddenLine xmlns:a14="http://schemas.microsoft.com/office/drawing/2010/main" w="12700" cap="flat" cmpd="sng" algn="ctr">
+                <a:solidFill>
+                  <a:schemeClr val="accent1">
+                    <a:shade val="50000"/>
+                  </a:schemeClr>
+                </a:solidFill>
+                <a:prstDash val="solid"/>
+                <a:miter lim="800000"/>
+              </a14:hiddenLine>
+            </a:ext>
+          </a:extLst>
+        </p:spPr>
+        <p:style>
+          <a:lnRef idx="2">
+            <a:schemeClr val="accent1">
+              <a:shade val="50000"/>
+            </a:schemeClr>
+          </a:lnRef>
+          <a:fillRef idx="1">
+            <a:schemeClr val="accent1"/>
+          </a:fillRef>
+          <a:effectRef idx="0">
+            <a:schemeClr val="accent1"/>
+          </a:effectRef>
+          <a:fontRef idx="minor">
+            <a:schemeClr val="lt1"/>
+          </a:fontRef>
+        </p:style>
+        <p:txBody>
+          <a:bodyPr rtlCol="0" anchor="ctr"/>
+          <a:lstStyle/>
+          <a:p>
+            <a:pPr algn="ctr"/>
+            <a:endParaRPr lang="en-US"/>
+          </a:p>
+        </p:txBody>
+      </p:sp>
+      <p:sp>
+        <p:nvSpPr>
+          <p:cNvPr id="16" name="Freeform: Shape 15">
+            <a:extLst>
+              <a:ext uri="{FF2B5EF4-FFF2-40B4-BE49-F238E27FC236}">
+                <a16:creationId xmlns:a16="http://schemas.microsoft.com/office/drawing/2014/main" id="{41DC52BE-B2E5-4356-9FCF-8F0E04E5F1E9}"/>
+              </a:ext>
+              <a:ext uri="{C183D7F6-B498-43B3-948B-1728B52AA6E4}">
+                <adec:decorative xmlns:adec="http://schemas.microsoft.com/office/drawing/2017/decorative" val="1"/>
+              </a:ext>
+            </a:extLst>
+          </p:cNvPr>
+          <p:cNvSpPr>
+            <a:spLocks noGrp="1" noRot="1" noChangeAspect="1" noMove="1" noResize="1" noEditPoints="1" noAdjustHandles="1" noChangeArrowheads="1" noChangeShapeType="1" noTextEdit="1"/>
+          </p:cNvSpPr>
+          <p:nvPr>
+            <p:extLst>
+              <p:ext uri="{386F3935-93C4-4BCD-93E2-E3B085C9AB24}">
+                <p16:designElem xmlns:p16="http://schemas.microsoft.com/office/powerpoint/2015/main" val="1"/>
+              </p:ext>
+            </p:extLst>
+          </p:nvPr>
+        </p:nvSpPr>
+        <p:spPr>
+          <a:xfrm>
+            <a:off x="5314772" y="1"/>
+            <a:ext cx="6877228" cy="6857999"/>
+          </a:xfrm>
+          <a:custGeom>
+            <a:avLst/>
+            <a:gdLst>
+              <a:gd name="connsiteX0" fmla="*/ 6010591 w 6877228"/>
+              <a:gd name="connsiteY0" fmla="*/ 0 h 6857999"/>
+              <a:gd name="connsiteX1" fmla="*/ 6877228 w 6877228"/>
+              <a:gd name="connsiteY1" fmla="*/ 0 h 6857999"/>
+              <a:gd name="connsiteX2" fmla="*/ 6877228 w 6877228"/>
+              <a:gd name="connsiteY2" fmla="*/ 4081237 h 6857999"/>
+              <a:gd name="connsiteX3" fmla="*/ 4443576 w 6877228"/>
+              <a:gd name="connsiteY3" fmla="*/ 6857999 h 6857999"/>
+              <a:gd name="connsiteX4" fmla="*/ 0 w 6877228"/>
+              <a:gd name="connsiteY4" fmla="*/ 6857999 h 6857999"/>
+            </a:gdLst>
+            <a:ahLst/>
+            <a:cxnLst>
+              <a:cxn ang="0">
+                <a:pos x="connsiteX0" y="connsiteY0"/>
+              </a:cxn>
+              <a:cxn ang="0">
+                <a:pos x="connsiteX1" y="connsiteY1"/>
+              </a:cxn>
+              <a:cxn ang="0">
+                <a:pos x="connsiteX2" y="connsiteY2"/>
+              </a:cxn>
+              <a:cxn ang="0">
+                <a:pos x="connsiteX3" y="connsiteY3"/>
+              </a:cxn>
+              <a:cxn ang="0">
+                <a:pos x="connsiteX4" y="connsiteY4"/>
+              </a:cxn>
+            </a:cxnLst>
+            <a:rect l="l" t="t" r="r" b="b"/>
+            <a:pathLst>
+              <a:path w="6877228" h="6857999">
+                <a:moveTo>
+                  <a:pt x="6010591" y="0"/>
+                </a:moveTo>
+                <a:lnTo>
+                  <a:pt x="6877228" y="0"/>
+                </a:lnTo>
+                <a:lnTo>
+                  <a:pt x="6877228" y="4081237"/>
+                </a:lnTo>
+                <a:lnTo>
+                  <a:pt x="4443576" y="6857999"/>
+                </a:lnTo>
+                <a:lnTo>
+                  <a:pt x="0" y="6857999"/>
+                </a:lnTo>
+                <a:close/>
+              </a:path>
+            </a:pathLst>
+          </a:custGeom>
+          <a:solidFill>
+            <a:srgbClr val="FFFFFF"/>
+          </a:solidFill>
+          <a:ln w="12700" cap="flat" cmpd="sng" algn="ctr">
+            <a:noFill/>
+            <a:prstDash val="solid"/>
+            <a:miter lim="800000"/>
+          </a:ln>
+          <a:effectLst/>
+        </p:spPr>
+        <p:style>
+          <a:lnRef idx="2">
+            <a:schemeClr val="accent1">
+              <a:shade val="50000"/>
+            </a:schemeClr>
+          </a:lnRef>
+          <a:fillRef idx="1">
+            <a:schemeClr val="accent1"/>
+          </a:fillRef>
+          <a:effectRef idx="0">
+            <a:schemeClr val="accent1"/>
+          </a:effectRef>
+          <a:fontRef idx="minor">
+            <a:schemeClr val="lt1"/>
+          </a:fontRef>
+        </p:style>
+        <p:txBody>
+          <a:bodyPr wrap="square" rtlCol="0" anchor="ctr">
+            <a:noAutofit/>
+          </a:bodyPr>
+          <a:lstStyle/>
+          <a:p>
+            <a:pPr algn="ctr"/>
+            <a:endParaRPr lang="en-US"/>
+          </a:p>
+        </p:txBody>
+      </p:sp>
+      <p:sp>
+        <p:nvSpPr>
+          <p:cNvPr id="18" name="Freeform: Shape 17">
+            <a:extLst>
+              <a:ext uri="{FF2B5EF4-FFF2-40B4-BE49-F238E27FC236}">
+                <a16:creationId xmlns:a16="http://schemas.microsoft.com/office/drawing/2014/main" id="{0888D426-68B4-4BA8-96C3-1DCDCE2FA625}"/>
+              </a:ext>
+              <a:ext uri="{C183D7F6-B498-43B3-948B-1728B52AA6E4}">
+                <adec:decorative xmlns:adec="http://schemas.microsoft.com/office/drawing/2017/decorative" val="1"/>
+              </a:ext>
+            </a:extLst>
+          </p:cNvPr>
+          <p:cNvSpPr>
+            <a:spLocks noGrp="1" noRot="1" noChangeAspect="1" noMove="1" noResize="1" noEditPoints="1" noAdjustHandles="1" noChangeArrowheads="1" noChangeShapeType="1" noTextEdit="1"/>
+          </p:cNvSpPr>
+          <p:nvPr>
+            <p:extLst>
+              <p:ext uri="{386F3935-93C4-4BCD-93E2-E3B085C9AB24}">
+                <p16:designElem xmlns:p16="http://schemas.microsoft.com/office/powerpoint/2015/main" val="1"/>
+              </p:ext>
+            </p:extLst>
+          </p:nvPr>
+        </p:nvSpPr>
+        <p:spPr>
+          <a:xfrm>
+            <a:off x="0" y="0"/>
+            <a:ext cx="11322200" cy="6858000"/>
+          </a:xfrm>
+          <a:custGeom>
+            <a:avLst/>
+            <a:gdLst>
+              <a:gd name="connsiteX0" fmla="*/ 0 w 11593823"/>
+              <a:gd name="connsiteY0" fmla="*/ 0 h 6858000"/>
+              <a:gd name="connsiteX1" fmla="*/ 2155010 w 11593823"/>
+              <a:gd name="connsiteY1" fmla="*/ 0 h 6858000"/>
+              <a:gd name="connsiteX2" fmla="*/ 4676142 w 11593823"/>
+              <a:gd name="connsiteY2" fmla="*/ 0 h 6858000"/>
+              <a:gd name="connsiteX3" fmla="*/ 4806770 w 11593823"/>
+              <a:gd name="connsiteY3" fmla="*/ 0 h 6858000"/>
+              <a:gd name="connsiteX4" fmla="*/ 4806770 w 11593823"/>
+              <a:gd name="connsiteY4" fmla="*/ 2 h 6858000"/>
+              <a:gd name="connsiteX5" fmla="*/ 9092864 w 11593823"/>
+              <a:gd name="connsiteY5" fmla="*/ 2 h 6858000"/>
+              <a:gd name="connsiteX6" fmla="*/ 9092866 w 11593823"/>
+              <a:gd name="connsiteY6" fmla="*/ 0 h 6858000"/>
+              <a:gd name="connsiteX7" fmla="*/ 11322200 w 11593823"/>
+              <a:gd name="connsiteY7" fmla="*/ 0 h 6858000"/>
+              <a:gd name="connsiteX8" fmla="*/ 11322198 w 11593823"/>
+              <a:gd name="connsiteY8" fmla="*/ 2 h 6858000"/>
+              <a:gd name="connsiteX9" fmla="*/ 11593823 w 11593823"/>
+              <a:gd name="connsiteY9" fmla="*/ 2 h 6858000"/>
+              <a:gd name="connsiteX10" fmla="*/ 11322197 w 11593823"/>
+              <a:gd name="connsiteY10" fmla="*/ 4 h 6858000"/>
+              <a:gd name="connsiteX11" fmla="*/ 5311608 w 11593823"/>
+              <a:gd name="connsiteY11" fmla="*/ 6858000 h 6858000"/>
+              <a:gd name="connsiteX12" fmla="*/ 5288856 w 11593823"/>
+              <a:gd name="connsiteY12" fmla="*/ 6858000 h 6858000"/>
+              <a:gd name="connsiteX13" fmla="*/ 4806770 w 11593823"/>
+              <a:gd name="connsiteY13" fmla="*/ 6858000 h 6858000"/>
+              <a:gd name="connsiteX14" fmla="*/ 4676142 w 11593823"/>
+              <a:gd name="connsiteY14" fmla="*/ 6858000 h 6858000"/>
+              <a:gd name="connsiteX15" fmla="*/ 3082273 w 11593823"/>
+              <a:gd name="connsiteY15" fmla="*/ 6858000 h 6858000"/>
+              <a:gd name="connsiteX16" fmla="*/ 2625273 w 11593823"/>
+              <a:gd name="connsiteY16" fmla="*/ 6858000 h 6858000"/>
+              <a:gd name="connsiteX17" fmla="*/ 2155010 w 11593823"/>
+              <a:gd name="connsiteY17" fmla="*/ 6858000 h 6858000"/>
+              <a:gd name="connsiteX18" fmla="*/ 0 w 11593823"/>
+              <a:gd name="connsiteY18" fmla="*/ 6858000 h 6858000"/>
+              <a:gd name="connsiteX0" fmla="*/ 0 w 11593823"/>
+              <a:gd name="connsiteY0" fmla="*/ 0 h 6858000"/>
+              <a:gd name="connsiteX1" fmla="*/ 2155010 w 11593823"/>
+              <a:gd name="connsiteY1" fmla="*/ 0 h 6858000"/>
+              <a:gd name="connsiteX2" fmla="*/ 4676142 w 11593823"/>
+              <a:gd name="connsiteY2" fmla="*/ 0 h 6858000"/>
+              <a:gd name="connsiteX3" fmla="*/ 4806770 w 11593823"/>
+              <a:gd name="connsiteY3" fmla="*/ 0 h 6858000"/>
+              <a:gd name="connsiteX4" fmla="*/ 4806770 w 11593823"/>
+              <a:gd name="connsiteY4" fmla="*/ 2 h 6858000"/>
+              <a:gd name="connsiteX5" fmla="*/ 9092864 w 11593823"/>
+              <a:gd name="connsiteY5" fmla="*/ 2 h 6858000"/>
+              <a:gd name="connsiteX6" fmla="*/ 11322200 w 11593823"/>
+              <a:gd name="connsiteY6" fmla="*/ 0 h 6858000"/>
+              <a:gd name="connsiteX7" fmla="*/ 11322198 w 11593823"/>
+              <a:gd name="connsiteY7" fmla="*/ 2 h 6858000"/>
+              <a:gd name="connsiteX8" fmla="*/ 11593823 w 11593823"/>
+              <a:gd name="connsiteY8" fmla="*/ 2 h 6858000"/>
+              <a:gd name="connsiteX9" fmla="*/ 11322197 w 11593823"/>
+              <a:gd name="connsiteY9" fmla="*/ 4 h 6858000"/>
+              <a:gd name="connsiteX10" fmla="*/ 5311608 w 11593823"/>
+              <a:gd name="connsiteY10" fmla="*/ 6858000 h 6858000"/>
+              <a:gd name="connsiteX11" fmla="*/ 5288856 w 11593823"/>
+              <a:gd name="connsiteY11" fmla="*/ 6858000 h 6858000"/>
+              <a:gd name="connsiteX12" fmla="*/ 4806770 w 11593823"/>
+              <a:gd name="connsiteY12" fmla="*/ 6858000 h 6858000"/>
+              <a:gd name="connsiteX13" fmla="*/ 4676142 w 11593823"/>
+              <a:gd name="connsiteY13" fmla="*/ 6858000 h 6858000"/>
+              <a:gd name="connsiteX14" fmla="*/ 3082273 w 11593823"/>
+              <a:gd name="connsiteY14" fmla="*/ 6858000 h 6858000"/>
+              <a:gd name="connsiteX15" fmla="*/ 2625273 w 11593823"/>
+              <a:gd name="connsiteY15" fmla="*/ 6858000 h 6858000"/>
+              <a:gd name="connsiteX16" fmla="*/ 2155010 w 11593823"/>
+              <a:gd name="connsiteY16" fmla="*/ 6858000 h 6858000"/>
+              <a:gd name="connsiteX17" fmla="*/ 0 w 11593823"/>
+              <a:gd name="connsiteY17" fmla="*/ 6858000 h 6858000"/>
+              <a:gd name="connsiteX18" fmla="*/ 0 w 11593823"/>
+              <a:gd name="connsiteY18" fmla="*/ 0 h 6858000"/>
+              <a:gd name="connsiteX0" fmla="*/ 0 w 11593823"/>
+              <a:gd name="connsiteY0" fmla="*/ 0 h 6858000"/>
+              <a:gd name="connsiteX1" fmla="*/ 2155010 w 11593823"/>
+              <a:gd name="connsiteY1" fmla="*/ 0 h 6858000"/>
+              <a:gd name="connsiteX2" fmla="*/ 4676142 w 11593823"/>
+              <a:gd name="connsiteY2" fmla="*/ 0 h 6858000"/>
+              <a:gd name="connsiteX3" fmla="*/ 4806770 w 11593823"/>
+              <a:gd name="connsiteY3" fmla="*/ 0 h 6858000"/>
+              <a:gd name="connsiteX4" fmla="*/ 4806770 w 11593823"/>
+              <a:gd name="connsiteY4" fmla="*/ 2 h 6858000"/>
+              <a:gd name="connsiteX5" fmla="*/ 11322200 w 11593823"/>
+              <a:gd name="connsiteY5" fmla="*/ 0 h 6858000"/>
+              <a:gd name="connsiteX6" fmla="*/ 11322198 w 11593823"/>
+              <a:gd name="connsiteY6" fmla="*/ 2 h 6858000"/>
+              <a:gd name="connsiteX7" fmla="*/ 11593823 w 11593823"/>
+              <a:gd name="connsiteY7" fmla="*/ 2 h 6858000"/>
+              <a:gd name="connsiteX8" fmla="*/ 11322197 w 11593823"/>
+              <a:gd name="connsiteY8" fmla="*/ 4 h 6858000"/>
+              <a:gd name="connsiteX9" fmla="*/ 5311608 w 11593823"/>
+              <a:gd name="connsiteY9" fmla="*/ 6858000 h 6858000"/>
+              <a:gd name="connsiteX10" fmla="*/ 5288856 w 11593823"/>
+              <a:gd name="connsiteY10" fmla="*/ 6858000 h 6858000"/>
+              <a:gd name="connsiteX11" fmla="*/ 4806770 w 11593823"/>
+              <a:gd name="connsiteY11" fmla="*/ 6858000 h 6858000"/>
+              <a:gd name="connsiteX12" fmla="*/ 4676142 w 11593823"/>
+              <a:gd name="connsiteY12" fmla="*/ 6858000 h 6858000"/>
+              <a:gd name="connsiteX13" fmla="*/ 3082273 w 11593823"/>
+              <a:gd name="connsiteY13" fmla="*/ 6858000 h 6858000"/>
+              <a:gd name="connsiteX14" fmla="*/ 2625273 w 11593823"/>
+              <a:gd name="connsiteY14" fmla="*/ 6858000 h 6858000"/>
+              <a:gd name="connsiteX15" fmla="*/ 2155010 w 11593823"/>
+              <a:gd name="connsiteY15" fmla="*/ 6858000 h 6858000"/>
+              <a:gd name="connsiteX16" fmla="*/ 0 w 11593823"/>
+              <a:gd name="connsiteY16" fmla="*/ 6858000 h 6858000"/>
+              <a:gd name="connsiteX17" fmla="*/ 0 w 11593823"/>
+              <a:gd name="connsiteY17" fmla="*/ 0 h 6858000"/>
+              <a:gd name="connsiteX0" fmla="*/ 0 w 11593823"/>
+              <a:gd name="connsiteY0" fmla="*/ 0 h 6858000"/>
+              <a:gd name="connsiteX1" fmla="*/ 2155010 w 11593823"/>
+              <a:gd name="connsiteY1" fmla="*/ 0 h 6858000"/>
+              <a:gd name="connsiteX2" fmla="*/ 4806770 w 11593823"/>
+              <a:gd name="connsiteY2" fmla="*/ 0 h 6858000"/>
+              <a:gd name="connsiteX3" fmla="*/ 4806770 w 11593823"/>
+              <a:gd name="connsiteY3" fmla="*/ 2 h 6858000"/>
+              <a:gd name="connsiteX4" fmla="*/ 11322200 w 11593823"/>
+              <a:gd name="connsiteY4" fmla="*/ 0 h 6858000"/>
+              <a:gd name="connsiteX5" fmla="*/ 11322198 w 11593823"/>
+              <a:gd name="connsiteY5" fmla="*/ 2 h 6858000"/>
+              <a:gd name="connsiteX6" fmla="*/ 11593823 w 11593823"/>
+              <a:gd name="connsiteY6" fmla="*/ 2 h 6858000"/>
+              <a:gd name="connsiteX7" fmla="*/ 11322197 w 11593823"/>
+              <a:gd name="connsiteY7" fmla="*/ 4 h 6858000"/>
+              <a:gd name="connsiteX8" fmla="*/ 5311608 w 11593823"/>
+              <a:gd name="connsiteY8" fmla="*/ 6858000 h 6858000"/>
+              <a:gd name="connsiteX9" fmla="*/ 5288856 w 11593823"/>
+              <a:gd name="connsiteY9" fmla="*/ 6858000 h 6858000"/>
+              <a:gd name="connsiteX10" fmla="*/ 4806770 w 11593823"/>
+              <a:gd name="connsiteY10" fmla="*/ 6858000 h 6858000"/>
+              <a:gd name="connsiteX11" fmla="*/ 4676142 w 11593823"/>
+              <a:gd name="connsiteY11" fmla="*/ 6858000 h 6858000"/>
+              <a:gd name="connsiteX12" fmla="*/ 3082273 w 11593823"/>
+              <a:gd name="connsiteY12" fmla="*/ 6858000 h 6858000"/>
+              <a:gd name="connsiteX13" fmla="*/ 2625273 w 11593823"/>
+              <a:gd name="connsiteY13" fmla="*/ 6858000 h 6858000"/>
+              <a:gd name="connsiteX14" fmla="*/ 2155010 w 11593823"/>
+              <a:gd name="connsiteY14" fmla="*/ 6858000 h 6858000"/>
+              <a:gd name="connsiteX15" fmla="*/ 0 w 11593823"/>
+              <a:gd name="connsiteY15" fmla="*/ 6858000 h 6858000"/>
+              <a:gd name="connsiteX16" fmla="*/ 0 w 11593823"/>
+              <a:gd name="connsiteY16" fmla="*/ 0 h 6858000"/>
+              <a:gd name="connsiteX0" fmla="*/ 0 w 11593823"/>
+              <a:gd name="connsiteY0" fmla="*/ 0 h 6858000"/>
+              <a:gd name="connsiteX1" fmla="*/ 2155010 w 11593823"/>
+              <a:gd name="connsiteY1" fmla="*/ 0 h 6858000"/>
+              <a:gd name="connsiteX2" fmla="*/ 4806770 w 11593823"/>
+              <a:gd name="connsiteY2" fmla="*/ 0 h 6858000"/>
+              <a:gd name="connsiteX3" fmla="*/ 11322200 w 11593823"/>
+              <a:gd name="connsiteY3" fmla="*/ 0 h 6858000"/>
+              <a:gd name="connsiteX4" fmla="*/ 11322198 w 11593823"/>
+              <a:gd name="connsiteY4" fmla="*/ 2 h 6858000"/>
+              <a:gd name="connsiteX5" fmla="*/ 11593823 w 11593823"/>
+              <a:gd name="connsiteY5" fmla="*/ 2 h 6858000"/>
+              <a:gd name="connsiteX6" fmla="*/ 11322197 w 11593823"/>
+              <a:gd name="connsiteY6" fmla="*/ 4 h 6858000"/>
+              <a:gd name="connsiteX7" fmla="*/ 5311608 w 11593823"/>
+              <a:gd name="connsiteY7" fmla="*/ 6858000 h 6858000"/>
+              <a:gd name="connsiteX8" fmla="*/ 5288856 w 11593823"/>
+              <a:gd name="connsiteY8" fmla="*/ 6858000 h 6858000"/>
+              <a:gd name="connsiteX9" fmla="*/ 4806770 w 11593823"/>
+              <a:gd name="connsiteY9" fmla="*/ 6858000 h 6858000"/>
+              <a:gd name="connsiteX10" fmla="*/ 4676142 w 11593823"/>
+              <a:gd name="connsiteY10" fmla="*/ 6858000 h 6858000"/>
+              <a:gd name="connsiteX11" fmla="*/ 3082273 w 11593823"/>
+              <a:gd name="connsiteY11" fmla="*/ 6858000 h 6858000"/>
+              <a:gd name="connsiteX12" fmla="*/ 2625273 w 11593823"/>
+              <a:gd name="connsiteY12" fmla="*/ 6858000 h 6858000"/>
+              <a:gd name="connsiteX13" fmla="*/ 2155010 w 11593823"/>
+              <a:gd name="connsiteY13" fmla="*/ 6858000 h 6858000"/>
+              <a:gd name="connsiteX14" fmla="*/ 0 w 11593823"/>
+              <a:gd name="connsiteY14" fmla="*/ 6858000 h 6858000"/>
+              <a:gd name="connsiteX15" fmla="*/ 0 w 11593823"/>
+              <a:gd name="connsiteY15" fmla="*/ 0 h 6858000"/>
+              <a:gd name="connsiteX0" fmla="*/ 0 w 11593823"/>
+              <a:gd name="connsiteY0" fmla="*/ 0 h 6858000"/>
+              <a:gd name="connsiteX1" fmla="*/ 2155010 w 11593823"/>
+              <a:gd name="connsiteY1" fmla="*/ 0 h 6858000"/>
+              <a:gd name="connsiteX2" fmla="*/ 11322200 w 11593823"/>
+              <a:gd name="connsiteY2" fmla="*/ 0 h 6858000"/>
+              <a:gd name="connsiteX3" fmla="*/ 11322198 w 11593823"/>
+              <a:gd name="connsiteY3" fmla="*/ 2 h 6858000"/>
+              <a:gd name="connsiteX4" fmla="*/ 11593823 w 11593823"/>
+              <a:gd name="connsiteY4" fmla="*/ 2 h 6858000"/>
+              <a:gd name="connsiteX5" fmla="*/ 11322197 w 11593823"/>
+              <a:gd name="connsiteY5" fmla="*/ 4 h 6858000"/>
+              <a:gd name="connsiteX6" fmla="*/ 5311608 w 11593823"/>
+              <a:gd name="connsiteY6" fmla="*/ 6858000 h 6858000"/>
+              <a:gd name="connsiteX7" fmla="*/ 5288856 w 11593823"/>
+              <a:gd name="connsiteY7" fmla="*/ 6858000 h 6858000"/>
+              <a:gd name="connsiteX8" fmla="*/ 4806770 w 11593823"/>
+              <a:gd name="connsiteY8" fmla="*/ 6858000 h 6858000"/>
+              <a:gd name="connsiteX9" fmla="*/ 4676142 w 11593823"/>
+              <a:gd name="connsiteY9" fmla="*/ 6858000 h 6858000"/>
+              <a:gd name="connsiteX10" fmla="*/ 3082273 w 11593823"/>
+              <a:gd name="connsiteY10" fmla="*/ 6858000 h 6858000"/>
+              <a:gd name="connsiteX11" fmla="*/ 2625273 w 11593823"/>
+              <a:gd name="connsiteY11" fmla="*/ 6858000 h 6858000"/>
+              <a:gd name="connsiteX12" fmla="*/ 2155010 w 11593823"/>
+              <a:gd name="connsiteY12" fmla="*/ 6858000 h 6858000"/>
+              <a:gd name="connsiteX13" fmla="*/ 0 w 11593823"/>
+              <a:gd name="connsiteY13" fmla="*/ 6858000 h 6858000"/>
+              <a:gd name="connsiteX14" fmla="*/ 0 w 11593823"/>
+              <a:gd name="connsiteY14" fmla="*/ 0 h 6858000"/>
+              <a:gd name="connsiteX0" fmla="*/ 0 w 11593823"/>
+              <a:gd name="connsiteY0" fmla="*/ 0 h 6858000"/>
+              <a:gd name="connsiteX1" fmla="*/ 11322200 w 11593823"/>
+              <a:gd name="connsiteY1" fmla="*/ 0 h 6858000"/>
+              <a:gd name="connsiteX2" fmla="*/ 11322198 w 11593823"/>
+              <a:gd name="connsiteY2" fmla="*/ 2 h 6858000"/>
+              <a:gd name="connsiteX3" fmla="*/ 11593823 w 11593823"/>
+              <a:gd name="connsiteY3" fmla="*/ 2 h 6858000"/>
+              <a:gd name="connsiteX4" fmla="*/ 11322197 w 11593823"/>
+              <a:gd name="connsiteY4" fmla="*/ 4 h 6858000"/>
+              <a:gd name="connsiteX5" fmla="*/ 5311608 w 11593823"/>
+              <a:gd name="connsiteY5" fmla="*/ 6858000 h 6858000"/>
+              <a:gd name="connsiteX6" fmla="*/ 5288856 w 11593823"/>
+              <a:gd name="connsiteY6" fmla="*/ 6858000 h 6858000"/>
+              <a:gd name="connsiteX7" fmla="*/ 4806770 w 11593823"/>
+              <a:gd name="connsiteY7" fmla="*/ 6858000 h 6858000"/>
+              <a:gd name="connsiteX8" fmla="*/ 4676142 w 11593823"/>
+              <a:gd name="connsiteY8" fmla="*/ 6858000 h 6858000"/>
+              <a:gd name="connsiteX9" fmla="*/ 3082273 w 11593823"/>
+              <a:gd name="connsiteY9" fmla="*/ 6858000 h 6858000"/>
+              <a:gd name="connsiteX10" fmla="*/ 2625273 w 11593823"/>
+              <a:gd name="connsiteY10" fmla="*/ 6858000 h 6858000"/>
+              <a:gd name="connsiteX11" fmla="*/ 2155010 w 11593823"/>
+              <a:gd name="connsiteY11" fmla="*/ 6858000 h 6858000"/>
+              <a:gd name="connsiteX12" fmla="*/ 0 w 11593823"/>
+              <a:gd name="connsiteY12" fmla="*/ 6858000 h 6858000"/>
+              <a:gd name="connsiteX13" fmla="*/ 0 w 11593823"/>
+              <a:gd name="connsiteY13" fmla="*/ 0 h 6858000"/>
+              <a:gd name="connsiteX0" fmla="*/ 0 w 11593823"/>
+              <a:gd name="connsiteY0" fmla="*/ 0 h 6858000"/>
+              <a:gd name="connsiteX1" fmla="*/ 11322200 w 11593823"/>
+              <a:gd name="connsiteY1" fmla="*/ 0 h 6858000"/>
+              <a:gd name="connsiteX2" fmla="*/ 11322198 w 11593823"/>
+              <a:gd name="connsiteY2" fmla="*/ 2 h 6858000"/>
+              <a:gd name="connsiteX3" fmla="*/ 11593823 w 11593823"/>
+              <a:gd name="connsiteY3" fmla="*/ 2 h 6858000"/>
+              <a:gd name="connsiteX4" fmla="*/ 11322197 w 11593823"/>
+              <a:gd name="connsiteY4" fmla="*/ 4 h 6858000"/>
+              <a:gd name="connsiteX5" fmla="*/ 5311608 w 11593823"/>
+              <a:gd name="connsiteY5" fmla="*/ 6858000 h 6858000"/>
+              <a:gd name="connsiteX6" fmla="*/ 5288856 w 11593823"/>
+              <a:gd name="connsiteY6" fmla="*/ 6858000 h 6858000"/>
+              <a:gd name="connsiteX7" fmla="*/ 4806770 w 11593823"/>
+              <a:gd name="connsiteY7" fmla="*/ 6858000 h 6858000"/>
+              <a:gd name="connsiteX8" fmla="*/ 4676142 w 11593823"/>
+              <a:gd name="connsiteY8" fmla="*/ 6858000 h 6858000"/>
+              <a:gd name="connsiteX9" fmla="*/ 2625273 w 11593823"/>
+              <a:gd name="connsiteY9" fmla="*/ 6858000 h 6858000"/>
+              <a:gd name="connsiteX10" fmla="*/ 2155010 w 11593823"/>
+              <a:gd name="connsiteY10" fmla="*/ 6858000 h 6858000"/>
+              <a:gd name="connsiteX11" fmla="*/ 0 w 11593823"/>
+              <a:gd name="connsiteY11" fmla="*/ 6858000 h 6858000"/>
+              <a:gd name="connsiteX12" fmla="*/ 0 w 11593823"/>
+              <a:gd name="connsiteY12" fmla="*/ 0 h 6858000"/>
+              <a:gd name="connsiteX0" fmla="*/ 0 w 11593823"/>
+              <a:gd name="connsiteY0" fmla="*/ 0 h 6858000"/>
+              <a:gd name="connsiteX1" fmla="*/ 11322200 w 11593823"/>
+              <a:gd name="connsiteY1" fmla="*/ 0 h 6858000"/>
+              <a:gd name="connsiteX2" fmla="*/ 11322198 w 11593823"/>
+              <a:gd name="connsiteY2" fmla="*/ 2 h 6858000"/>
+              <a:gd name="connsiteX3" fmla="*/ 11593823 w 11593823"/>
+              <a:gd name="connsiteY3" fmla="*/ 2 h 6858000"/>
+              <a:gd name="connsiteX4" fmla="*/ 11322197 w 11593823"/>
+              <a:gd name="connsiteY4" fmla="*/ 4 h 6858000"/>
+              <a:gd name="connsiteX5" fmla="*/ 5311608 w 11593823"/>
+              <a:gd name="connsiteY5" fmla="*/ 6858000 h 6858000"/>
+              <a:gd name="connsiteX6" fmla="*/ 5288856 w 11593823"/>
+              <a:gd name="connsiteY6" fmla="*/ 6858000 h 6858000"/>
+              <a:gd name="connsiteX7" fmla="*/ 4806770 w 11593823"/>
+              <a:gd name="connsiteY7" fmla="*/ 6858000 h 6858000"/>
+              <a:gd name="connsiteX8" fmla="*/ 4676142 w 11593823"/>
+              <a:gd name="connsiteY8" fmla="*/ 6858000 h 6858000"/>
+              <a:gd name="connsiteX9" fmla="*/ 2155010 w 11593823"/>
+              <a:gd name="connsiteY9" fmla="*/ 6858000 h 6858000"/>
+              <a:gd name="connsiteX10" fmla="*/ 0 w 11593823"/>
+              <a:gd name="connsiteY10" fmla="*/ 6858000 h 6858000"/>
+              <a:gd name="connsiteX11" fmla="*/ 0 w 11593823"/>
+              <a:gd name="connsiteY11" fmla="*/ 0 h 6858000"/>
+              <a:gd name="connsiteX0" fmla="*/ 0 w 11593823"/>
+              <a:gd name="connsiteY0" fmla="*/ 0 h 6858000"/>
+              <a:gd name="connsiteX1" fmla="*/ 11322200 w 11593823"/>
+              <a:gd name="connsiteY1" fmla="*/ 0 h 6858000"/>
+              <a:gd name="connsiteX2" fmla="*/ 11322198 w 11593823"/>
+              <a:gd name="connsiteY2" fmla="*/ 2 h 6858000"/>
+              <a:gd name="connsiteX3" fmla="*/ 11593823 w 11593823"/>
+              <a:gd name="connsiteY3" fmla="*/ 2 h 6858000"/>
+              <a:gd name="connsiteX4" fmla="*/ 11322197 w 11593823"/>
+              <a:gd name="connsiteY4" fmla="*/ 4 h 6858000"/>
+              <a:gd name="connsiteX5" fmla="*/ 5311608 w 11593823"/>
+              <a:gd name="connsiteY5" fmla="*/ 6858000 h 6858000"/>
+              <a:gd name="connsiteX6" fmla="*/ 5288856 w 11593823"/>
+              <a:gd name="connsiteY6" fmla="*/ 6858000 h 6858000"/>
+              <a:gd name="connsiteX7" fmla="*/ 4806770 w 11593823"/>
+              <a:gd name="connsiteY7" fmla="*/ 6858000 h 6858000"/>
+              <a:gd name="connsiteX8" fmla="*/ 4676142 w 11593823"/>
+              <a:gd name="connsiteY8" fmla="*/ 6858000 h 6858000"/>
+              <a:gd name="connsiteX9" fmla="*/ 2155010 w 11593823"/>
+              <a:gd name="connsiteY9" fmla="*/ 6858000 h 6858000"/>
+              <a:gd name="connsiteX10" fmla="*/ 0 w 11593823"/>
+              <a:gd name="connsiteY10" fmla="*/ 6858000 h 6858000"/>
+              <a:gd name="connsiteX11" fmla="*/ 0 w 11593823"/>
+              <a:gd name="connsiteY11" fmla="*/ 0 h 6858000"/>
+              <a:gd name="connsiteX0" fmla="*/ 0 w 11593823"/>
+              <a:gd name="connsiteY0" fmla="*/ 0 h 6858000"/>
+              <a:gd name="connsiteX1" fmla="*/ 11322200 w 11593823"/>
+              <a:gd name="connsiteY1" fmla="*/ 0 h 6858000"/>
+              <a:gd name="connsiteX2" fmla="*/ 11322198 w 11593823"/>
+              <a:gd name="connsiteY2" fmla="*/ 2 h 6858000"/>
+              <a:gd name="connsiteX3" fmla="*/ 11593823 w 11593823"/>
+              <a:gd name="connsiteY3" fmla="*/ 2 h 6858000"/>
+              <a:gd name="connsiteX4" fmla="*/ 11322197 w 11593823"/>
+              <a:gd name="connsiteY4" fmla="*/ 4 h 6858000"/>
+              <a:gd name="connsiteX5" fmla="*/ 5311608 w 11593823"/>
+              <a:gd name="connsiteY5" fmla="*/ 6858000 h 6858000"/>
+              <a:gd name="connsiteX6" fmla="*/ 5288856 w 11593823"/>
+              <a:gd name="connsiteY6" fmla="*/ 6858000 h 6858000"/>
+              <a:gd name="connsiteX7" fmla="*/ 4806770 w 11593823"/>
+              <a:gd name="connsiteY7" fmla="*/ 6858000 h 6858000"/>
+              <a:gd name="connsiteX8" fmla="*/ 4676142 w 11593823"/>
+              <a:gd name="connsiteY8" fmla="*/ 6858000 h 6858000"/>
+              <a:gd name="connsiteX9" fmla="*/ 0 w 11593823"/>
+              <a:gd name="connsiteY9" fmla="*/ 6858000 h 6858000"/>
+              <a:gd name="connsiteX10" fmla="*/ 0 w 11593823"/>
+              <a:gd name="connsiteY10" fmla="*/ 0 h 6858000"/>
+              <a:gd name="connsiteX0" fmla="*/ 0 w 11593823"/>
+              <a:gd name="connsiteY0" fmla="*/ 0 h 6858000"/>
+              <a:gd name="connsiteX1" fmla="*/ 11322200 w 11593823"/>
+              <a:gd name="connsiteY1" fmla="*/ 0 h 6858000"/>
+              <a:gd name="connsiteX2" fmla="*/ 11322198 w 11593823"/>
+              <a:gd name="connsiteY2" fmla="*/ 2 h 6858000"/>
+              <a:gd name="connsiteX3" fmla="*/ 11593823 w 11593823"/>
+              <a:gd name="connsiteY3" fmla="*/ 2 h 6858000"/>
+              <a:gd name="connsiteX4" fmla="*/ 11322197 w 11593823"/>
+              <a:gd name="connsiteY4" fmla="*/ 4 h 6858000"/>
+              <a:gd name="connsiteX5" fmla="*/ 5311608 w 11593823"/>
+              <a:gd name="connsiteY5" fmla="*/ 6858000 h 6858000"/>
+              <a:gd name="connsiteX6" fmla="*/ 5288856 w 11593823"/>
+              <a:gd name="connsiteY6" fmla="*/ 6858000 h 6858000"/>
+              <a:gd name="connsiteX7" fmla="*/ 4676142 w 11593823"/>
+              <a:gd name="connsiteY7" fmla="*/ 6858000 h 6858000"/>
+              <a:gd name="connsiteX8" fmla="*/ 0 w 11593823"/>
+              <a:gd name="connsiteY8" fmla="*/ 6858000 h 6858000"/>
+              <a:gd name="connsiteX9" fmla="*/ 0 w 11593823"/>
+              <a:gd name="connsiteY9" fmla="*/ 0 h 6858000"/>
+              <a:gd name="connsiteX0" fmla="*/ 0 w 11593823"/>
+              <a:gd name="connsiteY0" fmla="*/ 0 h 6858000"/>
+              <a:gd name="connsiteX1" fmla="*/ 11322200 w 11593823"/>
+              <a:gd name="connsiteY1" fmla="*/ 0 h 6858000"/>
+              <a:gd name="connsiteX2" fmla="*/ 11322198 w 11593823"/>
+              <a:gd name="connsiteY2" fmla="*/ 2 h 6858000"/>
+              <a:gd name="connsiteX3" fmla="*/ 11593823 w 11593823"/>
+              <a:gd name="connsiteY3" fmla="*/ 2 h 6858000"/>
+              <a:gd name="connsiteX4" fmla="*/ 11322197 w 11593823"/>
+              <a:gd name="connsiteY4" fmla="*/ 4 h 6858000"/>
+              <a:gd name="connsiteX5" fmla="*/ 5311608 w 11593823"/>
+              <a:gd name="connsiteY5" fmla="*/ 6858000 h 6858000"/>
+              <a:gd name="connsiteX6" fmla="*/ 5288856 w 11593823"/>
+              <a:gd name="connsiteY6" fmla="*/ 6858000 h 6858000"/>
+              <a:gd name="connsiteX7" fmla="*/ 0 w 11593823"/>
+              <a:gd name="connsiteY7" fmla="*/ 6858000 h 6858000"/>
+              <a:gd name="connsiteX8" fmla="*/ 0 w 11593823"/>
+              <a:gd name="connsiteY8" fmla="*/ 0 h 6858000"/>
+              <a:gd name="connsiteX0" fmla="*/ 0 w 11593823"/>
+              <a:gd name="connsiteY0" fmla="*/ 0 h 6858000"/>
+              <a:gd name="connsiteX1" fmla="*/ 11322200 w 11593823"/>
+              <a:gd name="connsiteY1" fmla="*/ 0 h 6858000"/>
+              <a:gd name="connsiteX2" fmla="*/ 11322198 w 11593823"/>
+              <a:gd name="connsiteY2" fmla="*/ 2 h 6858000"/>
+              <a:gd name="connsiteX3" fmla="*/ 11593823 w 11593823"/>
+              <a:gd name="connsiteY3" fmla="*/ 2 h 6858000"/>
+              <a:gd name="connsiteX4" fmla="*/ 11322197 w 11593823"/>
+              <a:gd name="connsiteY4" fmla="*/ 4 h 6858000"/>
+              <a:gd name="connsiteX5" fmla="*/ 5311608 w 11593823"/>
+              <a:gd name="connsiteY5" fmla="*/ 6858000 h 6858000"/>
+              <a:gd name="connsiteX6" fmla="*/ 0 w 11593823"/>
+              <a:gd name="connsiteY6" fmla="*/ 6858000 h 6858000"/>
+              <a:gd name="connsiteX7" fmla="*/ 0 w 11593823"/>
+              <a:gd name="connsiteY7" fmla="*/ 0 h 6858000"/>
+              <a:gd name="connsiteX0" fmla="*/ 0 w 11322200"/>
+              <a:gd name="connsiteY0" fmla="*/ 0 h 6858000"/>
+              <a:gd name="connsiteX1" fmla="*/ 11322200 w 11322200"/>
+              <a:gd name="connsiteY1" fmla="*/ 0 h 6858000"/>
+              <a:gd name="connsiteX2" fmla="*/ 11322198 w 11322200"/>
+              <a:gd name="connsiteY2" fmla="*/ 2 h 6858000"/>
+              <a:gd name="connsiteX3" fmla="*/ 11322197 w 11322200"/>
+              <a:gd name="connsiteY3" fmla="*/ 4 h 6858000"/>
+              <a:gd name="connsiteX4" fmla="*/ 5311608 w 11322200"/>
+              <a:gd name="connsiteY4" fmla="*/ 6858000 h 6858000"/>
+              <a:gd name="connsiteX5" fmla="*/ 0 w 11322200"/>
+              <a:gd name="connsiteY5" fmla="*/ 6858000 h 6858000"/>
+              <a:gd name="connsiteX6" fmla="*/ 0 w 11322200"/>
+              <a:gd name="connsiteY6" fmla="*/ 0 h 6858000"/>
+            </a:gdLst>
+            <a:ahLst/>
+            <a:cxnLst>
+              <a:cxn ang="0">
+                <a:pos x="connsiteX0" y="connsiteY0"/>
+              </a:cxn>
+              <a:cxn ang="0">
+                <a:pos x="connsiteX1" y="connsiteY1"/>
+              </a:cxn>
+              <a:cxn ang="0">
+                <a:pos x="connsiteX2" y="connsiteY2"/>
+              </a:cxn>
+              <a:cxn ang="0">
+                <a:pos x="connsiteX3" y="connsiteY3"/>
+              </a:cxn>
+              <a:cxn ang="0">
+                <a:pos x="connsiteX4" y="connsiteY4"/>
+              </a:cxn>
+              <a:cxn ang="0">
+                <a:pos x="connsiteX5" y="connsiteY5"/>
+              </a:cxn>
+              <a:cxn ang="0">
+                <a:pos x="connsiteX6" y="connsiteY6"/>
+              </a:cxn>
+            </a:cxnLst>
+            <a:rect l="l" t="t" r="r" b="b"/>
+            <a:pathLst>
+              <a:path w="11322200" h="6858000">
+                <a:moveTo>
+                  <a:pt x="0" y="0"/>
+                </a:moveTo>
+                <a:lnTo>
+                  <a:pt x="11322200" y="0"/>
+                </a:lnTo>
+                <a:lnTo>
+                  <a:pt x="11322198" y="2"/>
+                </a:lnTo>
+                <a:cubicBezTo>
+                  <a:pt x="11322198" y="3"/>
+                  <a:pt x="11322197" y="3"/>
+                  <a:pt x="11322197" y="4"/>
+                </a:cubicBezTo>
+                <a:lnTo>
+                  <a:pt x="5311608" y="6858000"/>
+                </a:lnTo>
+                <a:lnTo>
+                  <a:pt x="0" y="6858000"/>
+                </a:lnTo>
+                <a:lnTo>
+                  <a:pt x="0" y="0"/>
+                </a:lnTo>
+                <a:close/>
+              </a:path>
+            </a:pathLst>
+          </a:custGeom>
+          <a:solidFill>
+            <a:schemeClr val="bg2"/>
+          </a:solidFill>
+          <a:ln w="12700" cap="flat" cmpd="sng" algn="ctr">
+            <a:noFill/>
+            <a:prstDash val="solid"/>
+            <a:miter lim="800000"/>
+          </a:ln>
+          <a:effectLst/>
+        </p:spPr>
+        <p:style>
+          <a:lnRef idx="2">
+            <a:schemeClr val="accent1">
+              <a:shade val="50000"/>
+            </a:schemeClr>
+          </a:lnRef>
+          <a:fillRef idx="1">
+            <a:schemeClr val="accent1"/>
+          </a:fillRef>
+          <a:effectRef idx="0">
+            <a:schemeClr val="accent1"/>
+          </a:effectRef>
+          <a:fontRef idx="minor">
+            <a:schemeClr val="lt1"/>
+          </a:fontRef>
+        </p:style>
+        <p:txBody>
+          <a:bodyPr wrap="square" rtlCol="0" anchor="ctr">
+            <a:noAutofit/>
+          </a:bodyPr>
+          <a:lstStyle/>
+          <a:p>
+            <a:pPr algn="ctr"/>
+            <a:endParaRPr lang="en-US"/>
+          </a:p>
+        </p:txBody>
+      </p:sp>
+      <p:sp>
+        <p:nvSpPr>
+          <p:cNvPr id="2" name="Title 1">
+            <a:extLst>
+              <a:ext uri="{FF2B5EF4-FFF2-40B4-BE49-F238E27FC236}">
+                <a16:creationId xmlns:a16="http://schemas.microsoft.com/office/drawing/2014/main" id="{6DBE5A14-C62E-2CA3-E283-872B1605A8A4}"/>
+              </a:ext>
+            </a:extLst>
+          </p:cNvPr>
+          <p:cNvSpPr>
+            <a:spLocks noGrp="1"/>
+          </p:cNvSpPr>
+          <p:nvPr>
+            <p:ph type="title"/>
+          </p:nvPr>
+        </p:nvSpPr>
+        <p:spPr>
+          <a:xfrm>
+            <a:off x="1143001" y="1181101"/>
+            <a:ext cx="6746966" cy="2681618"/>
+          </a:xfrm>
+        </p:spPr>
+        <p:txBody>
+          <a:bodyPr vert="horz" lIns="91440" tIns="45720" rIns="91440" bIns="45720" rtlCol="0" anchor="t">
+            <a:normAutofit/>
+          </a:bodyPr>
+          <a:lstStyle/>
+          <a:p>
+            <a:r>
+              <a:rPr lang="en-US" sz="4800" cap="all" spc="300"/>
+              <a:t>Thank you!</a:t>
+            </a:r>
+          </a:p>
+        </p:txBody>
+      </p:sp>
+      <p:pic>
+        <p:nvPicPr>
+          <p:cNvPr id="7" name="Graphic 6" descr="Handshake">
+            <a:extLst>
+              <a:ext uri="{FF2B5EF4-FFF2-40B4-BE49-F238E27FC236}">
+                <a16:creationId xmlns:a16="http://schemas.microsoft.com/office/drawing/2014/main" id="{8024022A-6A9A-87A9-D751-6BE2A09627B9}"/>
+              </a:ext>
+            </a:extLst>
+          </p:cNvPr>
+          <p:cNvPicPr>
+            <a:picLocks noChangeAspect="1"/>
+          </p:cNvPicPr>
+          <p:nvPr/>
+        </p:nvPicPr>
+        <p:blipFill>
+          <a:blip r:embed="rId2">
+            <a:extLst>
+              <a:ext uri="{28A0092B-C50C-407E-A947-70E740481C1C}">
+                <a14:useLocalDpi xmlns:a14="http://schemas.microsoft.com/office/drawing/2010/main" val="0"/>
+              </a:ext>
+              <a:ext uri="{96DAC541-7B7A-43D3-8B79-37D633B846F1}">
+                <asvg:svgBlip xmlns:asvg="http://schemas.microsoft.com/office/drawing/2016/SVG/main" r:embed="rId3"/>
+              </a:ext>
+            </a:extLst>
+          </a:blip>
+          <a:stretch>
+            <a:fillRect/>
+          </a:stretch>
+        </p:blipFill>
+        <p:spPr>
+          <a:xfrm>
+            <a:off x="8900234" y="3543795"/>
+            <a:ext cx="1640019" cy="1640019"/>
+          </a:xfrm>
+          <a:prstGeom prst="rect">
+            <a:avLst/>
+          </a:prstGeom>
+        </p:spPr>
+      </p:pic>
+    </p:spTree>
+    <p:extLst>
+      <p:ext uri="{BB962C8B-B14F-4D97-AF65-F5344CB8AC3E}">
+        <p14:creationId xmlns:p14="http://schemas.microsoft.com/office/powerpoint/2010/main" val="3087840645"/>
+      </p:ext>
+    </p:extLst>
+  </p:cSld>
+  <p:clrMapOvr>
+    <a:masterClrMapping/>
+  </p:clrMapOvr>
+</p:sld>
+</file>
+
 <file path=ppt/theme/theme1.xml><?xml version="1.0" encoding="utf-8"?>
 <a:theme xmlns:a="http://schemas.openxmlformats.org/drawingml/2006/main" name="RegattaVTI">
   <a:themeElements>
